--- a/ppt/rtshell入門.pptx
+++ b/ppt/rtshell入門.pptx
@@ -190,6 +190,18 @@
 </p:presentation>
 </file>
 
+<file path=ppt/commentAuthors.xml><?xml version="1.0" encoding="utf-8"?>
+<p:cmAuthorLst xmlns:a="http://schemas.openxmlformats.org/drawingml/2006/main" xmlns:r="http://schemas.openxmlformats.org/officeDocument/2006/relationships" xmlns:p="http://schemas.openxmlformats.org/presentationml/2006/main">
+  <p:cmAuthor id="1" name="宮本信彦" initials="宮本信彦" lastIdx="1" clrIdx="0">
+    <p:extLst>
+      <p:ext uri="{19B8F6BF-5375-455C-9EA6-DF929625EA0E}">
+        <p15:presenceInfo xmlns:p15="http://schemas.microsoft.com/office/powerpoint/2012/main" userId="S::n-miyamoto@aist.go.jp::4d1bc24d-f5e5-48f7-ad13-d51f4a5a1705" providerId="AD"/>
+      </p:ext>
+    </p:extLst>
+  </p:cmAuthor>
+</p:cmAuthorLst>
+</file>
+
 <file path=ppt/handoutMasters/handoutMaster1.xml><?xml version="1.0" encoding="utf-8"?>
 <p:handoutMaster xmlns:a="http://schemas.openxmlformats.org/drawingml/2006/main" xmlns:r="http://schemas.openxmlformats.org/officeDocument/2006/relationships" xmlns:p="http://schemas.openxmlformats.org/presentationml/2006/main">
   <p:cSld>
@@ -13463,7 +13475,7 @@
           <a:graphicData uri="http://schemas.openxmlformats.org/presentationml/2006/ole">
             <mc:AlternateContent xmlns:mc="http://schemas.openxmlformats.org/markup-compatibility/2006">
               <mc:Choice xmlns:v="urn:schemas-microsoft-com:vml" Requires="v">
-                <p:oleObj spid="_x0000_s1308" name="Corel DESIGNER" r:id="rId18" imgW="2743200" imgH="1536480" progId="Corel DESIGNER.Graphic.10">
+                <p:oleObj spid="_x0000_s1313" name="Corel DESIGNER" r:id="rId18" imgW="2743200" imgH="1536480" progId="Corel DESIGNER.Graphic.10">
                   <p:embed/>
                 </p:oleObj>
               </mc:Choice>
@@ -18279,8 +18291,8 @@
         </p:nvSpPr>
         <p:spPr>
           <a:xfrm>
-            <a:off x="804055" y="2733799"/>
-            <a:ext cx="7535890" cy="1039587"/>
+            <a:off x="435411" y="2733799"/>
+            <a:ext cx="8273177" cy="1039587"/>
           </a:xfrm>
           <a:prstGeom prst="rect">
             <a:avLst/>
@@ -18340,11 +18352,15 @@
             </a:r>
             <a:r>
               <a:rPr lang="en-US" altLang="ja-JP" sz="2000" dirty="0"/>
-              <a:t> localhost/</a:t>
+              <a:t> localhost/%COMPUTERNAME%</a:t>
+            </a:r>
+            <a:r>
+              <a:rPr lang="en-US" altLang="ja-JP" sz="2000" u="sng" dirty="0"/>
+              <a:t>.</a:t>
             </a:r>
             <a:r>
               <a:rPr lang="en-US" altLang="ja-JP" sz="2000" u="sng" dirty="0" err="1"/>
-              <a:t>host_name.host_cxt</a:t>
+              <a:t>host_cxt</a:t>
             </a:r>
             <a:r>
               <a:rPr lang="en-US" altLang="ja-JP" sz="2000" dirty="0"/>
@@ -18453,9 +18469,9 @@
                   <a:schemeClr val="tx1"/>
                 </a:solidFill>
               </a:rPr>
-              <a:t>の下に登録されるので、名前を確認して適宜変更する。</a:t>
-            </a:r>
-            <a:endParaRPr kumimoji="1" lang="ja-JP" altLang="en-US" sz="2000" dirty="0">
+              <a:t>の下に登録される。</a:t>
+            </a:r>
+            <a:endParaRPr lang="en-US" altLang="ja-JP" sz="2000" dirty="0">
               <a:solidFill>
                 <a:schemeClr val="tx1"/>
               </a:solidFill>
@@ -18485,7 +18501,7 @@
         </p:blipFill>
         <p:spPr>
           <a:xfrm>
-            <a:off x="3461864" y="4760105"/>
+            <a:off x="926595" y="4729690"/>
             <a:ext cx="2160240" cy="1652977"/>
           </a:xfrm>
           <a:prstGeom prst="rect">
@@ -18507,7 +18523,7 @@
         </p:nvCxnSpPr>
         <p:spPr>
           <a:xfrm>
-            <a:off x="3851920" y="5994285"/>
+            <a:off x="1316651" y="5963870"/>
             <a:ext cx="1035115" cy="0"/>
           </a:xfrm>
           <a:prstGeom prst="line">
@@ -18534,6 +18550,60 @@
           </a:fontRef>
         </p:style>
       </p:cxnSp>
+      <p:sp>
+        <p:nvSpPr>
+          <p:cNvPr id="6" name="正方形/長方形 5">
+            <a:extLst>
+              <a:ext uri="{FF2B5EF4-FFF2-40B4-BE49-F238E27FC236}">
+                <a16:creationId xmlns:a16="http://schemas.microsoft.com/office/drawing/2014/main" id="{760A3393-B943-400C-8CE0-7744FA645ED6}"/>
+              </a:ext>
+            </a:extLst>
+          </p:cNvPr>
+          <p:cNvSpPr/>
+          <p:nvPr/>
+        </p:nvSpPr>
+        <p:spPr>
+          <a:xfrm>
+            <a:off x="3378531" y="4760785"/>
+            <a:ext cx="3803759" cy="523220"/>
+          </a:xfrm>
+          <a:prstGeom prst="rect">
+            <a:avLst/>
+          </a:prstGeom>
+        </p:spPr>
+        <p:txBody>
+          <a:bodyPr wrap="square">
+            <a:spAutoFit/>
+          </a:bodyPr>
+          <a:lstStyle/>
+          <a:p>
+            <a:r>
+              <a:rPr lang="en-US" altLang="ja-JP" dirty="0"/>
+              <a:t>※Ubuntu</a:t>
+            </a:r>
+            <a:r>
+              <a:rPr lang="ja-JP" altLang="en-US" dirty="0"/>
+              <a:t>の場合は「</a:t>
+            </a:r>
+            <a:r>
+              <a:rPr lang="en-US" altLang="ja-JP" dirty="0"/>
+              <a:t>%COMPUTERNAME%</a:t>
+            </a:r>
+            <a:r>
+              <a:rPr lang="ja-JP" altLang="en-US" dirty="0"/>
+              <a:t>」を「</a:t>
+            </a:r>
+            <a:r>
+              <a:rPr lang="en-US" altLang="ja-JP" dirty="0"/>
+              <a:t>${HOSTNAME}</a:t>
+            </a:r>
+            <a:r>
+              <a:rPr lang="ja-JP" altLang="en-US" dirty="0"/>
+              <a:t>」に変更する。</a:t>
+            </a:r>
+          </a:p>
+        </p:txBody>
+      </p:sp>
     </p:spTree>
     <p:extLst>
       <p:ext uri="{BB962C8B-B14F-4D97-AF65-F5344CB8AC3E}">
@@ -23344,7 +23414,7 @@
               </a:lnSpc>
             </a:pPr>
             <a:r>
-              <a:rPr lang="ja-JP" altLang="en-US" sz="2000" kern="0" dirty="0">
+              <a:rPr lang="en-US" altLang="ja-JP" sz="2000" kern="0" dirty="0">
                 <a:solidFill>
                   <a:schemeClr val="tx1">
                     <a:lumMod val="65000"/>
@@ -23352,16 +23422,8 @@
                   </a:schemeClr>
                 </a:solidFill>
               </a:rPr>
-              <a:t>ホスト名は適宜変更する。</a:t>
-            </a:r>
-            <a:endParaRPr lang="en-US" altLang="ja-JP" sz="2000" kern="0" dirty="0">
-              <a:solidFill>
-                <a:schemeClr val="tx1">
-                  <a:lumMod val="65000"/>
-                  <a:lumOff val="35000"/>
-                </a:schemeClr>
-              </a:solidFill>
-            </a:endParaRPr>
+              <a:t>Windows</a:t>
+            </a:r>
           </a:p>
           <a:p>
             <a:pPr lvl="1" eaLnBrk="1" hangingPunct="1">
@@ -23377,6 +23439,39 @@
                 </a:schemeClr>
               </a:solidFill>
             </a:endParaRPr>
+          </a:p>
+          <a:p>
+            <a:pPr lvl="1" eaLnBrk="1" hangingPunct="1">
+              <a:lnSpc>
+                <a:spcPct val="80000"/>
+              </a:lnSpc>
+            </a:pPr>
+            <a:endParaRPr lang="en-US" altLang="ja-JP" sz="2000" kern="0" dirty="0">
+              <a:solidFill>
+                <a:schemeClr val="tx1">
+                  <a:lumMod val="65000"/>
+                  <a:lumOff val="35000"/>
+                </a:schemeClr>
+              </a:solidFill>
+            </a:endParaRPr>
+          </a:p>
+          <a:p>
+            <a:pPr lvl="1" eaLnBrk="1" hangingPunct="1">
+              <a:lnSpc>
+                <a:spcPct val="80000"/>
+              </a:lnSpc>
+            </a:pPr>
+            <a:r>
+              <a:rPr lang="en-US" altLang="ja-JP" sz="2000" kern="0" dirty="0">
+                <a:solidFill>
+                  <a:schemeClr val="tx1">
+                    <a:lumMod val="65000"/>
+                    <a:lumOff val="35000"/>
+                  </a:schemeClr>
+                </a:solidFill>
+              </a:rPr>
+              <a:t>Ubuntu</a:t>
+            </a:r>
           </a:p>
           <a:p>
             <a:pPr lvl="1" eaLnBrk="1" hangingPunct="1">
@@ -24218,8 +24313,8 @@
         </p:nvSpPr>
         <p:spPr>
           <a:xfrm>
-            <a:off x="701570" y="2618910"/>
-            <a:ext cx="6670460" cy="1039587"/>
+            <a:off x="701568" y="2540189"/>
+            <a:ext cx="8024705" cy="630070"/>
           </a:xfrm>
           <a:prstGeom prst="rect">
             <a:avLst/>
@@ -24261,26 +24356,109 @@
             </a:r>
           </a:p>
           <a:p>
-            <a:endParaRPr lang="en-US" altLang="ja-JP" sz="2000" dirty="0"/>
-          </a:p>
-          <a:p>
             <a:r>
               <a:rPr lang="en-US" altLang="ja-JP" sz="2000" dirty="0" err="1"/>
               <a:t>rtexit</a:t>
             </a:r>
             <a:r>
               <a:rPr lang="en-US" altLang="ja-JP" sz="2000" dirty="0"/>
-              <a:t> localhost/</a:t>
+              <a:t> localhost/ %COMPUTERNAME%</a:t>
+            </a:r>
+            <a:r>
+              <a:rPr lang="en-US" altLang="ja-JP" sz="2000" u="sng" dirty="0"/>
+              <a:t>.</a:t>
             </a:r>
             <a:r>
               <a:rPr lang="en-US" altLang="ja-JP" sz="2000" u="sng" dirty="0" err="1"/>
-              <a:t>host_name.host_cxt</a:t>
+              <a:t>host_cxt</a:t>
             </a:r>
             <a:r>
               <a:rPr lang="en-US" altLang="ja-JP" sz="2000" dirty="0"/>
               <a:t>/RobotController0.rtc</a:t>
             </a:r>
             <a:endParaRPr lang="ja-JP" altLang="en-US" sz="2000" dirty="0"/>
+          </a:p>
+        </p:txBody>
+      </p:sp>
+      <p:sp>
+        <p:nvSpPr>
+          <p:cNvPr id="7" name="正方形/長方形 6">
+            <a:extLst>
+              <a:ext uri="{FF2B5EF4-FFF2-40B4-BE49-F238E27FC236}">
+                <a16:creationId xmlns:a16="http://schemas.microsoft.com/office/drawing/2014/main" id="{3D413413-0A06-4960-BA24-84FEFF5C0E7E}"/>
+              </a:ext>
+            </a:extLst>
+          </p:cNvPr>
+          <p:cNvSpPr/>
+          <p:nvPr/>
+        </p:nvSpPr>
+        <p:spPr>
+          <a:xfrm>
+            <a:off x="701569" y="3474005"/>
+            <a:ext cx="8024705" cy="945104"/>
+          </a:xfrm>
+          <a:prstGeom prst="rect">
+            <a:avLst/>
+          </a:prstGeom>
+          <a:solidFill>
+            <a:schemeClr val="tx1"/>
+          </a:solidFill>
+          <a:ln>
+            <a:noFill/>
+          </a:ln>
+        </p:spPr>
+        <p:style>
+          <a:lnRef idx="2">
+            <a:schemeClr val="accent1">
+              <a:shade val="50000"/>
+            </a:schemeClr>
+          </a:lnRef>
+          <a:fillRef idx="1">
+            <a:schemeClr val="accent1"/>
+          </a:fillRef>
+          <a:effectRef idx="0">
+            <a:schemeClr val="accent1"/>
+          </a:effectRef>
+          <a:fontRef idx="minor">
+            <a:schemeClr val="lt1"/>
+          </a:fontRef>
+        </p:style>
+        <p:txBody>
+          <a:bodyPr rtlCol="0" anchor="ctr"/>
+          <a:lstStyle/>
+          <a:p>
+            <a:r>
+              <a:rPr lang="en-US" altLang="ja-JP" sz="2000" dirty="0"/>
+              <a:t>HOSTNAME=`hostname`</a:t>
+            </a:r>
+          </a:p>
+          <a:p>
+            <a:r>
+              <a:rPr lang="en-US" altLang="ja-JP" sz="2000" dirty="0" err="1"/>
+              <a:t>rtexit</a:t>
+            </a:r>
+            <a:r>
+              <a:rPr lang="en-US" altLang="ja-JP" sz="2000" dirty="0"/>
+              <a:t> localhost/RaspberryPiMouseSimulator0.rtc</a:t>
+            </a:r>
+          </a:p>
+          <a:p>
+            <a:r>
+              <a:rPr lang="en-US" altLang="ja-JP" sz="2000" dirty="0" err="1"/>
+              <a:t>rtexit</a:t>
+            </a:r>
+            <a:r>
+              <a:rPr lang="en-US" altLang="ja-JP" sz="2000" dirty="0"/>
+              <a:t> localhost/${HOSTNAME}.</a:t>
+            </a:r>
+            <a:r>
+              <a:rPr lang="en-US" altLang="ja-JP" sz="2000" dirty="0" err="1"/>
+              <a:t>host_cxt</a:t>
+            </a:r>
+            <a:r>
+              <a:rPr lang="en-US" altLang="ja-JP" sz="2000" dirty="0"/>
+              <a:t>/RobotController0.rtc</a:t>
+            </a:r>
           </a:p>
         </p:txBody>
       </p:sp>

--- a/ppt/rtshell入門.pptx
+++ b/ppt/rtshell入門.pptx
@@ -13475,7 +13475,7 @@
           <a:graphicData uri="http://schemas.openxmlformats.org/presentationml/2006/ole">
             <mc:AlternateContent xmlns:mc="http://schemas.openxmlformats.org/markup-compatibility/2006">
               <mc:Choice xmlns:v="urn:schemas-microsoft-com:vml" Requires="v">
-                <p:oleObj spid="_x0000_s1313" name="Corel DESIGNER" r:id="rId18" imgW="2743200" imgH="1536480" progId="Corel DESIGNER.Graphic.10">
+                <p:oleObj spid="_x0000_s1322" name="Corel DESIGNER" r:id="rId18" imgW="2743200" imgH="1536480" progId="Corel DESIGNER.Graphic.10">
                   <p:embed/>
                 </p:oleObj>
               </mc:Choice>
@@ -14228,7 +14228,7 @@
         </p:nvSpPr>
         <p:spPr bwMode="auto">
           <a:xfrm>
-            <a:off x="66768" y="1592510"/>
+            <a:off x="66768" y="1448780"/>
             <a:ext cx="8950433" cy="4941835"/>
           </a:xfrm>
           <a:prstGeom prst="rect">
@@ -15146,7 +15146,7 @@
         </p:nvSpPr>
         <p:spPr>
           <a:xfrm>
-            <a:off x="1057619" y="5443762"/>
+            <a:off x="1057619" y="5300032"/>
             <a:ext cx="7535890" cy="446087"/>
           </a:xfrm>
           <a:prstGeom prst="rect">
@@ -15213,7 +15213,7 @@
         </p:nvSpPr>
         <p:spPr>
           <a:xfrm>
-            <a:off x="915620" y="6121115"/>
+            <a:off x="915620" y="5977385"/>
             <a:ext cx="7456855" cy="503239"/>
           </a:xfrm>
           <a:prstGeom prst="wedgeRoundRectCallout">
@@ -15309,7 +15309,7 @@
         </p:blipFill>
         <p:spPr>
           <a:xfrm>
-            <a:off x="66768" y="3056191"/>
+            <a:off x="66768" y="2912461"/>
             <a:ext cx="3990975" cy="1743075"/>
           </a:xfrm>
           <a:prstGeom prst="rect">
@@ -15331,7 +15331,7 @@
         </p:nvSpPr>
         <p:spPr>
           <a:xfrm>
-            <a:off x="4261505" y="3500195"/>
+            <a:off x="4261505" y="3356465"/>
             <a:ext cx="400506" cy="855095"/>
           </a:xfrm>
           <a:prstGeom prst="rightArrow">
@@ -15385,7 +15385,7 @@
         </p:blipFill>
         <p:spPr>
           <a:xfrm>
-            <a:off x="5036847" y="3199065"/>
+            <a:off x="5036847" y="3055335"/>
             <a:ext cx="3895725" cy="1457325"/>
           </a:xfrm>
           <a:prstGeom prst="rect">
@@ -18385,7 +18385,7 @@
         <p:spPr>
           <a:xfrm>
             <a:off x="634899" y="3898845"/>
-            <a:ext cx="7456855" cy="2555930"/>
+            <a:ext cx="6547391" cy="2555930"/>
           </a:xfrm>
           <a:prstGeom prst="wedgeRoundRectCallout">
             <a:avLst>
@@ -18445,12 +18445,27 @@
                   <a:schemeClr val="tx1"/>
                 </a:solidFill>
               </a:rPr>
-              <a:t>はネームサーバーにホスト名</a:t>
+              <a:t>はネームサーバーで</a:t>
+            </a:r>
+            <a:endParaRPr lang="en-US" altLang="ja-JP" sz="2000" dirty="0">
+              <a:solidFill>
+                <a:schemeClr val="tx1"/>
+              </a:solidFill>
+            </a:endParaRPr>
+          </a:p>
+          <a:p>
+            <a:r>
+              <a:rPr lang="ja-JP" altLang="en-US" sz="2000" dirty="0">
+                <a:solidFill>
+                  <a:srgbClr val="00B050"/>
+                </a:solidFill>
+              </a:rPr>
+              <a:t>ホスト名</a:t>
             </a:r>
             <a:r>
               <a:rPr lang="en-US" altLang="ja-JP" sz="2000" dirty="0">
                 <a:solidFill>
-                  <a:schemeClr val="tx1"/>
+                  <a:srgbClr val="00B050"/>
                 </a:solidFill>
               </a:rPr>
               <a:t>.</a:t>
@@ -18458,7 +18473,7 @@
             <a:r>
               <a:rPr lang="en-US" altLang="ja-JP" sz="2000" dirty="0" err="1">
                 <a:solidFill>
-                  <a:schemeClr val="tx1"/>
+                  <a:srgbClr val="00B050"/>
                 </a:solidFill>
               </a:rPr>
               <a:t>host_cxt</a:t>
@@ -18650,8 +18665,8 @@
         </p:nvSpPr>
         <p:spPr bwMode="auto">
           <a:xfrm>
-            <a:off x="417725" y="1296876"/>
-            <a:ext cx="8308549" cy="4562394"/>
+            <a:off x="211210" y="1296876"/>
+            <a:ext cx="8726275" cy="4562394"/>
           </a:xfrm>
           <a:prstGeom prst="rect">
             <a:avLst/>
@@ -32185,7 +32200,7 @@
         <p:spPr>
           <a:xfrm>
             <a:off x="1377642" y="3687391"/>
-            <a:ext cx="4454498" cy="942395"/>
+            <a:ext cx="4319483" cy="942395"/>
           </a:xfrm>
           <a:prstGeom prst="wedgeRoundRectCallout">
             <a:avLst>
@@ -32325,7 +32340,7 @@
         </p:nvSpPr>
         <p:spPr bwMode="auto">
           <a:xfrm>
-            <a:off x="66768" y="1133745"/>
+            <a:off x="66768" y="1088740"/>
             <a:ext cx="8950433" cy="5634245"/>
           </a:xfrm>
           <a:prstGeom prst="rect">
@@ -32634,10 +32649,11 @@
             </a:endParaRPr>
           </a:p>
           <a:p>
-            <a:pPr lvl="1" eaLnBrk="1" hangingPunct="1">
+            <a:pPr marL="457200" lvl="1" indent="0" eaLnBrk="1" hangingPunct="1">
               <a:lnSpc>
                 <a:spcPct val="80000"/>
               </a:lnSpc>
+              <a:buNone/>
             </a:pPr>
             <a:endParaRPr lang="en-US" altLang="ja-JP" sz="2400" kern="0" dirty="0">
               <a:solidFill>

--- a/ppt/rtshell入門.pptx
+++ b/ppt/rtshell入門.pptx
@@ -5,10 +5,10 @@
     <p:sldMasterId id="2147483648" r:id="rId1"/>
   </p:sldMasterIdLst>
   <p:notesMasterIdLst>
-    <p:notesMasterId r:id="rId20"/>
+    <p:notesMasterId r:id="rId21"/>
   </p:notesMasterIdLst>
   <p:handoutMasterIdLst>
-    <p:handoutMasterId r:id="rId21"/>
+    <p:handoutMasterId r:id="rId22"/>
   </p:handoutMasterIdLst>
   <p:sldIdLst>
     <p:sldId id="625" r:id="rId2"/>
@@ -29,6 +29,7 @@
     <p:sldId id="641" r:id="rId17"/>
     <p:sldId id="642" r:id="rId18"/>
     <p:sldId id="643" r:id="rId19"/>
+    <p:sldId id="646" r:id="rId20"/>
   </p:sldIdLst>
   <p:sldSz cx="9144000" cy="6858000" type="screen4x3"/>
   <p:notesSz cx="6797675" cy="9926638"/>
@@ -1250,7 +1251,7 @@
           <a:lstStyle/>
           <a:p>
             <a:pPr eaLnBrk="1" hangingPunct="1"/>
-            <a:endParaRPr lang="ja-JP" altLang="ja-JP">
+            <a:endParaRPr lang="ja-JP" altLang="ja-JP" dirty="0">
               <a:latin typeface="Arial" panose="020B0604020202020204" pitchFamily="34" charset="0"/>
             </a:endParaRPr>
           </a:p>
@@ -1728,57 +1729,39 @@
           <a:lstStyle/>
           <a:p>
             <a:pPr eaLnBrk="1" hangingPunct="1"/>
-            <a:r>
-              <a:rPr lang="en-US" altLang="ja-JP">
-                <a:latin typeface="Arial" panose="020B0604020202020204" pitchFamily="34" charset="0"/>
-              </a:rPr>
-              <a:t>At first, I’d like to mention about RT.</a:t>
-            </a:r>
+            <a:endParaRPr lang="en-US" altLang="ja-JP" dirty="0">
+              <a:latin typeface="Arial" panose="020B0604020202020204" pitchFamily="34" charset="0"/>
+            </a:endParaRPr>
           </a:p>
           <a:p>
             <a:pPr eaLnBrk="1" hangingPunct="1"/>
-            <a:r>
-              <a:rPr lang="en-US" altLang="ja-JP">
-                <a:latin typeface="Arial" panose="020B0604020202020204" pitchFamily="34" charset="0"/>
-              </a:rPr>
-              <a:t>What is RT?</a:t>
-            </a:r>
+            <a:endParaRPr lang="en-US" altLang="ja-JP" dirty="0">
+              <a:latin typeface="Arial" panose="020B0604020202020204" pitchFamily="34" charset="0"/>
+            </a:endParaRPr>
           </a:p>
           <a:p>
             <a:pPr eaLnBrk="1" hangingPunct="1"/>
-            <a:r>
-              <a:rPr lang="en-US" altLang="ja-JP">
-                <a:latin typeface="Arial" panose="020B0604020202020204" pitchFamily="34" charset="0"/>
-              </a:rPr>
-              <a:t>RT means Robot Technology.</a:t>
-            </a:r>
+            <a:endParaRPr lang="en-US" altLang="ja-JP" dirty="0">
+              <a:latin typeface="Arial" panose="020B0604020202020204" pitchFamily="34" charset="0"/>
+            </a:endParaRPr>
           </a:p>
           <a:p>
             <a:pPr eaLnBrk="1" hangingPunct="1"/>
-            <a:r>
-              <a:rPr lang="en-US" altLang="ja-JP">
-                <a:latin typeface="Arial" panose="020B0604020202020204" pitchFamily="34" charset="0"/>
-              </a:rPr>
-              <a:t>This is not only standalone robots like this, but also robotic elements, sensors, actuators and so on.</a:t>
-            </a:r>
+            <a:endParaRPr lang="en-US" altLang="ja-JP" dirty="0">
+              <a:latin typeface="Arial" panose="020B0604020202020204" pitchFamily="34" charset="0"/>
+            </a:endParaRPr>
           </a:p>
           <a:p>
             <a:pPr eaLnBrk="1" hangingPunct="1"/>
-            <a:r>
-              <a:rPr lang="en-US" altLang="ja-JP">
-                <a:latin typeface="Arial" panose="020B0604020202020204" pitchFamily="34" charset="0"/>
-              </a:rPr>
-              <a:t>We have studied on RT-Middleware.</a:t>
-            </a:r>
+            <a:endParaRPr lang="en-US" altLang="ja-JP" dirty="0">
+              <a:latin typeface="Arial" panose="020B0604020202020204" pitchFamily="34" charset="0"/>
+            </a:endParaRPr>
           </a:p>
           <a:p>
             <a:pPr eaLnBrk="1" hangingPunct="1"/>
-            <a:r>
-              <a:rPr lang="en-US" altLang="ja-JP">
-                <a:latin typeface="Arial" panose="020B0604020202020204" pitchFamily="34" charset="0"/>
-              </a:rPr>
-              <a:t>RT-Middleware is software platform to integrate these RT-elements. </a:t>
-            </a:r>
+            <a:endParaRPr lang="en-US" altLang="ja-JP" dirty="0">
+              <a:latin typeface="Arial" panose="020B0604020202020204" pitchFamily="34" charset="0"/>
+            </a:endParaRPr>
           </a:p>
         </p:txBody>
       </p:sp>
@@ -2259,57 +2242,39 @@
           <a:lstStyle/>
           <a:p>
             <a:pPr eaLnBrk="1" hangingPunct="1"/>
-            <a:r>
-              <a:rPr lang="en-US" altLang="ja-JP">
-                <a:latin typeface="Arial" panose="020B0604020202020204" pitchFamily="34" charset="0"/>
-              </a:rPr>
-              <a:t>At first, I’d like to mention about RT.</a:t>
-            </a:r>
+            <a:endParaRPr lang="en-US" altLang="ja-JP" dirty="0">
+              <a:latin typeface="Arial" panose="020B0604020202020204" pitchFamily="34" charset="0"/>
+            </a:endParaRPr>
           </a:p>
           <a:p>
             <a:pPr eaLnBrk="1" hangingPunct="1"/>
-            <a:r>
-              <a:rPr lang="en-US" altLang="ja-JP">
-                <a:latin typeface="Arial" panose="020B0604020202020204" pitchFamily="34" charset="0"/>
-              </a:rPr>
-              <a:t>What is RT?</a:t>
-            </a:r>
+            <a:endParaRPr lang="en-US" altLang="ja-JP" dirty="0">
+              <a:latin typeface="Arial" panose="020B0604020202020204" pitchFamily="34" charset="0"/>
+            </a:endParaRPr>
           </a:p>
           <a:p>
             <a:pPr eaLnBrk="1" hangingPunct="1"/>
-            <a:r>
-              <a:rPr lang="en-US" altLang="ja-JP">
-                <a:latin typeface="Arial" panose="020B0604020202020204" pitchFamily="34" charset="0"/>
-              </a:rPr>
-              <a:t>RT means Robot Technology.</a:t>
-            </a:r>
+            <a:endParaRPr lang="en-US" altLang="ja-JP" dirty="0">
+              <a:latin typeface="Arial" panose="020B0604020202020204" pitchFamily="34" charset="0"/>
+            </a:endParaRPr>
           </a:p>
           <a:p>
             <a:pPr eaLnBrk="1" hangingPunct="1"/>
-            <a:r>
-              <a:rPr lang="en-US" altLang="ja-JP">
-                <a:latin typeface="Arial" panose="020B0604020202020204" pitchFamily="34" charset="0"/>
-              </a:rPr>
-              <a:t>This is not only standalone robots like this, but also robotic elements, sensors, actuators and so on.</a:t>
-            </a:r>
+            <a:endParaRPr lang="en-US" altLang="ja-JP" dirty="0">
+              <a:latin typeface="Arial" panose="020B0604020202020204" pitchFamily="34" charset="0"/>
+            </a:endParaRPr>
           </a:p>
           <a:p>
             <a:pPr eaLnBrk="1" hangingPunct="1"/>
-            <a:r>
-              <a:rPr lang="en-US" altLang="ja-JP">
-                <a:latin typeface="Arial" panose="020B0604020202020204" pitchFamily="34" charset="0"/>
-              </a:rPr>
-              <a:t>We have studied on RT-Middleware.</a:t>
-            </a:r>
+            <a:endParaRPr lang="en-US" altLang="ja-JP" dirty="0">
+              <a:latin typeface="Arial" panose="020B0604020202020204" pitchFamily="34" charset="0"/>
+            </a:endParaRPr>
           </a:p>
           <a:p>
             <a:pPr eaLnBrk="1" hangingPunct="1"/>
-            <a:r>
-              <a:rPr lang="en-US" altLang="ja-JP">
-                <a:latin typeface="Arial" panose="020B0604020202020204" pitchFamily="34" charset="0"/>
-              </a:rPr>
-              <a:t>RT-Middleware is software platform to integrate these RT-elements. </a:t>
-            </a:r>
+            <a:endParaRPr lang="en-US" altLang="ja-JP" dirty="0">
+              <a:latin typeface="Arial" panose="020B0604020202020204" pitchFamily="34" charset="0"/>
+            </a:endParaRPr>
           </a:p>
         </p:txBody>
       </p:sp>
@@ -2790,57 +2755,39 @@
           <a:lstStyle/>
           <a:p>
             <a:pPr eaLnBrk="1" hangingPunct="1"/>
-            <a:r>
-              <a:rPr lang="en-US" altLang="ja-JP">
-                <a:latin typeface="Arial" panose="020B0604020202020204" pitchFamily="34" charset="0"/>
-              </a:rPr>
-              <a:t>At first, I’d like to mention about RT.</a:t>
-            </a:r>
+            <a:endParaRPr lang="en-US" altLang="ja-JP" dirty="0">
+              <a:latin typeface="Arial" panose="020B0604020202020204" pitchFamily="34" charset="0"/>
+            </a:endParaRPr>
           </a:p>
           <a:p>
             <a:pPr eaLnBrk="1" hangingPunct="1"/>
-            <a:r>
-              <a:rPr lang="en-US" altLang="ja-JP">
-                <a:latin typeface="Arial" panose="020B0604020202020204" pitchFamily="34" charset="0"/>
-              </a:rPr>
-              <a:t>What is RT?</a:t>
-            </a:r>
+            <a:endParaRPr lang="en-US" altLang="ja-JP" dirty="0">
+              <a:latin typeface="Arial" panose="020B0604020202020204" pitchFamily="34" charset="0"/>
+            </a:endParaRPr>
           </a:p>
           <a:p>
             <a:pPr eaLnBrk="1" hangingPunct="1"/>
-            <a:r>
-              <a:rPr lang="en-US" altLang="ja-JP">
-                <a:latin typeface="Arial" panose="020B0604020202020204" pitchFamily="34" charset="0"/>
-              </a:rPr>
-              <a:t>RT means Robot Technology.</a:t>
-            </a:r>
+            <a:endParaRPr lang="en-US" altLang="ja-JP" dirty="0">
+              <a:latin typeface="Arial" panose="020B0604020202020204" pitchFamily="34" charset="0"/>
+            </a:endParaRPr>
           </a:p>
           <a:p>
             <a:pPr eaLnBrk="1" hangingPunct="1"/>
-            <a:r>
-              <a:rPr lang="en-US" altLang="ja-JP">
-                <a:latin typeface="Arial" panose="020B0604020202020204" pitchFamily="34" charset="0"/>
-              </a:rPr>
-              <a:t>This is not only standalone robots like this, but also robotic elements, sensors, actuators and so on.</a:t>
-            </a:r>
+            <a:endParaRPr lang="en-US" altLang="ja-JP" dirty="0">
+              <a:latin typeface="Arial" panose="020B0604020202020204" pitchFamily="34" charset="0"/>
+            </a:endParaRPr>
           </a:p>
           <a:p>
             <a:pPr eaLnBrk="1" hangingPunct="1"/>
-            <a:r>
-              <a:rPr lang="en-US" altLang="ja-JP">
-                <a:latin typeface="Arial" panose="020B0604020202020204" pitchFamily="34" charset="0"/>
-              </a:rPr>
-              <a:t>We have studied on RT-Middleware.</a:t>
-            </a:r>
+            <a:endParaRPr lang="en-US" altLang="ja-JP" dirty="0">
+              <a:latin typeface="Arial" panose="020B0604020202020204" pitchFamily="34" charset="0"/>
+            </a:endParaRPr>
           </a:p>
           <a:p>
             <a:pPr eaLnBrk="1" hangingPunct="1"/>
-            <a:r>
-              <a:rPr lang="en-US" altLang="ja-JP">
-                <a:latin typeface="Arial" panose="020B0604020202020204" pitchFamily="34" charset="0"/>
-              </a:rPr>
-              <a:t>RT-Middleware is software platform to integrate these RT-elements. </a:t>
-            </a:r>
+            <a:endParaRPr lang="en-US" altLang="ja-JP" dirty="0">
+              <a:latin typeface="Arial" panose="020B0604020202020204" pitchFamily="34" charset="0"/>
+            </a:endParaRPr>
           </a:p>
         </p:txBody>
       </p:sp>
@@ -3321,57 +3268,39 @@
           <a:lstStyle/>
           <a:p>
             <a:pPr eaLnBrk="1" hangingPunct="1"/>
-            <a:r>
-              <a:rPr lang="en-US" altLang="ja-JP">
-                <a:latin typeface="Arial" panose="020B0604020202020204" pitchFamily="34" charset="0"/>
-              </a:rPr>
-              <a:t>At first, I’d like to mention about RT.</a:t>
-            </a:r>
+            <a:endParaRPr lang="en-US" altLang="ja-JP" dirty="0">
+              <a:latin typeface="Arial" panose="020B0604020202020204" pitchFamily="34" charset="0"/>
+            </a:endParaRPr>
           </a:p>
           <a:p>
             <a:pPr eaLnBrk="1" hangingPunct="1"/>
-            <a:r>
-              <a:rPr lang="en-US" altLang="ja-JP">
-                <a:latin typeface="Arial" panose="020B0604020202020204" pitchFamily="34" charset="0"/>
-              </a:rPr>
-              <a:t>What is RT?</a:t>
-            </a:r>
+            <a:endParaRPr lang="en-US" altLang="ja-JP" dirty="0">
+              <a:latin typeface="Arial" panose="020B0604020202020204" pitchFamily="34" charset="0"/>
+            </a:endParaRPr>
           </a:p>
           <a:p>
             <a:pPr eaLnBrk="1" hangingPunct="1"/>
-            <a:r>
-              <a:rPr lang="en-US" altLang="ja-JP">
-                <a:latin typeface="Arial" panose="020B0604020202020204" pitchFamily="34" charset="0"/>
-              </a:rPr>
-              <a:t>RT means Robot Technology.</a:t>
-            </a:r>
+            <a:endParaRPr lang="en-US" altLang="ja-JP" dirty="0">
+              <a:latin typeface="Arial" panose="020B0604020202020204" pitchFamily="34" charset="0"/>
+            </a:endParaRPr>
           </a:p>
           <a:p>
             <a:pPr eaLnBrk="1" hangingPunct="1"/>
-            <a:r>
-              <a:rPr lang="en-US" altLang="ja-JP">
-                <a:latin typeface="Arial" panose="020B0604020202020204" pitchFamily="34" charset="0"/>
-              </a:rPr>
-              <a:t>This is not only standalone robots like this, but also robotic elements, sensors, actuators and so on.</a:t>
-            </a:r>
+            <a:endParaRPr lang="en-US" altLang="ja-JP" dirty="0">
+              <a:latin typeface="Arial" panose="020B0604020202020204" pitchFamily="34" charset="0"/>
+            </a:endParaRPr>
           </a:p>
           <a:p>
             <a:pPr eaLnBrk="1" hangingPunct="1"/>
-            <a:r>
-              <a:rPr lang="en-US" altLang="ja-JP">
-                <a:latin typeface="Arial" panose="020B0604020202020204" pitchFamily="34" charset="0"/>
-              </a:rPr>
-              <a:t>We have studied on RT-Middleware.</a:t>
-            </a:r>
+            <a:endParaRPr lang="en-US" altLang="ja-JP" dirty="0">
+              <a:latin typeface="Arial" panose="020B0604020202020204" pitchFamily="34" charset="0"/>
+            </a:endParaRPr>
           </a:p>
           <a:p>
             <a:pPr eaLnBrk="1" hangingPunct="1"/>
-            <a:r>
-              <a:rPr lang="en-US" altLang="ja-JP">
-                <a:latin typeface="Arial" panose="020B0604020202020204" pitchFamily="34" charset="0"/>
-              </a:rPr>
-              <a:t>RT-Middleware is software platform to integrate these RT-elements. </a:t>
-            </a:r>
+            <a:endParaRPr lang="en-US" altLang="ja-JP" dirty="0">
+              <a:latin typeface="Arial" panose="020B0604020202020204" pitchFamily="34" charset="0"/>
+            </a:endParaRPr>
           </a:p>
         </p:txBody>
       </p:sp>
@@ -3852,57 +3781,39 @@
           <a:lstStyle/>
           <a:p>
             <a:pPr eaLnBrk="1" hangingPunct="1"/>
-            <a:r>
-              <a:rPr lang="en-US" altLang="ja-JP">
-                <a:latin typeface="Arial" panose="020B0604020202020204" pitchFamily="34" charset="0"/>
-              </a:rPr>
-              <a:t>At first, I’d like to mention about RT.</a:t>
-            </a:r>
+            <a:endParaRPr lang="en-US" altLang="ja-JP" dirty="0">
+              <a:latin typeface="Arial" panose="020B0604020202020204" pitchFamily="34" charset="0"/>
+            </a:endParaRPr>
           </a:p>
           <a:p>
             <a:pPr eaLnBrk="1" hangingPunct="1"/>
-            <a:r>
-              <a:rPr lang="en-US" altLang="ja-JP">
-                <a:latin typeface="Arial" panose="020B0604020202020204" pitchFamily="34" charset="0"/>
-              </a:rPr>
-              <a:t>What is RT?</a:t>
-            </a:r>
+            <a:endParaRPr lang="en-US" altLang="ja-JP" dirty="0">
+              <a:latin typeface="Arial" panose="020B0604020202020204" pitchFamily="34" charset="0"/>
+            </a:endParaRPr>
           </a:p>
           <a:p>
             <a:pPr eaLnBrk="1" hangingPunct="1"/>
-            <a:r>
-              <a:rPr lang="en-US" altLang="ja-JP">
-                <a:latin typeface="Arial" panose="020B0604020202020204" pitchFamily="34" charset="0"/>
-              </a:rPr>
-              <a:t>RT means Robot Technology.</a:t>
-            </a:r>
+            <a:endParaRPr lang="en-US" altLang="ja-JP" dirty="0">
+              <a:latin typeface="Arial" panose="020B0604020202020204" pitchFamily="34" charset="0"/>
+            </a:endParaRPr>
           </a:p>
           <a:p>
             <a:pPr eaLnBrk="1" hangingPunct="1"/>
-            <a:r>
-              <a:rPr lang="en-US" altLang="ja-JP">
-                <a:latin typeface="Arial" panose="020B0604020202020204" pitchFamily="34" charset="0"/>
-              </a:rPr>
-              <a:t>This is not only standalone robots like this, but also robotic elements, sensors, actuators and so on.</a:t>
-            </a:r>
+            <a:endParaRPr lang="en-US" altLang="ja-JP" dirty="0">
+              <a:latin typeface="Arial" panose="020B0604020202020204" pitchFamily="34" charset="0"/>
+            </a:endParaRPr>
           </a:p>
           <a:p>
             <a:pPr eaLnBrk="1" hangingPunct="1"/>
-            <a:r>
-              <a:rPr lang="en-US" altLang="ja-JP">
-                <a:latin typeface="Arial" panose="020B0604020202020204" pitchFamily="34" charset="0"/>
-              </a:rPr>
-              <a:t>We have studied on RT-Middleware.</a:t>
-            </a:r>
+            <a:endParaRPr lang="en-US" altLang="ja-JP" dirty="0">
+              <a:latin typeface="Arial" panose="020B0604020202020204" pitchFamily="34" charset="0"/>
+            </a:endParaRPr>
           </a:p>
           <a:p>
             <a:pPr eaLnBrk="1" hangingPunct="1"/>
-            <a:r>
-              <a:rPr lang="en-US" altLang="ja-JP">
-                <a:latin typeface="Arial" panose="020B0604020202020204" pitchFamily="34" charset="0"/>
-              </a:rPr>
-              <a:t>RT-Middleware is software platform to integrate these RT-elements. </a:t>
-            </a:r>
+            <a:endParaRPr lang="en-US" altLang="ja-JP" dirty="0">
+              <a:latin typeface="Arial" panose="020B0604020202020204" pitchFamily="34" charset="0"/>
+            </a:endParaRPr>
           </a:p>
         </p:txBody>
       </p:sp>
@@ -4383,57 +4294,39 @@
           <a:lstStyle/>
           <a:p>
             <a:pPr eaLnBrk="1" hangingPunct="1"/>
-            <a:r>
-              <a:rPr lang="en-US" altLang="ja-JP">
-                <a:latin typeface="Arial" panose="020B0604020202020204" pitchFamily="34" charset="0"/>
-              </a:rPr>
-              <a:t>At first, I’d like to mention about RT.</a:t>
-            </a:r>
+            <a:endParaRPr lang="en-US" altLang="ja-JP" dirty="0">
+              <a:latin typeface="Arial" panose="020B0604020202020204" pitchFamily="34" charset="0"/>
+            </a:endParaRPr>
           </a:p>
           <a:p>
             <a:pPr eaLnBrk="1" hangingPunct="1"/>
-            <a:r>
-              <a:rPr lang="en-US" altLang="ja-JP">
-                <a:latin typeface="Arial" panose="020B0604020202020204" pitchFamily="34" charset="0"/>
-              </a:rPr>
-              <a:t>What is RT?</a:t>
-            </a:r>
+            <a:endParaRPr lang="en-US" altLang="ja-JP" dirty="0">
+              <a:latin typeface="Arial" panose="020B0604020202020204" pitchFamily="34" charset="0"/>
+            </a:endParaRPr>
           </a:p>
           <a:p>
             <a:pPr eaLnBrk="1" hangingPunct="1"/>
-            <a:r>
-              <a:rPr lang="en-US" altLang="ja-JP">
-                <a:latin typeface="Arial" panose="020B0604020202020204" pitchFamily="34" charset="0"/>
-              </a:rPr>
-              <a:t>RT means Robot Technology.</a:t>
-            </a:r>
+            <a:endParaRPr lang="en-US" altLang="ja-JP" dirty="0">
+              <a:latin typeface="Arial" panose="020B0604020202020204" pitchFamily="34" charset="0"/>
+            </a:endParaRPr>
           </a:p>
           <a:p>
             <a:pPr eaLnBrk="1" hangingPunct="1"/>
-            <a:r>
-              <a:rPr lang="en-US" altLang="ja-JP">
-                <a:latin typeface="Arial" panose="020B0604020202020204" pitchFamily="34" charset="0"/>
-              </a:rPr>
-              <a:t>This is not only standalone robots like this, but also robotic elements, sensors, actuators and so on.</a:t>
-            </a:r>
+            <a:endParaRPr lang="en-US" altLang="ja-JP" dirty="0">
+              <a:latin typeface="Arial" panose="020B0604020202020204" pitchFamily="34" charset="0"/>
+            </a:endParaRPr>
           </a:p>
           <a:p>
             <a:pPr eaLnBrk="1" hangingPunct="1"/>
-            <a:r>
-              <a:rPr lang="en-US" altLang="ja-JP">
-                <a:latin typeface="Arial" panose="020B0604020202020204" pitchFamily="34" charset="0"/>
-              </a:rPr>
-              <a:t>We have studied on RT-Middleware.</a:t>
-            </a:r>
+            <a:endParaRPr lang="en-US" altLang="ja-JP" dirty="0">
+              <a:latin typeface="Arial" panose="020B0604020202020204" pitchFamily="34" charset="0"/>
+            </a:endParaRPr>
           </a:p>
           <a:p>
             <a:pPr eaLnBrk="1" hangingPunct="1"/>
-            <a:r>
-              <a:rPr lang="en-US" altLang="ja-JP">
-                <a:latin typeface="Arial" panose="020B0604020202020204" pitchFamily="34" charset="0"/>
-              </a:rPr>
-              <a:t>RT-Middleware is software platform to integrate these RT-elements. </a:t>
-            </a:r>
+            <a:endParaRPr lang="en-US" altLang="ja-JP" dirty="0">
+              <a:latin typeface="Arial" panose="020B0604020202020204" pitchFamily="34" charset="0"/>
+            </a:endParaRPr>
           </a:p>
         </p:txBody>
       </p:sp>
@@ -4914,57 +4807,39 @@
           <a:lstStyle/>
           <a:p>
             <a:pPr eaLnBrk="1" hangingPunct="1"/>
-            <a:r>
-              <a:rPr lang="en-US" altLang="ja-JP">
-                <a:latin typeface="Arial" panose="020B0604020202020204" pitchFamily="34" charset="0"/>
-              </a:rPr>
-              <a:t>At first, I’d like to mention about RT.</a:t>
-            </a:r>
+            <a:endParaRPr lang="en-US" altLang="ja-JP" dirty="0">
+              <a:latin typeface="Arial" panose="020B0604020202020204" pitchFamily="34" charset="0"/>
+            </a:endParaRPr>
           </a:p>
           <a:p>
             <a:pPr eaLnBrk="1" hangingPunct="1"/>
-            <a:r>
-              <a:rPr lang="en-US" altLang="ja-JP">
-                <a:latin typeface="Arial" panose="020B0604020202020204" pitchFamily="34" charset="0"/>
-              </a:rPr>
-              <a:t>What is RT?</a:t>
-            </a:r>
+            <a:endParaRPr lang="en-US" altLang="ja-JP" dirty="0">
+              <a:latin typeface="Arial" panose="020B0604020202020204" pitchFamily="34" charset="0"/>
+            </a:endParaRPr>
           </a:p>
           <a:p>
             <a:pPr eaLnBrk="1" hangingPunct="1"/>
-            <a:r>
-              <a:rPr lang="en-US" altLang="ja-JP">
-                <a:latin typeface="Arial" panose="020B0604020202020204" pitchFamily="34" charset="0"/>
-              </a:rPr>
-              <a:t>RT means Robot Technology.</a:t>
-            </a:r>
+            <a:endParaRPr lang="en-US" altLang="ja-JP" dirty="0">
+              <a:latin typeface="Arial" panose="020B0604020202020204" pitchFamily="34" charset="0"/>
+            </a:endParaRPr>
           </a:p>
           <a:p>
             <a:pPr eaLnBrk="1" hangingPunct="1"/>
-            <a:r>
-              <a:rPr lang="en-US" altLang="ja-JP">
-                <a:latin typeface="Arial" panose="020B0604020202020204" pitchFamily="34" charset="0"/>
-              </a:rPr>
-              <a:t>This is not only standalone robots like this, but also robotic elements, sensors, actuators and so on.</a:t>
-            </a:r>
+            <a:endParaRPr lang="en-US" altLang="ja-JP" dirty="0">
+              <a:latin typeface="Arial" panose="020B0604020202020204" pitchFamily="34" charset="0"/>
+            </a:endParaRPr>
           </a:p>
           <a:p>
             <a:pPr eaLnBrk="1" hangingPunct="1"/>
-            <a:r>
-              <a:rPr lang="en-US" altLang="ja-JP">
-                <a:latin typeface="Arial" panose="020B0604020202020204" pitchFamily="34" charset="0"/>
-              </a:rPr>
-              <a:t>We have studied on RT-Middleware.</a:t>
-            </a:r>
+            <a:endParaRPr lang="en-US" altLang="ja-JP" dirty="0">
+              <a:latin typeface="Arial" panose="020B0604020202020204" pitchFamily="34" charset="0"/>
+            </a:endParaRPr>
           </a:p>
           <a:p>
             <a:pPr eaLnBrk="1" hangingPunct="1"/>
-            <a:r>
-              <a:rPr lang="en-US" altLang="ja-JP">
-                <a:latin typeface="Arial" panose="020B0604020202020204" pitchFamily="34" charset="0"/>
-              </a:rPr>
-              <a:t>RT-Middleware is software platform to integrate these RT-elements. </a:t>
-            </a:r>
+            <a:endParaRPr lang="en-US" altLang="ja-JP" dirty="0">
+              <a:latin typeface="Arial" panose="020B0604020202020204" pitchFamily="34" charset="0"/>
+            </a:endParaRPr>
           </a:p>
         </p:txBody>
       </p:sp>
@@ -5445,57 +5320,39 @@
           <a:lstStyle/>
           <a:p>
             <a:pPr eaLnBrk="1" hangingPunct="1"/>
-            <a:r>
-              <a:rPr lang="en-US" altLang="ja-JP">
-                <a:latin typeface="Arial" panose="020B0604020202020204" pitchFamily="34" charset="0"/>
-              </a:rPr>
-              <a:t>At first, I’d like to mention about RT.</a:t>
-            </a:r>
+            <a:endParaRPr lang="en-US" altLang="ja-JP" dirty="0">
+              <a:latin typeface="Arial" panose="020B0604020202020204" pitchFamily="34" charset="0"/>
+            </a:endParaRPr>
           </a:p>
           <a:p>
             <a:pPr eaLnBrk="1" hangingPunct="1"/>
-            <a:r>
-              <a:rPr lang="en-US" altLang="ja-JP">
-                <a:latin typeface="Arial" panose="020B0604020202020204" pitchFamily="34" charset="0"/>
-              </a:rPr>
-              <a:t>What is RT?</a:t>
-            </a:r>
+            <a:endParaRPr lang="en-US" altLang="ja-JP" dirty="0">
+              <a:latin typeface="Arial" panose="020B0604020202020204" pitchFamily="34" charset="0"/>
+            </a:endParaRPr>
           </a:p>
           <a:p>
             <a:pPr eaLnBrk="1" hangingPunct="1"/>
-            <a:r>
-              <a:rPr lang="en-US" altLang="ja-JP">
-                <a:latin typeface="Arial" panose="020B0604020202020204" pitchFamily="34" charset="0"/>
-              </a:rPr>
-              <a:t>RT means Robot Technology.</a:t>
-            </a:r>
+            <a:endParaRPr lang="en-US" altLang="ja-JP" dirty="0">
+              <a:latin typeface="Arial" panose="020B0604020202020204" pitchFamily="34" charset="0"/>
+            </a:endParaRPr>
           </a:p>
           <a:p>
             <a:pPr eaLnBrk="1" hangingPunct="1"/>
-            <a:r>
-              <a:rPr lang="en-US" altLang="ja-JP">
-                <a:latin typeface="Arial" panose="020B0604020202020204" pitchFamily="34" charset="0"/>
-              </a:rPr>
-              <a:t>This is not only standalone robots like this, but also robotic elements, sensors, actuators and so on.</a:t>
-            </a:r>
+            <a:endParaRPr lang="en-US" altLang="ja-JP" dirty="0">
+              <a:latin typeface="Arial" panose="020B0604020202020204" pitchFamily="34" charset="0"/>
+            </a:endParaRPr>
           </a:p>
           <a:p>
             <a:pPr eaLnBrk="1" hangingPunct="1"/>
-            <a:r>
-              <a:rPr lang="en-US" altLang="ja-JP">
-                <a:latin typeface="Arial" panose="020B0604020202020204" pitchFamily="34" charset="0"/>
-              </a:rPr>
-              <a:t>We have studied on RT-Middleware.</a:t>
-            </a:r>
+            <a:endParaRPr lang="en-US" altLang="ja-JP" dirty="0">
+              <a:latin typeface="Arial" panose="020B0604020202020204" pitchFamily="34" charset="0"/>
+            </a:endParaRPr>
           </a:p>
           <a:p>
             <a:pPr eaLnBrk="1" hangingPunct="1"/>
-            <a:r>
-              <a:rPr lang="en-US" altLang="ja-JP">
-                <a:latin typeface="Arial" panose="020B0604020202020204" pitchFamily="34" charset="0"/>
-              </a:rPr>
-              <a:t>RT-Middleware is software platform to integrate these RT-elements. </a:t>
-            </a:r>
+            <a:endParaRPr lang="en-US" altLang="ja-JP" dirty="0">
+              <a:latin typeface="Arial" panose="020B0604020202020204" pitchFamily="34" charset="0"/>
+            </a:endParaRPr>
           </a:p>
         </p:txBody>
       </p:sp>
@@ -5976,57 +5833,39 @@
           <a:lstStyle/>
           <a:p>
             <a:pPr eaLnBrk="1" hangingPunct="1"/>
-            <a:r>
-              <a:rPr lang="en-US" altLang="ja-JP">
-                <a:latin typeface="Arial" panose="020B0604020202020204" pitchFamily="34" charset="0"/>
-              </a:rPr>
-              <a:t>At first, I’d like to mention about RT.</a:t>
-            </a:r>
+            <a:endParaRPr lang="en-US" altLang="ja-JP" dirty="0">
+              <a:latin typeface="Arial" panose="020B0604020202020204" pitchFamily="34" charset="0"/>
+            </a:endParaRPr>
           </a:p>
           <a:p>
             <a:pPr eaLnBrk="1" hangingPunct="1"/>
-            <a:r>
-              <a:rPr lang="en-US" altLang="ja-JP">
-                <a:latin typeface="Arial" panose="020B0604020202020204" pitchFamily="34" charset="0"/>
-              </a:rPr>
-              <a:t>What is RT?</a:t>
-            </a:r>
+            <a:endParaRPr lang="en-US" altLang="ja-JP" dirty="0">
+              <a:latin typeface="Arial" panose="020B0604020202020204" pitchFamily="34" charset="0"/>
+            </a:endParaRPr>
           </a:p>
           <a:p>
             <a:pPr eaLnBrk="1" hangingPunct="1"/>
-            <a:r>
-              <a:rPr lang="en-US" altLang="ja-JP">
-                <a:latin typeface="Arial" panose="020B0604020202020204" pitchFamily="34" charset="0"/>
-              </a:rPr>
-              <a:t>RT means Robot Technology.</a:t>
-            </a:r>
+            <a:endParaRPr lang="en-US" altLang="ja-JP" dirty="0">
+              <a:latin typeface="Arial" panose="020B0604020202020204" pitchFamily="34" charset="0"/>
+            </a:endParaRPr>
           </a:p>
           <a:p>
             <a:pPr eaLnBrk="1" hangingPunct="1"/>
-            <a:r>
-              <a:rPr lang="en-US" altLang="ja-JP">
-                <a:latin typeface="Arial" panose="020B0604020202020204" pitchFamily="34" charset="0"/>
-              </a:rPr>
-              <a:t>This is not only standalone robots like this, but also robotic elements, sensors, actuators and so on.</a:t>
-            </a:r>
+            <a:endParaRPr lang="en-US" altLang="ja-JP" dirty="0">
+              <a:latin typeface="Arial" panose="020B0604020202020204" pitchFamily="34" charset="0"/>
+            </a:endParaRPr>
           </a:p>
           <a:p>
             <a:pPr eaLnBrk="1" hangingPunct="1"/>
-            <a:r>
-              <a:rPr lang="en-US" altLang="ja-JP">
-                <a:latin typeface="Arial" panose="020B0604020202020204" pitchFamily="34" charset="0"/>
-              </a:rPr>
-              <a:t>We have studied on RT-Middleware.</a:t>
-            </a:r>
+            <a:endParaRPr lang="en-US" altLang="ja-JP" dirty="0">
+              <a:latin typeface="Arial" panose="020B0604020202020204" pitchFamily="34" charset="0"/>
+            </a:endParaRPr>
           </a:p>
           <a:p>
             <a:pPr eaLnBrk="1" hangingPunct="1"/>
-            <a:r>
-              <a:rPr lang="en-US" altLang="ja-JP">
-                <a:latin typeface="Arial" panose="020B0604020202020204" pitchFamily="34" charset="0"/>
-              </a:rPr>
-              <a:t>RT-Middleware is software platform to integrate these RT-elements. </a:t>
-            </a:r>
+            <a:endParaRPr lang="en-US" altLang="ja-JP" dirty="0">
+              <a:latin typeface="Arial" panose="020B0604020202020204" pitchFamily="34" charset="0"/>
+            </a:endParaRPr>
           </a:p>
         </p:txBody>
       </p:sp>
@@ -6034,6 +5873,519 @@
     <p:extLst>
       <p:ext uri="{BB962C8B-B14F-4D97-AF65-F5344CB8AC3E}">
         <p14:creationId xmlns:p14="http://schemas.microsoft.com/office/powerpoint/2010/main" val="3923863151"/>
+      </p:ext>
+    </p:extLst>
+  </p:cSld>
+  <p:clrMapOvr>
+    <a:masterClrMapping/>
+  </p:clrMapOvr>
+</p:notes>
+</file>
+
+<file path=ppt/notesSlides/notesSlide19.xml><?xml version="1.0" encoding="utf-8"?>
+<p:notes xmlns:a="http://schemas.openxmlformats.org/drawingml/2006/main" xmlns:r="http://schemas.openxmlformats.org/officeDocument/2006/relationships" xmlns:p="http://schemas.openxmlformats.org/presentationml/2006/main">
+  <p:cSld>
+    <p:spTree>
+      <p:nvGrpSpPr>
+        <p:cNvPr id="1" name=""/>
+        <p:cNvGrpSpPr/>
+        <p:nvPr/>
+      </p:nvGrpSpPr>
+      <p:grpSpPr>
+        <a:xfrm>
+          <a:off x="0" y="0"/>
+          <a:ext cx="0" cy="0"/>
+          <a:chOff x="0" y="0"/>
+          <a:chExt cx="0" cy="0"/>
+        </a:xfrm>
+      </p:grpSpPr>
+      <p:sp>
+        <p:nvSpPr>
+          <p:cNvPr id="17410" name="Rectangle 7">
+            <a:extLst>
+              <a:ext uri="{FF2B5EF4-FFF2-40B4-BE49-F238E27FC236}">
+                <a16:creationId xmlns:a16="http://schemas.microsoft.com/office/drawing/2014/main" id="{EEB9E338-576E-44DD-A1CE-10E4F42E559A}"/>
+              </a:ext>
+            </a:extLst>
+          </p:cNvPr>
+          <p:cNvSpPr>
+            <a:spLocks noGrp="1" noChangeArrowheads="1"/>
+          </p:cNvSpPr>
+          <p:nvPr>
+            <p:ph type="sldNum" sz="quarter" idx="5"/>
+          </p:nvPr>
+        </p:nvSpPr>
+        <p:spPr>
+          <a:noFill/>
+          <a:ln/>
+          <a:extLst>
+            <a:ext uri="{909E8E84-426E-40DD-AFC4-6F175D3DCCD1}">
+              <a14:hiddenFill xmlns:a14="http://schemas.microsoft.com/office/drawing/2010/main">
+                <a:solidFill>
+                  <a:srgbClr val="FFFFFF"/>
+                </a:solidFill>
+              </a14:hiddenFill>
+            </a:ext>
+            <a:ext uri="{91240B29-F687-4F45-9708-019B960494DF}">
+              <a14:hiddenLine xmlns:a14="http://schemas.microsoft.com/office/drawing/2010/main" w="9525">
+                <a:solidFill>
+                  <a:srgbClr val="000000"/>
+                </a:solidFill>
+                <a:miter lim="800000"/>
+                <a:headEnd/>
+                <a:tailEnd/>
+              </a14:hiddenLine>
+            </a:ext>
+          </a:extLst>
+        </p:spPr>
+        <p:txBody>
+          <a:bodyPr/>
+          <a:lstStyle>
+            <a:lvl1pPr defTabSz="955675">
+              <a:spcBef>
+                <a:spcPct val="30000"/>
+              </a:spcBef>
+              <a:defRPr kumimoji="1" sz="1200">
+                <a:solidFill>
+                  <a:schemeClr val="tx1"/>
+                </a:solidFill>
+                <a:latin typeface="Arial" panose="020B0604020202020204" pitchFamily="34" charset="0"/>
+                <a:ea typeface="ＭＳ Ｐ明朝" panose="02020600040205080304" pitchFamily="18" charset="-128"/>
+              </a:defRPr>
+            </a:lvl1pPr>
+            <a:lvl2pPr marL="715963" indent="-274638" defTabSz="955675">
+              <a:spcBef>
+                <a:spcPct val="30000"/>
+              </a:spcBef>
+              <a:defRPr kumimoji="1" sz="1200">
+                <a:solidFill>
+                  <a:schemeClr val="tx1"/>
+                </a:solidFill>
+                <a:latin typeface="Arial" panose="020B0604020202020204" pitchFamily="34" charset="0"/>
+                <a:ea typeface="ＭＳ Ｐ明朝" panose="02020600040205080304" pitchFamily="18" charset="-128"/>
+              </a:defRPr>
+            </a:lvl2pPr>
+            <a:lvl3pPr marL="1101725" indent="-219075" defTabSz="955675">
+              <a:spcBef>
+                <a:spcPct val="30000"/>
+              </a:spcBef>
+              <a:defRPr kumimoji="1" sz="1200">
+                <a:solidFill>
+                  <a:schemeClr val="tx1"/>
+                </a:solidFill>
+                <a:latin typeface="Arial" panose="020B0604020202020204" pitchFamily="34" charset="0"/>
+                <a:ea typeface="ＭＳ Ｐ明朝" panose="02020600040205080304" pitchFamily="18" charset="-128"/>
+              </a:defRPr>
+            </a:lvl3pPr>
+            <a:lvl4pPr marL="1543050" indent="-219075" defTabSz="955675">
+              <a:spcBef>
+                <a:spcPct val="30000"/>
+              </a:spcBef>
+              <a:defRPr kumimoji="1" sz="1200">
+                <a:solidFill>
+                  <a:schemeClr val="tx1"/>
+                </a:solidFill>
+                <a:latin typeface="Arial" panose="020B0604020202020204" pitchFamily="34" charset="0"/>
+                <a:ea typeface="ＭＳ Ｐ明朝" panose="02020600040205080304" pitchFamily="18" charset="-128"/>
+              </a:defRPr>
+            </a:lvl4pPr>
+            <a:lvl5pPr marL="1984375" indent="-219075" defTabSz="955675">
+              <a:spcBef>
+                <a:spcPct val="30000"/>
+              </a:spcBef>
+              <a:defRPr kumimoji="1" sz="1200">
+                <a:solidFill>
+                  <a:schemeClr val="tx1"/>
+                </a:solidFill>
+                <a:latin typeface="Arial" panose="020B0604020202020204" pitchFamily="34" charset="0"/>
+                <a:ea typeface="ＭＳ Ｐ明朝" panose="02020600040205080304" pitchFamily="18" charset="-128"/>
+              </a:defRPr>
+            </a:lvl5pPr>
+            <a:lvl6pPr marL="2441575" indent="-219075" defTabSz="955675" eaLnBrk="0" fontAlgn="base" hangingPunct="0">
+              <a:spcBef>
+                <a:spcPct val="30000"/>
+              </a:spcBef>
+              <a:spcAft>
+                <a:spcPct val="0"/>
+              </a:spcAft>
+              <a:defRPr kumimoji="1" sz="1200">
+                <a:solidFill>
+                  <a:schemeClr val="tx1"/>
+                </a:solidFill>
+                <a:latin typeface="Arial" panose="020B0604020202020204" pitchFamily="34" charset="0"/>
+                <a:ea typeface="ＭＳ Ｐ明朝" panose="02020600040205080304" pitchFamily="18" charset="-128"/>
+              </a:defRPr>
+            </a:lvl6pPr>
+            <a:lvl7pPr marL="2898775" indent="-219075" defTabSz="955675" eaLnBrk="0" fontAlgn="base" hangingPunct="0">
+              <a:spcBef>
+                <a:spcPct val="30000"/>
+              </a:spcBef>
+              <a:spcAft>
+                <a:spcPct val="0"/>
+              </a:spcAft>
+              <a:defRPr kumimoji="1" sz="1200">
+                <a:solidFill>
+                  <a:schemeClr val="tx1"/>
+                </a:solidFill>
+                <a:latin typeface="Arial" panose="020B0604020202020204" pitchFamily="34" charset="0"/>
+                <a:ea typeface="ＭＳ Ｐ明朝" panose="02020600040205080304" pitchFamily="18" charset="-128"/>
+              </a:defRPr>
+            </a:lvl7pPr>
+            <a:lvl8pPr marL="3355975" indent="-219075" defTabSz="955675" eaLnBrk="0" fontAlgn="base" hangingPunct="0">
+              <a:spcBef>
+                <a:spcPct val="30000"/>
+              </a:spcBef>
+              <a:spcAft>
+                <a:spcPct val="0"/>
+              </a:spcAft>
+              <a:defRPr kumimoji="1" sz="1200">
+                <a:solidFill>
+                  <a:schemeClr val="tx1"/>
+                </a:solidFill>
+                <a:latin typeface="Arial" panose="020B0604020202020204" pitchFamily="34" charset="0"/>
+                <a:ea typeface="ＭＳ Ｐ明朝" panose="02020600040205080304" pitchFamily="18" charset="-128"/>
+              </a:defRPr>
+            </a:lvl8pPr>
+            <a:lvl9pPr marL="3813175" indent="-219075" defTabSz="955675" eaLnBrk="0" fontAlgn="base" hangingPunct="0">
+              <a:spcBef>
+                <a:spcPct val="30000"/>
+              </a:spcBef>
+              <a:spcAft>
+                <a:spcPct val="0"/>
+              </a:spcAft>
+              <a:defRPr kumimoji="1" sz="1200">
+                <a:solidFill>
+                  <a:schemeClr val="tx1"/>
+                </a:solidFill>
+                <a:latin typeface="Arial" panose="020B0604020202020204" pitchFamily="34" charset="0"/>
+                <a:ea typeface="ＭＳ Ｐ明朝" panose="02020600040205080304" pitchFamily="18" charset="-128"/>
+              </a:defRPr>
+            </a:lvl9pPr>
+          </a:lstStyle>
+          <a:p>
+            <a:pPr>
+              <a:spcBef>
+                <a:spcPct val="0"/>
+              </a:spcBef>
+            </a:pPr>
+            <a:fld id="{BE56F86A-5CC3-4F8C-919F-73152F221106}" type="slidenum">
+              <a:rPr lang="en-US" altLang="ja-JP" sz="1300" smtClean="0">
+                <a:ea typeface="ＭＳ Ｐゴシック" panose="020B0600070205080204" pitchFamily="50" charset="-128"/>
+              </a:rPr>
+              <a:pPr>
+                <a:spcBef>
+                  <a:spcPct val="0"/>
+                </a:spcBef>
+              </a:pPr>
+              <a:t>19</a:t>
+            </a:fld>
+            <a:endParaRPr lang="en-US" altLang="ja-JP" sz="1300">
+              <a:ea typeface="ＭＳ Ｐゴシック" panose="020B0600070205080204" pitchFamily="50" charset="-128"/>
+            </a:endParaRPr>
+          </a:p>
+        </p:txBody>
+      </p:sp>
+      <p:sp>
+        <p:nvSpPr>
+          <p:cNvPr id="17411" name="Rectangle 7">
+            <a:extLst>
+              <a:ext uri="{FF2B5EF4-FFF2-40B4-BE49-F238E27FC236}">
+                <a16:creationId xmlns:a16="http://schemas.microsoft.com/office/drawing/2014/main" id="{134D8C64-0E65-4485-B2E2-26DE68C7AF1F}"/>
+              </a:ext>
+            </a:extLst>
+          </p:cNvPr>
+          <p:cNvSpPr txBox="1">
+            <a:spLocks noGrp="1" noChangeArrowheads="1"/>
+          </p:cNvSpPr>
+          <p:nvPr/>
+        </p:nvSpPr>
+        <p:spPr bwMode="auto">
+          <a:xfrm>
+            <a:off x="3849688" y="9429750"/>
+            <a:ext cx="2946400" cy="495300"/>
+          </a:xfrm>
+          <a:prstGeom prst="rect">
+            <a:avLst/>
+          </a:prstGeom>
+          <a:noFill/>
+          <a:ln>
+            <a:noFill/>
+          </a:ln>
+          <a:extLst>
+            <a:ext uri="{909E8E84-426E-40DD-AFC4-6F175D3DCCD1}">
+              <a14:hiddenFill xmlns:a14="http://schemas.microsoft.com/office/drawing/2010/main">
+                <a:solidFill>
+                  <a:srgbClr val="FFFFFF"/>
+                </a:solidFill>
+              </a14:hiddenFill>
+            </a:ext>
+            <a:ext uri="{91240B29-F687-4F45-9708-019B960494DF}">
+              <a14:hiddenLine xmlns:a14="http://schemas.microsoft.com/office/drawing/2010/main" w="9525">
+                <a:solidFill>
+                  <a:srgbClr val="000000"/>
+                </a:solidFill>
+                <a:miter lim="800000"/>
+                <a:headEnd/>
+                <a:tailEnd/>
+              </a14:hiddenLine>
+            </a:ext>
+          </a:extLst>
+        </p:spPr>
+        <p:txBody>
+          <a:bodyPr lIns="95530" tIns="47765" rIns="95530" bIns="47765" anchor="b"/>
+          <a:lstStyle>
+            <a:lvl1pPr defTabSz="990600">
+              <a:spcBef>
+                <a:spcPct val="30000"/>
+              </a:spcBef>
+              <a:defRPr kumimoji="1" sz="1200">
+                <a:solidFill>
+                  <a:schemeClr val="tx1"/>
+                </a:solidFill>
+                <a:latin typeface="Arial" panose="020B0604020202020204" pitchFamily="34" charset="0"/>
+                <a:ea typeface="ＭＳ Ｐ明朝" panose="02020600040205080304" pitchFamily="18" charset="-128"/>
+              </a:defRPr>
+            </a:lvl1pPr>
+            <a:lvl2pPr marL="742950" indent="-285750" defTabSz="990600">
+              <a:spcBef>
+                <a:spcPct val="30000"/>
+              </a:spcBef>
+              <a:defRPr kumimoji="1" sz="1200">
+                <a:solidFill>
+                  <a:schemeClr val="tx1"/>
+                </a:solidFill>
+                <a:latin typeface="Arial" panose="020B0604020202020204" pitchFamily="34" charset="0"/>
+                <a:ea typeface="ＭＳ Ｐ明朝" panose="02020600040205080304" pitchFamily="18" charset="-128"/>
+              </a:defRPr>
+            </a:lvl2pPr>
+            <a:lvl3pPr marL="1143000" indent="-228600" defTabSz="990600">
+              <a:spcBef>
+                <a:spcPct val="30000"/>
+              </a:spcBef>
+              <a:defRPr kumimoji="1" sz="1200">
+                <a:solidFill>
+                  <a:schemeClr val="tx1"/>
+                </a:solidFill>
+                <a:latin typeface="Arial" panose="020B0604020202020204" pitchFamily="34" charset="0"/>
+                <a:ea typeface="ＭＳ Ｐ明朝" panose="02020600040205080304" pitchFamily="18" charset="-128"/>
+              </a:defRPr>
+            </a:lvl3pPr>
+            <a:lvl4pPr marL="1600200" indent="-228600" defTabSz="990600">
+              <a:spcBef>
+                <a:spcPct val="30000"/>
+              </a:spcBef>
+              <a:defRPr kumimoji="1" sz="1200">
+                <a:solidFill>
+                  <a:schemeClr val="tx1"/>
+                </a:solidFill>
+                <a:latin typeface="Arial" panose="020B0604020202020204" pitchFamily="34" charset="0"/>
+                <a:ea typeface="ＭＳ Ｐ明朝" panose="02020600040205080304" pitchFamily="18" charset="-128"/>
+              </a:defRPr>
+            </a:lvl4pPr>
+            <a:lvl5pPr marL="2057400" indent="-228600" defTabSz="990600">
+              <a:spcBef>
+                <a:spcPct val="30000"/>
+              </a:spcBef>
+              <a:defRPr kumimoji="1" sz="1200">
+                <a:solidFill>
+                  <a:schemeClr val="tx1"/>
+                </a:solidFill>
+                <a:latin typeface="Arial" panose="020B0604020202020204" pitchFamily="34" charset="0"/>
+                <a:ea typeface="ＭＳ Ｐ明朝" panose="02020600040205080304" pitchFamily="18" charset="-128"/>
+              </a:defRPr>
+            </a:lvl5pPr>
+            <a:lvl6pPr marL="2514600" indent="-228600" defTabSz="990600" eaLnBrk="0" fontAlgn="base" hangingPunct="0">
+              <a:spcBef>
+                <a:spcPct val="30000"/>
+              </a:spcBef>
+              <a:spcAft>
+                <a:spcPct val="0"/>
+              </a:spcAft>
+              <a:defRPr kumimoji="1" sz="1200">
+                <a:solidFill>
+                  <a:schemeClr val="tx1"/>
+                </a:solidFill>
+                <a:latin typeface="Arial" panose="020B0604020202020204" pitchFamily="34" charset="0"/>
+                <a:ea typeface="ＭＳ Ｐ明朝" panose="02020600040205080304" pitchFamily="18" charset="-128"/>
+              </a:defRPr>
+            </a:lvl6pPr>
+            <a:lvl7pPr marL="2971800" indent="-228600" defTabSz="990600" eaLnBrk="0" fontAlgn="base" hangingPunct="0">
+              <a:spcBef>
+                <a:spcPct val="30000"/>
+              </a:spcBef>
+              <a:spcAft>
+                <a:spcPct val="0"/>
+              </a:spcAft>
+              <a:defRPr kumimoji="1" sz="1200">
+                <a:solidFill>
+                  <a:schemeClr val="tx1"/>
+                </a:solidFill>
+                <a:latin typeface="Arial" panose="020B0604020202020204" pitchFamily="34" charset="0"/>
+                <a:ea typeface="ＭＳ Ｐ明朝" panose="02020600040205080304" pitchFamily="18" charset="-128"/>
+              </a:defRPr>
+            </a:lvl7pPr>
+            <a:lvl8pPr marL="3429000" indent="-228600" defTabSz="990600" eaLnBrk="0" fontAlgn="base" hangingPunct="0">
+              <a:spcBef>
+                <a:spcPct val="30000"/>
+              </a:spcBef>
+              <a:spcAft>
+                <a:spcPct val="0"/>
+              </a:spcAft>
+              <a:defRPr kumimoji="1" sz="1200">
+                <a:solidFill>
+                  <a:schemeClr val="tx1"/>
+                </a:solidFill>
+                <a:latin typeface="Arial" panose="020B0604020202020204" pitchFamily="34" charset="0"/>
+                <a:ea typeface="ＭＳ Ｐ明朝" panose="02020600040205080304" pitchFamily="18" charset="-128"/>
+              </a:defRPr>
+            </a:lvl8pPr>
+            <a:lvl9pPr marL="3886200" indent="-228600" defTabSz="990600" eaLnBrk="0" fontAlgn="base" hangingPunct="0">
+              <a:spcBef>
+                <a:spcPct val="30000"/>
+              </a:spcBef>
+              <a:spcAft>
+                <a:spcPct val="0"/>
+              </a:spcAft>
+              <a:defRPr kumimoji="1" sz="1200">
+                <a:solidFill>
+                  <a:schemeClr val="tx1"/>
+                </a:solidFill>
+                <a:latin typeface="Arial" panose="020B0604020202020204" pitchFamily="34" charset="0"/>
+                <a:ea typeface="ＭＳ Ｐ明朝" panose="02020600040205080304" pitchFamily="18" charset="-128"/>
+              </a:defRPr>
+            </a:lvl9pPr>
+          </a:lstStyle>
+          <a:p>
+            <a:pPr algn="r" eaLnBrk="1" hangingPunct="1">
+              <a:spcBef>
+                <a:spcPct val="0"/>
+              </a:spcBef>
+            </a:pPr>
+            <a:fld id="{4A3F919F-0D4C-4D8B-A5E4-01B9A16700FF}" type="slidenum">
+              <a:rPr lang="en-US" altLang="ja-JP" sz="1300">
+                <a:ea typeface="ＭＳ Ｐゴシック" panose="020B0600070205080204" pitchFamily="50" charset="-128"/>
+              </a:rPr>
+              <a:pPr algn="r" eaLnBrk="1" hangingPunct="1">
+                <a:spcBef>
+                  <a:spcPct val="0"/>
+                </a:spcBef>
+              </a:pPr>
+              <a:t>19</a:t>
+            </a:fld>
+            <a:endParaRPr lang="en-US" altLang="ja-JP" sz="1300">
+              <a:ea typeface="ＭＳ Ｐゴシック" panose="020B0600070205080204" pitchFamily="50" charset="-128"/>
+            </a:endParaRPr>
+          </a:p>
+        </p:txBody>
+      </p:sp>
+      <p:sp>
+        <p:nvSpPr>
+          <p:cNvPr id="17412" name="Rectangle 2">
+            <a:extLst>
+              <a:ext uri="{FF2B5EF4-FFF2-40B4-BE49-F238E27FC236}">
+                <a16:creationId xmlns:a16="http://schemas.microsoft.com/office/drawing/2014/main" id="{B0C76423-D578-4C08-9A37-079EF079CD6F}"/>
+              </a:ext>
+            </a:extLst>
+          </p:cNvPr>
+          <p:cNvSpPr>
+            <a:spLocks noGrp="1" noRot="1" noChangeAspect="1" noChangeArrowheads="1" noTextEdit="1"/>
+          </p:cNvSpPr>
+          <p:nvPr>
+            <p:ph type="sldImg"/>
+          </p:nvPr>
+        </p:nvSpPr>
+        <p:spPr>
+          <a:xfrm>
+            <a:off x="915988" y="744538"/>
+            <a:ext cx="4965700" cy="3724275"/>
+          </a:xfrm>
+          <a:ln/>
+        </p:spPr>
+      </p:sp>
+      <p:sp>
+        <p:nvSpPr>
+          <p:cNvPr id="17413" name="Rectangle 3">
+            <a:extLst>
+              <a:ext uri="{FF2B5EF4-FFF2-40B4-BE49-F238E27FC236}">
+                <a16:creationId xmlns:a16="http://schemas.microsoft.com/office/drawing/2014/main" id="{0EC2F48C-845A-486A-90D6-3489B70A42F8}"/>
+              </a:ext>
+            </a:extLst>
+          </p:cNvPr>
+          <p:cNvSpPr>
+            <a:spLocks noGrp="1" noChangeArrowheads="1"/>
+          </p:cNvSpPr>
+          <p:nvPr>
+            <p:ph type="body" idx="1"/>
+          </p:nvPr>
+        </p:nvSpPr>
+        <p:spPr>
+          <a:noFill/>
+          <a:ln/>
+          <a:extLst>
+            <a:ext uri="{909E8E84-426E-40DD-AFC4-6F175D3DCCD1}">
+              <a14:hiddenFill xmlns:a14="http://schemas.microsoft.com/office/drawing/2010/main">
+                <a:solidFill>
+                  <a:srgbClr val="FFFFFF"/>
+                </a:solidFill>
+              </a14:hiddenFill>
+            </a:ext>
+            <a:ext uri="{91240B29-F687-4F45-9708-019B960494DF}">
+              <a14:hiddenLine xmlns:a14="http://schemas.microsoft.com/office/drawing/2010/main" w="9525">
+                <a:solidFill>
+                  <a:srgbClr val="000000"/>
+                </a:solidFill>
+                <a:miter lim="800000"/>
+                <a:headEnd/>
+                <a:tailEnd/>
+              </a14:hiddenLine>
+            </a:ext>
+          </a:extLst>
+        </p:spPr>
+        <p:txBody>
+          <a:bodyPr/>
+          <a:lstStyle/>
+          <a:p>
+            <a:pPr eaLnBrk="1" hangingPunct="1"/>
+            <a:endParaRPr lang="en-US" altLang="ja-JP" dirty="0">
+              <a:latin typeface="Arial" panose="020B0604020202020204" pitchFamily="34" charset="0"/>
+            </a:endParaRPr>
+          </a:p>
+          <a:p>
+            <a:pPr eaLnBrk="1" hangingPunct="1"/>
+            <a:endParaRPr lang="en-US" altLang="ja-JP" dirty="0">
+              <a:latin typeface="Arial" panose="020B0604020202020204" pitchFamily="34" charset="0"/>
+            </a:endParaRPr>
+          </a:p>
+          <a:p>
+            <a:pPr eaLnBrk="1" hangingPunct="1"/>
+            <a:endParaRPr lang="en-US" altLang="ja-JP" dirty="0">
+              <a:latin typeface="Arial" panose="020B0604020202020204" pitchFamily="34" charset="0"/>
+            </a:endParaRPr>
+          </a:p>
+          <a:p>
+            <a:pPr eaLnBrk="1" hangingPunct="1"/>
+            <a:endParaRPr lang="en-US" altLang="ja-JP" dirty="0">
+              <a:latin typeface="Arial" panose="020B0604020202020204" pitchFamily="34" charset="0"/>
+            </a:endParaRPr>
+          </a:p>
+          <a:p>
+            <a:pPr eaLnBrk="1" hangingPunct="1"/>
+            <a:endParaRPr lang="en-US" altLang="ja-JP" dirty="0">
+              <a:latin typeface="Arial" panose="020B0604020202020204" pitchFamily="34" charset="0"/>
+            </a:endParaRPr>
+          </a:p>
+          <a:p>
+            <a:pPr eaLnBrk="1" hangingPunct="1"/>
+            <a:endParaRPr lang="en-US" altLang="ja-JP" dirty="0">
+              <a:latin typeface="Arial" panose="020B0604020202020204" pitchFamily="34" charset="0"/>
+            </a:endParaRPr>
+          </a:p>
+        </p:txBody>
+      </p:sp>
+    </p:spTree>
+    <p:extLst>
+      <p:ext uri="{BB962C8B-B14F-4D97-AF65-F5344CB8AC3E}">
+        <p14:creationId xmlns:p14="http://schemas.microsoft.com/office/powerpoint/2010/main" val="803649660"/>
       </p:ext>
     </p:extLst>
   </p:cSld>
@@ -6507,57 +6859,9 @@
           <a:lstStyle/>
           <a:p>
             <a:pPr eaLnBrk="1" hangingPunct="1"/>
-            <a:r>
-              <a:rPr lang="en-US" altLang="ja-JP">
-                <a:latin typeface="Arial" panose="020B0604020202020204" pitchFamily="34" charset="0"/>
-              </a:rPr>
-              <a:t>At first, I’d like to mention about RT.</a:t>
-            </a:r>
-          </a:p>
-          <a:p>
-            <a:pPr eaLnBrk="1" hangingPunct="1"/>
-            <a:r>
-              <a:rPr lang="en-US" altLang="ja-JP">
-                <a:latin typeface="Arial" panose="020B0604020202020204" pitchFamily="34" charset="0"/>
-              </a:rPr>
-              <a:t>What is RT?</a:t>
-            </a:r>
-          </a:p>
-          <a:p>
-            <a:pPr eaLnBrk="1" hangingPunct="1"/>
-            <a:r>
-              <a:rPr lang="en-US" altLang="ja-JP">
-                <a:latin typeface="Arial" panose="020B0604020202020204" pitchFamily="34" charset="0"/>
-              </a:rPr>
-              <a:t>RT means Robot Technology.</a:t>
-            </a:r>
-          </a:p>
-          <a:p>
-            <a:pPr eaLnBrk="1" hangingPunct="1"/>
-            <a:r>
-              <a:rPr lang="en-US" altLang="ja-JP">
-                <a:latin typeface="Arial" panose="020B0604020202020204" pitchFamily="34" charset="0"/>
-              </a:rPr>
-              <a:t>This is not only standalone robots like this, but also robotic elements, sensors, actuators and so on.</a:t>
-            </a:r>
-          </a:p>
-          <a:p>
-            <a:pPr eaLnBrk="1" hangingPunct="1"/>
-            <a:r>
-              <a:rPr lang="en-US" altLang="ja-JP">
-                <a:latin typeface="Arial" panose="020B0604020202020204" pitchFamily="34" charset="0"/>
-              </a:rPr>
-              <a:t>We have studied on RT-Middleware.</a:t>
-            </a:r>
-          </a:p>
-          <a:p>
-            <a:pPr eaLnBrk="1" hangingPunct="1"/>
-            <a:r>
-              <a:rPr lang="en-US" altLang="ja-JP">
-                <a:latin typeface="Arial" panose="020B0604020202020204" pitchFamily="34" charset="0"/>
-              </a:rPr>
-              <a:t>RT-Middleware is software platform to integrate these RT-elements. </a:t>
-            </a:r>
+            <a:endParaRPr lang="en-US" altLang="ja-JP" dirty="0">
+              <a:latin typeface="Arial" panose="020B0604020202020204" pitchFamily="34" charset="0"/>
+            </a:endParaRPr>
           </a:p>
         </p:txBody>
       </p:sp>
@@ -7038,57 +7342,39 @@
           <a:lstStyle/>
           <a:p>
             <a:pPr eaLnBrk="1" hangingPunct="1"/>
-            <a:r>
-              <a:rPr lang="en-US" altLang="ja-JP">
-                <a:latin typeface="Arial" panose="020B0604020202020204" pitchFamily="34" charset="0"/>
-              </a:rPr>
-              <a:t>At first, I’d like to mention about RT.</a:t>
-            </a:r>
+            <a:endParaRPr lang="en-US" altLang="ja-JP" dirty="0">
+              <a:latin typeface="Arial" panose="020B0604020202020204" pitchFamily="34" charset="0"/>
+            </a:endParaRPr>
           </a:p>
           <a:p>
             <a:pPr eaLnBrk="1" hangingPunct="1"/>
-            <a:r>
-              <a:rPr lang="en-US" altLang="ja-JP">
-                <a:latin typeface="Arial" panose="020B0604020202020204" pitchFamily="34" charset="0"/>
-              </a:rPr>
-              <a:t>What is RT?</a:t>
-            </a:r>
+            <a:endParaRPr lang="en-US" altLang="ja-JP" dirty="0">
+              <a:latin typeface="Arial" panose="020B0604020202020204" pitchFamily="34" charset="0"/>
+            </a:endParaRPr>
           </a:p>
           <a:p>
             <a:pPr eaLnBrk="1" hangingPunct="1"/>
-            <a:r>
-              <a:rPr lang="en-US" altLang="ja-JP">
-                <a:latin typeface="Arial" panose="020B0604020202020204" pitchFamily="34" charset="0"/>
-              </a:rPr>
-              <a:t>RT means Robot Technology.</a:t>
-            </a:r>
+            <a:endParaRPr lang="en-US" altLang="ja-JP" dirty="0">
+              <a:latin typeface="Arial" panose="020B0604020202020204" pitchFamily="34" charset="0"/>
+            </a:endParaRPr>
           </a:p>
           <a:p>
             <a:pPr eaLnBrk="1" hangingPunct="1"/>
-            <a:r>
-              <a:rPr lang="en-US" altLang="ja-JP">
-                <a:latin typeface="Arial" panose="020B0604020202020204" pitchFamily="34" charset="0"/>
-              </a:rPr>
-              <a:t>This is not only standalone robots like this, but also robotic elements, sensors, actuators and so on.</a:t>
-            </a:r>
+            <a:endParaRPr lang="en-US" altLang="ja-JP" dirty="0">
+              <a:latin typeface="Arial" panose="020B0604020202020204" pitchFamily="34" charset="0"/>
+            </a:endParaRPr>
           </a:p>
           <a:p>
             <a:pPr eaLnBrk="1" hangingPunct="1"/>
-            <a:r>
-              <a:rPr lang="en-US" altLang="ja-JP">
-                <a:latin typeface="Arial" panose="020B0604020202020204" pitchFamily="34" charset="0"/>
-              </a:rPr>
-              <a:t>We have studied on RT-Middleware.</a:t>
-            </a:r>
+            <a:endParaRPr lang="en-US" altLang="ja-JP" dirty="0">
+              <a:latin typeface="Arial" panose="020B0604020202020204" pitchFamily="34" charset="0"/>
+            </a:endParaRPr>
           </a:p>
           <a:p>
             <a:pPr eaLnBrk="1" hangingPunct="1"/>
-            <a:r>
-              <a:rPr lang="en-US" altLang="ja-JP">
-                <a:latin typeface="Arial" panose="020B0604020202020204" pitchFamily="34" charset="0"/>
-              </a:rPr>
-              <a:t>RT-Middleware is software platform to integrate these RT-elements. </a:t>
-            </a:r>
+            <a:endParaRPr lang="en-US" altLang="ja-JP" dirty="0">
+              <a:latin typeface="Arial" panose="020B0604020202020204" pitchFamily="34" charset="0"/>
+            </a:endParaRPr>
           </a:p>
         </p:txBody>
       </p:sp>
@@ -7569,57 +7855,39 @@
           <a:lstStyle/>
           <a:p>
             <a:pPr eaLnBrk="1" hangingPunct="1"/>
-            <a:r>
-              <a:rPr lang="en-US" altLang="ja-JP">
-                <a:latin typeface="Arial" panose="020B0604020202020204" pitchFamily="34" charset="0"/>
-              </a:rPr>
-              <a:t>At first, I’d like to mention about RT.</a:t>
-            </a:r>
+            <a:endParaRPr lang="en-US" altLang="ja-JP" dirty="0">
+              <a:latin typeface="Arial" panose="020B0604020202020204" pitchFamily="34" charset="0"/>
+            </a:endParaRPr>
           </a:p>
           <a:p>
             <a:pPr eaLnBrk="1" hangingPunct="1"/>
-            <a:r>
-              <a:rPr lang="en-US" altLang="ja-JP">
-                <a:latin typeface="Arial" panose="020B0604020202020204" pitchFamily="34" charset="0"/>
-              </a:rPr>
-              <a:t>What is RT?</a:t>
-            </a:r>
+            <a:endParaRPr lang="en-US" altLang="ja-JP" dirty="0">
+              <a:latin typeface="Arial" panose="020B0604020202020204" pitchFamily="34" charset="0"/>
+            </a:endParaRPr>
           </a:p>
           <a:p>
             <a:pPr eaLnBrk="1" hangingPunct="1"/>
-            <a:r>
-              <a:rPr lang="en-US" altLang="ja-JP">
-                <a:latin typeface="Arial" panose="020B0604020202020204" pitchFamily="34" charset="0"/>
-              </a:rPr>
-              <a:t>RT means Robot Technology.</a:t>
-            </a:r>
+            <a:endParaRPr lang="en-US" altLang="ja-JP" dirty="0">
+              <a:latin typeface="Arial" panose="020B0604020202020204" pitchFamily="34" charset="0"/>
+            </a:endParaRPr>
           </a:p>
           <a:p>
             <a:pPr eaLnBrk="1" hangingPunct="1"/>
-            <a:r>
-              <a:rPr lang="en-US" altLang="ja-JP">
-                <a:latin typeface="Arial" panose="020B0604020202020204" pitchFamily="34" charset="0"/>
-              </a:rPr>
-              <a:t>This is not only standalone robots like this, but also robotic elements, sensors, actuators and so on.</a:t>
-            </a:r>
+            <a:endParaRPr lang="en-US" altLang="ja-JP" dirty="0">
+              <a:latin typeface="Arial" panose="020B0604020202020204" pitchFamily="34" charset="0"/>
+            </a:endParaRPr>
           </a:p>
           <a:p>
             <a:pPr eaLnBrk="1" hangingPunct="1"/>
-            <a:r>
-              <a:rPr lang="en-US" altLang="ja-JP">
-                <a:latin typeface="Arial" panose="020B0604020202020204" pitchFamily="34" charset="0"/>
-              </a:rPr>
-              <a:t>We have studied on RT-Middleware.</a:t>
-            </a:r>
+            <a:endParaRPr lang="en-US" altLang="ja-JP" dirty="0">
+              <a:latin typeface="Arial" panose="020B0604020202020204" pitchFamily="34" charset="0"/>
+            </a:endParaRPr>
           </a:p>
           <a:p>
             <a:pPr eaLnBrk="1" hangingPunct="1"/>
-            <a:r>
-              <a:rPr lang="en-US" altLang="ja-JP">
-                <a:latin typeface="Arial" panose="020B0604020202020204" pitchFamily="34" charset="0"/>
-              </a:rPr>
-              <a:t>RT-Middleware is software platform to integrate these RT-elements. </a:t>
-            </a:r>
+            <a:endParaRPr lang="en-US" altLang="ja-JP" dirty="0">
+              <a:latin typeface="Arial" panose="020B0604020202020204" pitchFamily="34" charset="0"/>
+            </a:endParaRPr>
           </a:p>
         </p:txBody>
       </p:sp>
@@ -8095,57 +8363,39 @@
           <a:lstStyle/>
           <a:p>
             <a:pPr eaLnBrk="1" hangingPunct="1"/>
-            <a:r>
-              <a:rPr lang="en-US" altLang="ja-JP">
-                <a:latin typeface="Arial" panose="020B0604020202020204" pitchFamily="34" charset="0"/>
-              </a:rPr>
-              <a:t>At first, I’d like to mention about RT.</a:t>
-            </a:r>
+            <a:endParaRPr lang="en-US" altLang="ja-JP" dirty="0">
+              <a:latin typeface="Arial" panose="020B0604020202020204" pitchFamily="34" charset="0"/>
+            </a:endParaRPr>
           </a:p>
           <a:p>
             <a:pPr eaLnBrk="1" hangingPunct="1"/>
-            <a:r>
-              <a:rPr lang="en-US" altLang="ja-JP">
-                <a:latin typeface="Arial" panose="020B0604020202020204" pitchFamily="34" charset="0"/>
-              </a:rPr>
-              <a:t>What is RT?</a:t>
-            </a:r>
+            <a:endParaRPr lang="en-US" altLang="ja-JP" dirty="0">
+              <a:latin typeface="Arial" panose="020B0604020202020204" pitchFamily="34" charset="0"/>
+            </a:endParaRPr>
           </a:p>
           <a:p>
             <a:pPr eaLnBrk="1" hangingPunct="1"/>
-            <a:r>
-              <a:rPr lang="en-US" altLang="ja-JP">
-                <a:latin typeface="Arial" panose="020B0604020202020204" pitchFamily="34" charset="0"/>
-              </a:rPr>
-              <a:t>RT means Robot Technology.</a:t>
-            </a:r>
+            <a:endParaRPr lang="en-US" altLang="ja-JP" dirty="0">
+              <a:latin typeface="Arial" panose="020B0604020202020204" pitchFamily="34" charset="0"/>
+            </a:endParaRPr>
           </a:p>
           <a:p>
             <a:pPr eaLnBrk="1" hangingPunct="1"/>
-            <a:r>
-              <a:rPr lang="en-US" altLang="ja-JP">
-                <a:latin typeface="Arial" panose="020B0604020202020204" pitchFamily="34" charset="0"/>
-              </a:rPr>
-              <a:t>This is not only standalone robots like this, but also robotic elements, sensors, actuators and so on.</a:t>
-            </a:r>
+            <a:endParaRPr lang="en-US" altLang="ja-JP" dirty="0">
+              <a:latin typeface="Arial" panose="020B0604020202020204" pitchFamily="34" charset="0"/>
+            </a:endParaRPr>
           </a:p>
           <a:p>
             <a:pPr eaLnBrk="1" hangingPunct="1"/>
-            <a:r>
-              <a:rPr lang="en-US" altLang="ja-JP">
-                <a:latin typeface="Arial" panose="020B0604020202020204" pitchFamily="34" charset="0"/>
-              </a:rPr>
-              <a:t>We have studied on RT-Middleware.</a:t>
-            </a:r>
+            <a:endParaRPr lang="en-US" altLang="ja-JP" dirty="0">
+              <a:latin typeface="Arial" panose="020B0604020202020204" pitchFamily="34" charset="0"/>
+            </a:endParaRPr>
           </a:p>
           <a:p>
             <a:pPr eaLnBrk="1" hangingPunct="1"/>
-            <a:r>
-              <a:rPr lang="en-US" altLang="ja-JP">
-                <a:latin typeface="Arial" panose="020B0604020202020204" pitchFamily="34" charset="0"/>
-              </a:rPr>
-              <a:t>RT-Middleware is software platform to integrate these RT-elements. </a:t>
-            </a:r>
+            <a:endParaRPr lang="en-US" altLang="ja-JP" dirty="0">
+              <a:latin typeface="Arial" panose="020B0604020202020204" pitchFamily="34" charset="0"/>
+            </a:endParaRPr>
           </a:p>
         </p:txBody>
       </p:sp>
@@ -8626,57 +8876,39 @@
           <a:lstStyle/>
           <a:p>
             <a:pPr eaLnBrk="1" hangingPunct="1"/>
-            <a:r>
-              <a:rPr lang="en-US" altLang="ja-JP">
-                <a:latin typeface="Arial" panose="020B0604020202020204" pitchFamily="34" charset="0"/>
-              </a:rPr>
-              <a:t>At first, I’d like to mention about RT.</a:t>
-            </a:r>
+            <a:endParaRPr lang="en-US" altLang="ja-JP" dirty="0">
+              <a:latin typeface="Arial" panose="020B0604020202020204" pitchFamily="34" charset="0"/>
+            </a:endParaRPr>
           </a:p>
           <a:p>
             <a:pPr eaLnBrk="1" hangingPunct="1"/>
-            <a:r>
-              <a:rPr lang="en-US" altLang="ja-JP">
-                <a:latin typeface="Arial" panose="020B0604020202020204" pitchFamily="34" charset="0"/>
-              </a:rPr>
-              <a:t>What is RT?</a:t>
-            </a:r>
+            <a:endParaRPr lang="en-US" altLang="ja-JP" dirty="0">
+              <a:latin typeface="Arial" panose="020B0604020202020204" pitchFamily="34" charset="0"/>
+            </a:endParaRPr>
           </a:p>
           <a:p>
             <a:pPr eaLnBrk="1" hangingPunct="1"/>
-            <a:r>
-              <a:rPr lang="en-US" altLang="ja-JP">
-                <a:latin typeface="Arial" panose="020B0604020202020204" pitchFamily="34" charset="0"/>
-              </a:rPr>
-              <a:t>RT means Robot Technology.</a:t>
-            </a:r>
+            <a:endParaRPr lang="en-US" altLang="ja-JP" dirty="0">
+              <a:latin typeface="Arial" panose="020B0604020202020204" pitchFamily="34" charset="0"/>
+            </a:endParaRPr>
           </a:p>
           <a:p>
             <a:pPr eaLnBrk="1" hangingPunct="1"/>
-            <a:r>
-              <a:rPr lang="en-US" altLang="ja-JP">
-                <a:latin typeface="Arial" panose="020B0604020202020204" pitchFamily="34" charset="0"/>
-              </a:rPr>
-              <a:t>This is not only standalone robots like this, but also robotic elements, sensors, actuators and so on.</a:t>
-            </a:r>
+            <a:endParaRPr lang="en-US" altLang="ja-JP" dirty="0">
+              <a:latin typeface="Arial" panose="020B0604020202020204" pitchFamily="34" charset="0"/>
+            </a:endParaRPr>
           </a:p>
           <a:p>
             <a:pPr eaLnBrk="1" hangingPunct="1"/>
-            <a:r>
-              <a:rPr lang="en-US" altLang="ja-JP">
-                <a:latin typeface="Arial" panose="020B0604020202020204" pitchFamily="34" charset="0"/>
-              </a:rPr>
-              <a:t>We have studied on RT-Middleware.</a:t>
-            </a:r>
+            <a:endParaRPr lang="en-US" altLang="ja-JP" dirty="0">
+              <a:latin typeface="Arial" panose="020B0604020202020204" pitchFamily="34" charset="0"/>
+            </a:endParaRPr>
           </a:p>
           <a:p>
             <a:pPr eaLnBrk="1" hangingPunct="1"/>
-            <a:r>
-              <a:rPr lang="en-US" altLang="ja-JP">
-                <a:latin typeface="Arial" panose="020B0604020202020204" pitchFamily="34" charset="0"/>
-              </a:rPr>
-              <a:t>RT-Middleware is software platform to integrate these RT-elements. </a:t>
-            </a:r>
+            <a:endParaRPr lang="en-US" altLang="ja-JP" dirty="0">
+              <a:latin typeface="Arial" panose="020B0604020202020204" pitchFamily="34" charset="0"/>
+            </a:endParaRPr>
           </a:p>
         </p:txBody>
       </p:sp>
@@ -9157,57 +9389,39 @@
           <a:lstStyle/>
           <a:p>
             <a:pPr eaLnBrk="1" hangingPunct="1"/>
-            <a:r>
-              <a:rPr lang="en-US" altLang="ja-JP">
-                <a:latin typeface="Arial" panose="020B0604020202020204" pitchFamily="34" charset="0"/>
-              </a:rPr>
-              <a:t>At first, I’d like to mention about RT.</a:t>
-            </a:r>
+            <a:endParaRPr lang="en-US" altLang="ja-JP" dirty="0">
+              <a:latin typeface="Arial" panose="020B0604020202020204" pitchFamily="34" charset="0"/>
+            </a:endParaRPr>
           </a:p>
           <a:p>
             <a:pPr eaLnBrk="1" hangingPunct="1"/>
-            <a:r>
-              <a:rPr lang="en-US" altLang="ja-JP">
-                <a:latin typeface="Arial" panose="020B0604020202020204" pitchFamily="34" charset="0"/>
-              </a:rPr>
-              <a:t>What is RT?</a:t>
-            </a:r>
+            <a:endParaRPr lang="en-US" altLang="ja-JP" dirty="0">
+              <a:latin typeface="Arial" panose="020B0604020202020204" pitchFamily="34" charset="0"/>
+            </a:endParaRPr>
           </a:p>
           <a:p>
             <a:pPr eaLnBrk="1" hangingPunct="1"/>
-            <a:r>
-              <a:rPr lang="en-US" altLang="ja-JP">
-                <a:latin typeface="Arial" panose="020B0604020202020204" pitchFamily="34" charset="0"/>
-              </a:rPr>
-              <a:t>RT means Robot Technology.</a:t>
-            </a:r>
+            <a:endParaRPr lang="en-US" altLang="ja-JP" dirty="0">
+              <a:latin typeface="Arial" panose="020B0604020202020204" pitchFamily="34" charset="0"/>
+            </a:endParaRPr>
           </a:p>
           <a:p>
             <a:pPr eaLnBrk="1" hangingPunct="1"/>
-            <a:r>
-              <a:rPr lang="en-US" altLang="ja-JP">
-                <a:latin typeface="Arial" panose="020B0604020202020204" pitchFamily="34" charset="0"/>
-              </a:rPr>
-              <a:t>This is not only standalone robots like this, but also robotic elements, sensors, actuators and so on.</a:t>
-            </a:r>
+            <a:endParaRPr lang="en-US" altLang="ja-JP" dirty="0">
+              <a:latin typeface="Arial" panose="020B0604020202020204" pitchFamily="34" charset="0"/>
+            </a:endParaRPr>
           </a:p>
           <a:p>
             <a:pPr eaLnBrk="1" hangingPunct="1"/>
-            <a:r>
-              <a:rPr lang="en-US" altLang="ja-JP">
-                <a:latin typeface="Arial" panose="020B0604020202020204" pitchFamily="34" charset="0"/>
-              </a:rPr>
-              <a:t>We have studied on RT-Middleware.</a:t>
-            </a:r>
+            <a:endParaRPr lang="en-US" altLang="ja-JP" dirty="0">
+              <a:latin typeface="Arial" panose="020B0604020202020204" pitchFamily="34" charset="0"/>
+            </a:endParaRPr>
           </a:p>
           <a:p>
             <a:pPr eaLnBrk="1" hangingPunct="1"/>
-            <a:r>
-              <a:rPr lang="en-US" altLang="ja-JP">
-                <a:latin typeface="Arial" panose="020B0604020202020204" pitchFamily="34" charset="0"/>
-              </a:rPr>
-              <a:t>RT-Middleware is software platform to integrate these RT-elements. </a:t>
-            </a:r>
+            <a:endParaRPr lang="en-US" altLang="ja-JP" dirty="0">
+              <a:latin typeface="Arial" panose="020B0604020202020204" pitchFamily="34" charset="0"/>
+            </a:endParaRPr>
           </a:p>
         </p:txBody>
       </p:sp>
@@ -9688,57 +9902,39 @@
           <a:lstStyle/>
           <a:p>
             <a:pPr eaLnBrk="1" hangingPunct="1"/>
-            <a:r>
-              <a:rPr lang="en-US" altLang="ja-JP">
-                <a:latin typeface="Arial" panose="020B0604020202020204" pitchFamily="34" charset="0"/>
-              </a:rPr>
-              <a:t>At first, I’d like to mention about RT.</a:t>
-            </a:r>
+            <a:endParaRPr lang="en-US" altLang="ja-JP" dirty="0">
+              <a:latin typeface="Arial" panose="020B0604020202020204" pitchFamily="34" charset="0"/>
+            </a:endParaRPr>
           </a:p>
           <a:p>
             <a:pPr eaLnBrk="1" hangingPunct="1"/>
-            <a:r>
-              <a:rPr lang="en-US" altLang="ja-JP">
-                <a:latin typeface="Arial" panose="020B0604020202020204" pitchFamily="34" charset="0"/>
-              </a:rPr>
-              <a:t>What is RT?</a:t>
-            </a:r>
+            <a:endParaRPr lang="en-US" altLang="ja-JP" dirty="0">
+              <a:latin typeface="Arial" panose="020B0604020202020204" pitchFamily="34" charset="0"/>
+            </a:endParaRPr>
           </a:p>
           <a:p>
             <a:pPr eaLnBrk="1" hangingPunct="1"/>
-            <a:r>
-              <a:rPr lang="en-US" altLang="ja-JP">
-                <a:latin typeface="Arial" panose="020B0604020202020204" pitchFamily="34" charset="0"/>
-              </a:rPr>
-              <a:t>RT means Robot Technology.</a:t>
-            </a:r>
+            <a:endParaRPr lang="en-US" altLang="ja-JP" dirty="0">
+              <a:latin typeface="Arial" panose="020B0604020202020204" pitchFamily="34" charset="0"/>
+            </a:endParaRPr>
           </a:p>
           <a:p>
             <a:pPr eaLnBrk="1" hangingPunct="1"/>
-            <a:r>
-              <a:rPr lang="en-US" altLang="ja-JP">
-                <a:latin typeface="Arial" panose="020B0604020202020204" pitchFamily="34" charset="0"/>
-              </a:rPr>
-              <a:t>This is not only standalone robots like this, but also robotic elements, sensors, actuators and so on.</a:t>
-            </a:r>
+            <a:endParaRPr lang="en-US" altLang="ja-JP" dirty="0">
+              <a:latin typeface="Arial" panose="020B0604020202020204" pitchFamily="34" charset="0"/>
+            </a:endParaRPr>
           </a:p>
           <a:p>
             <a:pPr eaLnBrk="1" hangingPunct="1"/>
-            <a:r>
-              <a:rPr lang="en-US" altLang="ja-JP">
-                <a:latin typeface="Arial" panose="020B0604020202020204" pitchFamily="34" charset="0"/>
-              </a:rPr>
-              <a:t>We have studied on RT-Middleware.</a:t>
-            </a:r>
+            <a:endParaRPr lang="en-US" altLang="ja-JP" dirty="0">
+              <a:latin typeface="Arial" panose="020B0604020202020204" pitchFamily="34" charset="0"/>
+            </a:endParaRPr>
           </a:p>
           <a:p>
             <a:pPr eaLnBrk="1" hangingPunct="1"/>
-            <a:r>
-              <a:rPr lang="en-US" altLang="ja-JP">
-                <a:latin typeface="Arial" panose="020B0604020202020204" pitchFamily="34" charset="0"/>
-              </a:rPr>
-              <a:t>RT-Middleware is software platform to integrate these RT-elements. </a:t>
-            </a:r>
+            <a:endParaRPr lang="en-US" altLang="ja-JP" dirty="0">
+              <a:latin typeface="Arial" panose="020B0604020202020204" pitchFamily="34" charset="0"/>
+            </a:endParaRPr>
           </a:p>
         </p:txBody>
       </p:sp>
@@ -10219,57 +10415,39 @@
           <a:lstStyle/>
           <a:p>
             <a:pPr eaLnBrk="1" hangingPunct="1"/>
-            <a:r>
-              <a:rPr lang="en-US" altLang="ja-JP">
-                <a:latin typeface="Arial" panose="020B0604020202020204" pitchFamily="34" charset="0"/>
-              </a:rPr>
-              <a:t>At first, I’d like to mention about RT.</a:t>
-            </a:r>
+            <a:endParaRPr lang="en-US" altLang="ja-JP" dirty="0">
+              <a:latin typeface="Arial" panose="020B0604020202020204" pitchFamily="34" charset="0"/>
+            </a:endParaRPr>
           </a:p>
           <a:p>
             <a:pPr eaLnBrk="1" hangingPunct="1"/>
-            <a:r>
-              <a:rPr lang="en-US" altLang="ja-JP">
-                <a:latin typeface="Arial" panose="020B0604020202020204" pitchFamily="34" charset="0"/>
-              </a:rPr>
-              <a:t>What is RT?</a:t>
-            </a:r>
+            <a:endParaRPr lang="en-US" altLang="ja-JP" dirty="0">
+              <a:latin typeface="Arial" panose="020B0604020202020204" pitchFamily="34" charset="0"/>
+            </a:endParaRPr>
           </a:p>
           <a:p>
             <a:pPr eaLnBrk="1" hangingPunct="1"/>
-            <a:r>
-              <a:rPr lang="en-US" altLang="ja-JP">
-                <a:latin typeface="Arial" panose="020B0604020202020204" pitchFamily="34" charset="0"/>
-              </a:rPr>
-              <a:t>RT means Robot Technology.</a:t>
-            </a:r>
+            <a:endParaRPr lang="en-US" altLang="ja-JP" dirty="0">
+              <a:latin typeface="Arial" panose="020B0604020202020204" pitchFamily="34" charset="0"/>
+            </a:endParaRPr>
           </a:p>
           <a:p>
             <a:pPr eaLnBrk="1" hangingPunct="1"/>
-            <a:r>
-              <a:rPr lang="en-US" altLang="ja-JP">
-                <a:latin typeface="Arial" panose="020B0604020202020204" pitchFamily="34" charset="0"/>
-              </a:rPr>
-              <a:t>This is not only standalone robots like this, but also robotic elements, sensors, actuators and so on.</a:t>
-            </a:r>
+            <a:endParaRPr lang="en-US" altLang="ja-JP" dirty="0">
+              <a:latin typeface="Arial" panose="020B0604020202020204" pitchFamily="34" charset="0"/>
+            </a:endParaRPr>
           </a:p>
           <a:p>
             <a:pPr eaLnBrk="1" hangingPunct="1"/>
-            <a:r>
-              <a:rPr lang="en-US" altLang="ja-JP">
-                <a:latin typeface="Arial" panose="020B0604020202020204" pitchFamily="34" charset="0"/>
-              </a:rPr>
-              <a:t>We have studied on RT-Middleware.</a:t>
-            </a:r>
+            <a:endParaRPr lang="en-US" altLang="ja-JP" dirty="0">
+              <a:latin typeface="Arial" panose="020B0604020202020204" pitchFamily="34" charset="0"/>
+            </a:endParaRPr>
           </a:p>
           <a:p>
             <a:pPr eaLnBrk="1" hangingPunct="1"/>
-            <a:r>
-              <a:rPr lang="en-US" altLang="ja-JP">
-                <a:latin typeface="Arial" panose="020B0604020202020204" pitchFamily="34" charset="0"/>
-              </a:rPr>
-              <a:t>RT-Middleware is software platform to integrate these RT-elements. </a:t>
-            </a:r>
+            <a:endParaRPr lang="en-US" altLang="ja-JP" dirty="0">
+              <a:latin typeface="Arial" panose="020B0604020202020204" pitchFamily="34" charset="0"/>
+            </a:endParaRPr>
           </a:p>
         </p:txBody>
       </p:sp>
@@ -13050,7 +13228,7 @@
           <p:nvPr/>
         </p:nvPicPr>
         <p:blipFill>
-          <a:blip r:embed="rId16">
+          <a:blip r:embed="rId15">
             <a:extLst>
               <a:ext uri="{28A0092B-C50C-407E-A947-70E740481C1C}">
                 <a14:useLocalDpi xmlns:a14="http://schemas.microsoft.com/office/drawing/2010/main" val="0"/>
@@ -13345,7 +13523,7 @@
           <p:nvPr/>
         </p:nvPicPr>
         <p:blipFill>
-          <a:blip r:embed="rId17">
+          <a:blip r:embed="rId16">
             <a:extLst>
               <a:ext uri="{28A0092B-C50C-407E-A947-70E740481C1C}">
                 <a14:useLocalDpi xmlns:a14="http://schemas.microsoft.com/office/drawing/2010/main" val="0"/>
@@ -13475,12 +13653,12 @@
           <a:graphicData uri="http://schemas.openxmlformats.org/presentationml/2006/ole">
             <mc:AlternateContent xmlns:mc="http://schemas.openxmlformats.org/markup-compatibility/2006">
               <mc:Choice xmlns:v="urn:schemas-microsoft-com:vml" Requires="v">
-                <p:oleObj spid="_x0000_s1322" name="Corel DESIGNER" r:id="rId18" imgW="2743200" imgH="1536480" progId="Corel DESIGNER.Graphic.10">
+                <p:oleObj name="Corel DESIGNER" r:id="rId17" imgW="2743200" imgH="1536480" progId="Corel DESIGNER.Graphic.10">
                   <p:embed/>
                 </p:oleObj>
               </mc:Choice>
               <mc:Fallback>
-                <p:oleObj name="Corel DESIGNER" r:id="rId18" imgW="2743200" imgH="1536480" progId="Corel DESIGNER.Graphic.10">
+                <p:oleObj name="Corel DESIGNER" r:id="rId17" imgW="2743200" imgH="1536480" progId="Corel DESIGNER.Graphic.10">
                   <p:embed/>
                   <p:pic>
                     <p:nvPicPr>
@@ -13491,7 +13669,7 @@
                       <p:nvPr/>
                     </p:nvPicPr>
                     <p:blipFill>
-                      <a:blip r:embed="rId19">
+                      <a:blip r:embed="rId18">
                         <a:extLst>
                           <a:ext uri="{28A0092B-C50C-407E-A947-70E740481C1C}">
                             <a14:useLocalDpi xmlns:a14="http://schemas.microsoft.com/office/drawing/2010/main" val="0"/>
@@ -24481,6 +24659,1204 @@
     <p:extLst>
       <p:ext uri="{BB962C8B-B14F-4D97-AF65-F5344CB8AC3E}">
         <p14:creationId xmlns:p14="http://schemas.microsoft.com/office/powerpoint/2010/main" val="2026696669"/>
+      </p:ext>
+    </p:extLst>
+  </p:cSld>
+  <p:clrMapOvr>
+    <a:masterClrMapping/>
+  </p:clrMapOvr>
+</p:sld>
+</file>
+
+<file path=ppt/slides/slide19.xml><?xml version="1.0" encoding="utf-8"?>
+<p:sld xmlns:a="http://schemas.openxmlformats.org/drawingml/2006/main" xmlns:r="http://schemas.openxmlformats.org/officeDocument/2006/relationships" xmlns:p="http://schemas.openxmlformats.org/presentationml/2006/main">
+  <p:cSld>
+    <p:spTree>
+      <p:nvGrpSpPr>
+        <p:cNvPr id="1" name=""/>
+        <p:cNvGrpSpPr/>
+        <p:nvPr/>
+      </p:nvGrpSpPr>
+      <p:grpSpPr>
+        <a:xfrm>
+          <a:off x="0" y="0"/>
+          <a:ext cx="0" cy="0"/>
+          <a:chOff x="0" y="0"/>
+          <a:chExt cx="0" cy="0"/>
+        </a:xfrm>
+      </p:grpSpPr>
+      <p:sp>
+        <p:nvSpPr>
+          <p:cNvPr id="13" name="Rectangle 2">
+            <a:extLst>
+              <a:ext uri="{FF2B5EF4-FFF2-40B4-BE49-F238E27FC236}">
+                <a16:creationId xmlns:a16="http://schemas.microsoft.com/office/drawing/2014/main" id="{F9B5DBD2-74E8-4A95-8C36-B57B49DB3B76}"/>
+              </a:ext>
+            </a:extLst>
+          </p:cNvPr>
+          <p:cNvSpPr txBox="1">
+            <a:spLocks noChangeArrowheads="1"/>
+          </p:cNvSpPr>
+          <p:nvPr/>
+        </p:nvSpPr>
+        <p:spPr bwMode="auto">
+          <a:xfrm>
+            <a:off x="521550" y="5454225"/>
+            <a:ext cx="8308549" cy="1000550"/>
+          </a:xfrm>
+          <a:prstGeom prst="rect">
+            <a:avLst/>
+          </a:prstGeom>
+          <a:noFill/>
+          <a:ln>
+            <a:noFill/>
+          </a:ln>
+          <a:extLst>
+            <a:ext uri="{909E8E84-426E-40DD-AFC4-6F175D3DCCD1}">
+              <a14:hiddenFill xmlns:a14="http://schemas.microsoft.com/office/drawing/2010/main">
+                <a:solidFill>
+                  <a:srgbClr val="FFFFFF"/>
+                </a:solidFill>
+              </a14:hiddenFill>
+            </a:ext>
+            <a:ext uri="{91240B29-F687-4F45-9708-019B960494DF}">
+              <a14:hiddenLine xmlns:a14="http://schemas.microsoft.com/office/drawing/2010/main" w="9525">
+                <a:solidFill>
+                  <a:srgbClr val="000000"/>
+                </a:solidFill>
+                <a:miter lim="800000"/>
+                <a:headEnd/>
+                <a:tailEnd/>
+              </a14:hiddenLine>
+            </a:ext>
+          </a:extLst>
+        </p:spPr>
+        <p:txBody>
+          <a:bodyPr vert="horz" wrap="square" lIns="91440" tIns="45720" rIns="91440" bIns="45720" numCol="1" anchor="t" anchorCtr="0" compatLnSpc="1">
+            <a:prstTxWarp prst="textNoShape">
+              <a:avLst/>
+            </a:prstTxWarp>
+          </a:bodyPr>
+          <a:lstStyle>
+            <a:lvl1pPr marL="342900" indent="-342900" algn="l" rtl="0" eaLnBrk="0" fontAlgn="base" hangingPunct="0">
+              <a:spcBef>
+                <a:spcPct val="20000"/>
+              </a:spcBef>
+              <a:spcAft>
+                <a:spcPct val="0"/>
+              </a:spcAft>
+              <a:buChar char="•"/>
+              <a:defRPr kumimoji="1" sz="3200">
+                <a:solidFill>
+                  <a:srgbClr val="4D4D4D"/>
+                </a:solidFill>
+                <a:latin typeface="+mn-lt"/>
+                <a:ea typeface="+mn-ea"/>
+                <a:cs typeface="+mn-cs"/>
+              </a:defRPr>
+            </a:lvl1pPr>
+            <a:lvl2pPr marL="742950" indent="-285750" algn="l" rtl="0" eaLnBrk="0" fontAlgn="base" hangingPunct="0">
+              <a:spcBef>
+                <a:spcPct val="20000"/>
+              </a:spcBef>
+              <a:spcAft>
+                <a:spcPct val="0"/>
+              </a:spcAft>
+              <a:buChar char="–"/>
+              <a:defRPr kumimoji="1" sz="2800">
+                <a:solidFill>
+                  <a:srgbClr val="4D4D4D"/>
+                </a:solidFill>
+                <a:latin typeface="+mn-lt"/>
+                <a:ea typeface="+mn-ea"/>
+              </a:defRPr>
+            </a:lvl2pPr>
+            <a:lvl3pPr marL="1143000" indent="-228600" algn="l" rtl="0" eaLnBrk="0" fontAlgn="base" hangingPunct="0">
+              <a:spcBef>
+                <a:spcPct val="20000"/>
+              </a:spcBef>
+              <a:spcAft>
+                <a:spcPct val="0"/>
+              </a:spcAft>
+              <a:buChar char="•"/>
+              <a:defRPr kumimoji="1" sz="2400">
+                <a:solidFill>
+                  <a:srgbClr val="4D4D4D"/>
+                </a:solidFill>
+                <a:latin typeface="+mn-lt"/>
+                <a:ea typeface="+mn-ea"/>
+              </a:defRPr>
+            </a:lvl3pPr>
+            <a:lvl4pPr marL="1600200" indent="-228600" algn="l" rtl="0" eaLnBrk="0" fontAlgn="base" hangingPunct="0">
+              <a:spcBef>
+                <a:spcPct val="20000"/>
+              </a:spcBef>
+              <a:spcAft>
+                <a:spcPct val="0"/>
+              </a:spcAft>
+              <a:buChar char="–"/>
+              <a:defRPr kumimoji="1" sz="2000">
+                <a:solidFill>
+                  <a:srgbClr val="4D4D4D"/>
+                </a:solidFill>
+                <a:latin typeface="+mn-lt"/>
+                <a:ea typeface="+mn-ea"/>
+              </a:defRPr>
+            </a:lvl4pPr>
+            <a:lvl5pPr marL="2057400" indent="-228600" algn="l" rtl="0" eaLnBrk="0" fontAlgn="base" hangingPunct="0">
+              <a:spcBef>
+                <a:spcPct val="20000"/>
+              </a:spcBef>
+              <a:spcAft>
+                <a:spcPct val="0"/>
+              </a:spcAft>
+              <a:buChar char="»"/>
+              <a:defRPr kumimoji="1" sz="2000">
+                <a:solidFill>
+                  <a:srgbClr val="4D4D4D"/>
+                </a:solidFill>
+                <a:latin typeface="+mn-lt"/>
+                <a:ea typeface="+mn-ea"/>
+              </a:defRPr>
+            </a:lvl5pPr>
+            <a:lvl6pPr marL="2514600" indent="-228600" algn="l" rtl="0" fontAlgn="base">
+              <a:spcBef>
+                <a:spcPct val="20000"/>
+              </a:spcBef>
+              <a:spcAft>
+                <a:spcPct val="0"/>
+              </a:spcAft>
+              <a:buChar char="»"/>
+              <a:defRPr kumimoji="1" sz="2000">
+                <a:solidFill>
+                  <a:srgbClr val="4D4D4D"/>
+                </a:solidFill>
+                <a:latin typeface="+mn-lt"/>
+                <a:ea typeface="+mn-ea"/>
+              </a:defRPr>
+            </a:lvl6pPr>
+            <a:lvl7pPr marL="2971800" indent="-228600" algn="l" rtl="0" fontAlgn="base">
+              <a:spcBef>
+                <a:spcPct val="20000"/>
+              </a:spcBef>
+              <a:spcAft>
+                <a:spcPct val="0"/>
+              </a:spcAft>
+              <a:buChar char="»"/>
+              <a:defRPr kumimoji="1" sz="2000">
+                <a:solidFill>
+                  <a:srgbClr val="4D4D4D"/>
+                </a:solidFill>
+                <a:latin typeface="+mn-lt"/>
+                <a:ea typeface="+mn-ea"/>
+              </a:defRPr>
+            </a:lvl7pPr>
+            <a:lvl8pPr marL="3429000" indent="-228600" algn="l" rtl="0" fontAlgn="base">
+              <a:spcBef>
+                <a:spcPct val="20000"/>
+              </a:spcBef>
+              <a:spcAft>
+                <a:spcPct val="0"/>
+              </a:spcAft>
+              <a:buChar char="»"/>
+              <a:defRPr kumimoji="1" sz="2000">
+                <a:solidFill>
+                  <a:srgbClr val="4D4D4D"/>
+                </a:solidFill>
+                <a:latin typeface="+mn-lt"/>
+                <a:ea typeface="+mn-ea"/>
+              </a:defRPr>
+            </a:lvl8pPr>
+            <a:lvl9pPr marL="3886200" indent="-228600" algn="l" rtl="0" fontAlgn="base">
+              <a:spcBef>
+                <a:spcPct val="20000"/>
+              </a:spcBef>
+              <a:spcAft>
+                <a:spcPct val="0"/>
+              </a:spcAft>
+              <a:buChar char="»"/>
+              <a:defRPr kumimoji="1" sz="2000">
+                <a:solidFill>
+                  <a:srgbClr val="4D4D4D"/>
+                </a:solidFill>
+                <a:latin typeface="+mn-lt"/>
+                <a:ea typeface="+mn-ea"/>
+              </a:defRPr>
+            </a:lvl9pPr>
+          </a:lstStyle>
+          <a:p>
+            <a:pPr lvl="1" eaLnBrk="1" hangingPunct="1">
+              <a:lnSpc>
+                <a:spcPct val="80000"/>
+              </a:lnSpc>
+            </a:pPr>
+            <a:endParaRPr lang="en-US" altLang="ja-JP" sz="1600" kern="0" dirty="0">
+              <a:solidFill>
+                <a:schemeClr val="tx1">
+                  <a:lumMod val="65000"/>
+                  <a:lumOff val="35000"/>
+                </a:schemeClr>
+              </a:solidFill>
+            </a:endParaRPr>
+          </a:p>
+          <a:p>
+            <a:pPr lvl="2" eaLnBrk="1" hangingPunct="1">
+              <a:lnSpc>
+                <a:spcPct val="80000"/>
+              </a:lnSpc>
+            </a:pPr>
+            <a:endParaRPr lang="en-US" altLang="ja-JP" sz="2000" kern="0" dirty="0">
+              <a:solidFill>
+                <a:schemeClr val="tx1">
+                  <a:lumMod val="65000"/>
+                  <a:lumOff val="35000"/>
+                </a:schemeClr>
+              </a:solidFill>
+            </a:endParaRPr>
+          </a:p>
+          <a:p>
+            <a:pPr lvl="2" eaLnBrk="1" hangingPunct="1">
+              <a:lnSpc>
+                <a:spcPct val="80000"/>
+              </a:lnSpc>
+            </a:pPr>
+            <a:endParaRPr lang="en-US" altLang="ja-JP" sz="2000" kern="0" dirty="0">
+              <a:solidFill>
+                <a:schemeClr val="tx1">
+                  <a:lumMod val="65000"/>
+                  <a:lumOff val="35000"/>
+                </a:schemeClr>
+              </a:solidFill>
+            </a:endParaRPr>
+          </a:p>
+          <a:p>
+            <a:pPr lvl="2" eaLnBrk="1" hangingPunct="1">
+              <a:lnSpc>
+                <a:spcPct val="80000"/>
+              </a:lnSpc>
+            </a:pPr>
+            <a:endParaRPr lang="en-US" altLang="ja-JP" sz="2000" kern="0" dirty="0">
+              <a:solidFill>
+                <a:schemeClr val="tx1">
+                  <a:lumMod val="65000"/>
+                  <a:lumOff val="35000"/>
+                </a:schemeClr>
+              </a:solidFill>
+            </a:endParaRPr>
+          </a:p>
+          <a:p>
+            <a:pPr marL="914400" lvl="2" indent="0" eaLnBrk="1" hangingPunct="1">
+              <a:lnSpc>
+                <a:spcPct val="80000"/>
+              </a:lnSpc>
+              <a:buNone/>
+            </a:pPr>
+            <a:endParaRPr lang="en-US" altLang="ja-JP" sz="2000" kern="0" dirty="0">
+              <a:solidFill>
+                <a:schemeClr val="tx1">
+                  <a:lumMod val="65000"/>
+                  <a:lumOff val="35000"/>
+                </a:schemeClr>
+              </a:solidFill>
+            </a:endParaRPr>
+          </a:p>
+          <a:p>
+            <a:pPr lvl="2" eaLnBrk="1" hangingPunct="1">
+              <a:lnSpc>
+                <a:spcPct val="80000"/>
+              </a:lnSpc>
+            </a:pPr>
+            <a:endParaRPr lang="en-US" altLang="ja-JP" sz="1600" kern="0" dirty="0">
+              <a:solidFill>
+                <a:schemeClr val="tx1">
+                  <a:lumMod val="65000"/>
+                  <a:lumOff val="35000"/>
+                </a:schemeClr>
+              </a:solidFill>
+            </a:endParaRPr>
+          </a:p>
+        </p:txBody>
+      </p:sp>
+      <p:sp>
+        <p:nvSpPr>
+          <p:cNvPr id="16386" name="スライド番号プレースホルダ 1">
+            <a:extLst>
+              <a:ext uri="{FF2B5EF4-FFF2-40B4-BE49-F238E27FC236}">
+                <a16:creationId xmlns:a16="http://schemas.microsoft.com/office/drawing/2014/main" id="{580AD89C-05FA-4961-9F51-D9FDC336E5BE}"/>
+              </a:ext>
+            </a:extLst>
+          </p:cNvPr>
+          <p:cNvSpPr>
+            <a:spLocks noGrp="1"/>
+          </p:cNvSpPr>
+          <p:nvPr>
+            <p:ph type="sldNum" sz="quarter" idx="10"/>
+          </p:nvPr>
+        </p:nvSpPr>
+        <p:spPr>
+          <a:noFill/>
+          <a:ln/>
+          <a:extLst>
+            <a:ext uri="{909E8E84-426E-40DD-AFC4-6F175D3DCCD1}">
+              <a14:hiddenFill xmlns:a14="http://schemas.microsoft.com/office/drawing/2010/main">
+                <a:solidFill>
+                  <a:srgbClr val="FFFFFF"/>
+                </a:solidFill>
+              </a14:hiddenFill>
+            </a:ext>
+            <a:ext uri="{91240B29-F687-4F45-9708-019B960494DF}">
+              <a14:hiddenLine xmlns:a14="http://schemas.microsoft.com/office/drawing/2010/main" w="9525">
+                <a:solidFill>
+                  <a:srgbClr val="000000"/>
+                </a:solidFill>
+                <a:miter lim="800000"/>
+                <a:headEnd/>
+                <a:tailEnd/>
+              </a14:hiddenLine>
+            </a:ext>
+          </a:extLst>
+        </p:spPr>
+        <p:txBody>
+          <a:bodyPr/>
+          <a:lstStyle>
+            <a:lvl1pPr>
+              <a:spcBef>
+                <a:spcPct val="20000"/>
+              </a:spcBef>
+              <a:buChar char="•"/>
+              <a:defRPr kumimoji="1" sz="3200">
+                <a:solidFill>
+                  <a:srgbClr val="4D4D4D"/>
+                </a:solidFill>
+                <a:latin typeface="Arial" panose="020B0604020202020204" pitchFamily="34" charset="0"/>
+                <a:ea typeface="ＭＳ Ｐゴシック" panose="020B0600070205080204" pitchFamily="50" charset="-128"/>
+              </a:defRPr>
+            </a:lvl1pPr>
+            <a:lvl2pPr marL="742950" indent="-285750">
+              <a:spcBef>
+                <a:spcPct val="20000"/>
+              </a:spcBef>
+              <a:buChar char="–"/>
+              <a:defRPr kumimoji="1" sz="2800">
+                <a:solidFill>
+                  <a:srgbClr val="4D4D4D"/>
+                </a:solidFill>
+                <a:latin typeface="Arial" panose="020B0604020202020204" pitchFamily="34" charset="0"/>
+                <a:ea typeface="ＭＳ Ｐゴシック" panose="020B0600070205080204" pitchFamily="50" charset="-128"/>
+              </a:defRPr>
+            </a:lvl2pPr>
+            <a:lvl3pPr marL="1143000" indent="-228600">
+              <a:spcBef>
+                <a:spcPct val="20000"/>
+              </a:spcBef>
+              <a:buChar char="•"/>
+              <a:defRPr kumimoji="1" sz="2400">
+                <a:solidFill>
+                  <a:srgbClr val="4D4D4D"/>
+                </a:solidFill>
+                <a:latin typeface="Arial" panose="020B0604020202020204" pitchFamily="34" charset="0"/>
+                <a:ea typeface="ＭＳ Ｐゴシック" panose="020B0600070205080204" pitchFamily="50" charset="-128"/>
+              </a:defRPr>
+            </a:lvl3pPr>
+            <a:lvl4pPr marL="1600200" indent="-228600">
+              <a:spcBef>
+                <a:spcPct val="20000"/>
+              </a:spcBef>
+              <a:buChar char="–"/>
+              <a:defRPr kumimoji="1" sz="2000">
+                <a:solidFill>
+                  <a:srgbClr val="4D4D4D"/>
+                </a:solidFill>
+                <a:latin typeface="Arial" panose="020B0604020202020204" pitchFamily="34" charset="0"/>
+                <a:ea typeface="ＭＳ Ｐゴシック" panose="020B0600070205080204" pitchFamily="50" charset="-128"/>
+              </a:defRPr>
+            </a:lvl4pPr>
+            <a:lvl5pPr marL="2057400" indent="-228600">
+              <a:spcBef>
+                <a:spcPct val="20000"/>
+              </a:spcBef>
+              <a:buChar char="»"/>
+              <a:defRPr kumimoji="1" sz="2000">
+                <a:solidFill>
+                  <a:srgbClr val="4D4D4D"/>
+                </a:solidFill>
+                <a:latin typeface="Arial" panose="020B0604020202020204" pitchFamily="34" charset="0"/>
+                <a:ea typeface="ＭＳ Ｐゴシック" panose="020B0600070205080204" pitchFamily="50" charset="-128"/>
+              </a:defRPr>
+            </a:lvl5pPr>
+            <a:lvl6pPr marL="2514600" indent="-228600" eaLnBrk="0" fontAlgn="base" hangingPunct="0">
+              <a:spcBef>
+                <a:spcPct val="20000"/>
+              </a:spcBef>
+              <a:spcAft>
+                <a:spcPct val="0"/>
+              </a:spcAft>
+              <a:buChar char="»"/>
+              <a:defRPr kumimoji="1" sz="2000">
+                <a:solidFill>
+                  <a:srgbClr val="4D4D4D"/>
+                </a:solidFill>
+                <a:latin typeface="Arial" panose="020B0604020202020204" pitchFamily="34" charset="0"/>
+                <a:ea typeface="ＭＳ Ｐゴシック" panose="020B0600070205080204" pitchFamily="50" charset="-128"/>
+              </a:defRPr>
+            </a:lvl6pPr>
+            <a:lvl7pPr marL="2971800" indent="-228600" eaLnBrk="0" fontAlgn="base" hangingPunct="0">
+              <a:spcBef>
+                <a:spcPct val="20000"/>
+              </a:spcBef>
+              <a:spcAft>
+                <a:spcPct val="0"/>
+              </a:spcAft>
+              <a:buChar char="»"/>
+              <a:defRPr kumimoji="1" sz="2000">
+                <a:solidFill>
+                  <a:srgbClr val="4D4D4D"/>
+                </a:solidFill>
+                <a:latin typeface="Arial" panose="020B0604020202020204" pitchFamily="34" charset="0"/>
+                <a:ea typeface="ＭＳ Ｐゴシック" panose="020B0600070205080204" pitchFamily="50" charset="-128"/>
+              </a:defRPr>
+            </a:lvl7pPr>
+            <a:lvl8pPr marL="3429000" indent="-228600" eaLnBrk="0" fontAlgn="base" hangingPunct="0">
+              <a:spcBef>
+                <a:spcPct val="20000"/>
+              </a:spcBef>
+              <a:spcAft>
+                <a:spcPct val="0"/>
+              </a:spcAft>
+              <a:buChar char="»"/>
+              <a:defRPr kumimoji="1" sz="2000">
+                <a:solidFill>
+                  <a:srgbClr val="4D4D4D"/>
+                </a:solidFill>
+                <a:latin typeface="Arial" panose="020B0604020202020204" pitchFamily="34" charset="0"/>
+                <a:ea typeface="ＭＳ Ｐゴシック" panose="020B0600070205080204" pitchFamily="50" charset="-128"/>
+              </a:defRPr>
+            </a:lvl8pPr>
+            <a:lvl9pPr marL="3886200" indent="-228600" eaLnBrk="0" fontAlgn="base" hangingPunct="0">
+              <a:spcBef>
+                <a:spcPct val="20000"/>
+              </a:spcBef>
+              <a:spcAft>
+                <a:spcPct val="0"/>
+              </a:spcAft>
+              <a:buChar char="»"/>
+              <a:defRPr kumimoji="1" sz="2000">
+                <a:solidFill>
+                  <a:srgbClr val="4D4D4D"/>
+                </a:solidFill>
+                <a:latin typeface="Arial" panose="020B0604020202020204" pitchFamily="34" charset="0"/>
+                <a:ea typeface="ＭＳ Ｐゴシック" panose="020B0600070205080204" pitchFamily="50" charset="-128"/>
+              </a:defRPr>
+            </a:lvl9pPr>
+          </a:lstStyle>
+          <a:p>
+            <a:pPr>
+              <a:spcBef>
+                <a:spcPct val="0"/>
+              </a:spcBef>
+              <a:buFontTx/>
+              <a:buNone/>
+            </a:pPr>
+            <a:fld id="{4FE1D555-3DC6-4367-B753-E8D069197371}" type="slidenum">
+              <a:rPr lang="en-US" altLang="ja-JP" sz="1400" smtClean="0"/>
+              <a:pPr>
+                <a:spcBef>
+                  <a:spcPct val="0"/>
+                </a:spcBef>
+                <a:buFontTx/>
+                <a:buNone/>
+              </a:pPr>
+              <a:t>19</a:t>
+            </a:fld>
+            <a:endParaRPr lang="en-US" altLang="ja-JP" sz="1400"/>
+          </a:p>
+        </p:txBody>
+      </p:sp>
+      <p:sp>
+        <p:nvSpPr>
+          <p:cNvPr id="16387" name="スライド番号プレースホルダ 3">
+            <a:extLst>
+              <a:ext uri="{FF2B5EF4-FFF2-40B4-BE49-F238E27FC236}">
+                <a16:creationId xmlns:a16="http://schemas.microsoft.com/office/drawing/2014/main" id="{93EAFA60-A5BC-41B8-8491-E275E6185A85}"/>
+              </a:ext>
+            </a:extLst>
+          </p:cNvPr>
+          <p:cNvSpPr txBox="1">
+            <a:spLocks noGrp="1"/>
+          </p:cNvSpPr>
+          <p:nvPr/>
+        </p:nvSpPr>
+        <p:spPr bwMode="auto">
+          <a:xfrm>
+            <a:off x="7010400" y="6575425"/>
+            <a:ext cx="2133600" cy="503238"/>
+          </a:xfrm>
+          <a:prstGeom prst="rect">
+            <a:avLst/>
+          </a:prstGeom>
+          <a:noFill/>
+          <a:ln>
+            <a:noFill/>
+          </a:ln>
+          <a:extLst>
+            <a:ext uri="{909E8E84-426E-40DD-AFC4-6F175D3DCCD1}">
+              <a14:hiddenFill xmlns:a14="http://schemas.microsoft.com/office/drawing/2010/main">
+                <a:solidFill>
+                  <a:srgbClr val="FFFFFF"/>
+                </a:solidFill>
+              </a14:hiddenFill>
+            </a:ext>
+            <a:ext uri="{91240B29-F687-4F45-9708-019B960494DF}">
+              <a14:hiddenLine xmlns:a14="http://schemas.microsoft.com/office/drawing/2010/main" w="9525">
+                <a:solidFill>
+                  <a:srgbClr val="000000"/>
+                </a:solidFill>
+                <a:miter lim="800000"/>
+                <a:headEnd/>
+                <a:tailEnd/>
+              </a14:hiddenLine>
+            </a:ext>
+          </a:extLst>
+        </p:spPr>
+        <p:txBody>
+          <a:bodyPr/>
+          <a:lstStyle>
+            <a:lvl1pPr>
+              <a:spcBef>
+                <a:spcPct val="20000"/>
+              </a:spcBef>
+              <a:buChar char="•"/>
+              <a:defRPr kumimoji="1" sz="3200">
+                <a:solidFill>
+                  <a:srgbClr val="4D4D4D"/>
+                </a:solidFill>
+                <a:latin typeface="Arial" panose="020B0604020202020204" pitchFamily="34" charset="0"/>
+                <a:ea typeface="ＭＳ Ｐゴシック" panose="020B0600070205080204" pitchFamily="50" charset="-128"/>
+              </a:defRPr>
+            </a:lvl1pPr>
+            <a:lvl2pPr marL="742950" indent="-285750">
+              <a:spcBef>
+                <a:spcPct val="20000"/>
+              </a:spcBef>
+              <a:buChar char="–"/>
+              <a:defRPr kumimoji="1" sz="2800">
+                <a:solidFill>
+                  <a:srgbClr val="4D4D4D"/>
+                </a:solidFill>
+                <a:latin typeface="Arial" panose="020B0604020202020204" pitchFamily="34" charset="0"/>
+                <a:ea typeface="ＭＳ Ｐゴシック" panose="020B0600070205080204" pitchFamily="50" charset="-128"/>
+              </a:defRPr>
+            </a:lvl2pPr>
+            <a:lvl3pPr marL="1143000" indent="-228600">
+              <a:spcBef>
+                <a:spcPct val="20000"/>
+              </a:spcBef>
+              <a:buChar char="•"/>
+              <a:defRPr kumimoji="1" sz="2400">
+                <a:solidFill>
+                  <a:srgbClr val="4D4D4D"/>
+                </a:solidFill>
+                <a:latin typeface="Arial" panose="020B0604020202020204" pitchFamily="34" charset="0"/>
+                <a:ea typeface="ＭＳ Ｐゴシック" panose="020B0600070205080204" pitchFamily="50" charset="-128"/>
+              </a:defRPr>
+            </a:lvl3pPr>
+            <a:lvl4pPr marL="1600200" indent="-228600">
+              <a:spcBef>
+                <a:spcPct val="20000"/>
+              </a:spcBef>
+              <a:buChar char="–"/>
+              <a:defRPr kumimoji="1" sz="2000">
+                <a:solidFill>
+                  <a:srgbClr val="4D4D4D"/>
+                </a:solidFill>
+                <a:latin typeface="Arial" panose="020B0604020202020204" pitchFamily="34" charset="0"/>
+                <a:ea typeface="ＭＳ Ｐゴシック" panose="020B0600070205080204" pitchFamily="50" charset="-128"/>
+              </a:defRPr>
+            </a:lvl4pPr>
+            <a:lvl5pPr marL="2057400" indent="-228600">
+              <a:spcBef>
+                <a:spcPct val="20000"/>
+              </a:spcBef>
+              <a:buChar char="»"/>
+              <a:defRPr kumimoji="1" sz="2000">
+                <a:solidFill>
+                  <a:srgbClr val="4D4D4D"/>
+                </a:solidFill>
+                <a:latin typeface="Arial" panose="020B0604020202020204" pitchFamily="34" charset="0"/>
+                <a:ea typeface="ＭＳ Ｐゴシック" panose="020B0600070205080204" pitchFamily="50" charset="-128"/>
+              </a:defRPr>
+            </a:lvl5pPr>
+            <a:lvl6pPr marL="2514600" indent="-228600" eaLnBrk="0" fontAlgn="base" hangingPunct="0">
+              <a:spcBef>
+                <a:spcPct val="20000"/>
+              </a:spcBef>
+              <a:spcAft>
+                <a:spcPct val="0"/>
+              </a:spcAft>
+              <a:buChar char="»"/>
+              <a:defRPr kumimoji="1" sz="2000">
+                <a:solidFill>
+                  <a:srgbClr val="4D4D4D"/>
+                </a:solidFill>
+                <a:latin typeface="Arial" panose="020B0604020202020204" pitchFamily="34" charset="0"/>
+                <a:ea typeface="ＭＳ Ｐゴシック" panose="020B0600070205080204" pitchFamily="50" charset="-128"/>
+              </a:defRPr>
+            </a:lvl6pPr>
+            <a:lvl7pPr marL="2971800" indent="-228600" eaLnBrk="0" fontAlgn="base" hangingPunct="0">
+              <a:spcBef>
+                <a:spcPct val="20000"/>
+              </a:spcBef>
+              <a:spcAft>
+                <a:spcPct val="0"/>
+              </a:spcAft>
+              <a:buChar char="»"/>
+              <a:defRPr kumimoji="1" sz="2000">
+                <a:solidFill>
+                  <a:srgbClr val="4D4D4D"/>
+                </a:solidFill>
+                <a:latin typeface="Arial" panose="020B0604020202020204" pitchFamily="34" charset="0"/>
+                <a:ea typeface="ＭＳ Ｐゴシック" panose="020B0600070205080204" pitchFamily="50" charset="-128"/>
+              </a:defRPr>
+            </a:lvl7pPr>
+            <a:lvl8pPr marL="3429000" indent="-228600" eaLnBrk="0" fontAlgn="base" hangingPunct="0">
+              <a:spcBef>
+                <a:spcPct val="20000"/>
+              </a:spcBef>
+              <a:spcAft>
+                <a:spcPct val="0"/>
+              </a:spcAft>
+              <a:buChar char="»"/>
+              <a:defRPr kumimoji="1" sz="2000">
+                <a:solidFill>
+                  <a:srgbClr val="4D4D4D"/>
+                </a:solidFill>
+                <a:latin typeface="Arial" panose="020B0604020202020204" pitchFamily="34" charset="0"/>
+                <a:ea typeface="ＭＳ Ｐゴシック" panose="020B0600070205080204" pitchFamily="50" charset="-128"/>
+              </a:defRPr>
+            </a:lvl8pPr>
+            <a:lvl9pPr marL="3886200" indent="-228600" eaLnBrk="0" fontAlgn="base" hangingPunct="0">
+              <a:spcBef>
+                <a:spcPct val="20000"/>
+              </a:spcBef>
+              <a:spcAft>
+                <a:spcPct val="0"/>
+              </a:spcAft>
+              <a:buChar char="»"/>
+              <a:defRPr kumimoji="1" sz="2000">
+                <a:solidFill>
+                  <a:srgbClr val="4D4D4D"/>
+                </a:solidFill>
+                <a:latin typeface="Arial" panose="020B0604020202020204" pitchFamily="34" charset="0"/>
+                <a:ea typeface="ＭＳ Ｐゴシック" panose="020B0600070205080204" pitchFamily="50" charset="-128"/>
+              </a:defRPr>
+            </a:lvl9pPr>
+          </a:lstStyle>
+          <a:p>
+            <a:pPr algn="r" eaLnBrk="1" hangingPunct="1">
+              <a:spcBef>
+                <a:spcPct val="0"/>
+              </a:spcBef>
+              <a:buFontTx/>
+              <a:buNone/>
+            </a:pPr>
+            <a:fld id="{880BF4F5-E64B-4B1C-A9EC-D6B3627A7FBB}" type="slidenum">
+              <a:rPr lang="en-US" altLang="ja-JP" sz="1400"/>
+              <a:pPr algn="r" eaLnBrk="1" hangingPunct="1">
+                <a:spcBef>
+                  <a:spcPct val="0"/>
+                </a:spcBef>
+                <a:buFontTx/>
+                <a:buNone/>
+              </a:pPr>
+              <a:t>19</a:t>
+            </a:fld>
+            <a:endParaRPr lang="en-US" altLang="ja-JP" sz="1400"/>
+          </a:p>
+        </p:txBody>
+      </p:sp>
+      <p:sp>
+        <p:nvSpPr>
+          <p:cNvPr id="8" name="Rectangle 2">
+            <a:extLst>
+              <a:ext uri="{FF2B5EF4-FFF2-40B4-BE49-F238E27FC236}">
+                <a16:creationId xmlns:a16="http://schemas.microsoft.com/office/drawing/2014/main" id="{7B10618B-17B8-4A58-AB24-B37E11CE4656}"/>
+              </a:ext>
+            </a:extLst>
+          </p:cNvPr>
+          <p:cNvSpPr txBox="1">
+            <a:spLocks noChangeArrowheads="1"/>
+          </p:cNvSpPr>
+          <p:nvPr/>
+        </p:nvSpPr>
+        <p:spPr bwMode="auto">
+          <a:xfrm>
+            <a:off x="417726" y="1268413"/>
+            <a:ext cx="7954750" cy="3645752"/>
+          </a:xfrm>
+          <a:prstGeom prst="rect">
+            <a:avLst/>
+          </a:prstGeom>
+          <a:noFill/>
+          <a:ln>
+            <a:noFill/>
+          </a:ln>
+          <a:extLst>
+            <a:ext uri="{909E8E84-426E-40DD-AFC4-6F175D3DCCD1}">
+              <a14:hiddenFill xmlns:a14="http://schemas.microsoft.com/office/drawing/2010/main">
+                <a:solidFill>
+                  <a:srgbClr val="FFFFFF"/>
+                </a:solidFill>
+              </a14:hiddenFill>
+            </a:ext>
+            <a:ext uri="{91240B29-F687-4F45-9708-019B960494DF}">
+              <a14:hiddenLine xmlns:a14="http://schemas.microsoft.com/office/drawing/2010/main" w="9525">
+                <a:solidFill>
+                  <a:srgbClr val="000000"/>
+                </a:solidFill>
+                <a:miter lim="800000"/>
+                <a:headEnd/>
+                <a:tailEnd/>
+              </a14:hiddenLine>
+            </a:ext>
+          </a:extLst>
+        </p:spPr>
+        <p:txBody>
+          <a:bodyPr vert="horz" wrap="square" lIns="91440" tIns="45720" rIns="91440" bIns="45720" numCol="1" anchor="t" anchorCtr="0" compatLnSpc="1">
+            <a:prstTxWarp prst="textNoShape">
+              <a:avLst/>
+            </a:prstTxWarp>
+          </a:bodyPr>
+          <a:lstStyle>
+            <a:lvl1pPr marL="342900" indent="-342900" algn="l" rtl="0" eaLnBrk="0" fontAlgn="base" hangingPunct="0">
+              <a:spcBef>
+                <a:spcPct val="20000"/>
+              </a:spcBef>
+              <a:spcAft>
+                <a:spcPct val="0"/>
+              </a:spcAft>
+              <a:buChar char="•"/>
+              <a:defRPr kumimoji="1" sz="3200">
+                <a:solidFill>
+                  <a:srgbClr val="4D4D4D"/>
+                </a:solidFill>
+                <a:latin typeface="+mn-lt"/>
+                <a:ea typeface="+mn-ea"/>
+                <a:cs typeface="+mn-cs"/>
+              </a:defRPr>
+            </a:lvl1pPr>
+            <a:lvl2pPr marL="742950" indent="-285750" algn="l" rtl="0" eaLnBrk="0" fontAlgn="base" hangingPunct="0">
+              <a:spcBef>
+                <a:spcPct val="20000"/>
+              </a:spcBef>
+              <a:spcAft>
+                <a:spcPct val="0"/>
+              </a:spcAft>
+              <a:buChar char="–"/>
+              <a:defRPr kumimoji="1" sz="2800">
+                <a:solidFill>
+                  <a:srgbClr val="4D4D4D"/>
+                </a:solidFill>
+                <a:latin typeface="+mn-lt"/>
+                <a:ea typeface="+mn-ea"/>
+              </a:defRPr>
+            </a:lvl2pPr>
+            <a:lvl3pPr marL="1143000" indent="-228600" algn="l" rtl="0" eaLnBrk="0" fontAlgn="base" hangingPunct="0">
+              <a:spcBef>
+                <a:spcPct val="20000"/>
+              </a:spcBef>
+              <a:spcAft>
+                <a:spcPct val="0"/>
+              </a:spcAft>
+              <a:buChar char="•"/>
+              <a:defRPr kumimoji="1" sz="2400">
+                <a:solidFill>
+                  <a:srgbClr val="4D4D4D"/>
+                </a:solidFill>
+                <a:latin typeface="+mn-lt"/>
+                <a:ea typeface="+mn-ea"/>
+              </a:defRPr>
+            </a:lvl3pPr>
+            <a:lvl4pPr marL="1600200" indent="-228600" algn="l" rtl="0" eaLnBrk="0" fontAlgn="base" hangingPunct="0">
+              <a:spcBef>
+                <a:spcPct val="20000"/>
+              </a:spcBef>
+              <a:spcAft>
+                <a:spcPct val="0"/>
+              </a:spcAft>
+              <a:buChar char="–"/>
+              <a:defRPr kumimoji="1" sz="2000">
+                <a:solidFill>
+                  <a:srgbClr val="4D4D4D"/>
+                </a:solidFill>
+                <a:latin typeface="+mn-lt"/>
+                <a:ea typeface="+mn-ea"/>
+              </a:defRPr>
+            </a:lvl4pPr>
+            <a:lvl5pPr marL="2057400" indent="-228600" algn="l" rtl="0" eaLnBrk="0" fontAlgn="base" hangingPunct="0">
+              <a:spcBef>
+                <a:spcPct val="20000"/>
+              </a:spcBef>
+              <a:spcAft>
+                <a:spcPct val="0"/>
+              </a:spcAft>
+              <a:buChar char="»"/>
+              <a:defRPr kumimoji="1" sz="2000">
+                <a:solidFill>
+                  <a:srgbClr val="4D4D4D"/>
+                </a:solidFill>
+                <a:latin typeface="+mn-lt"/>
+                <a:ea typeface="+mn-ea"/>
+              </a:defRPr>
+            </a:lvl5pPr>
+            <a:lvl6pPr marL="2514600" indent="-228600" algn="l" rtl="0" fontAlgn="base">
+              <a:spcBef>
+                <a:spcPct val="20000"/>
+              </a:spcBef>
+              <a:spcAft>
+                <a:spcPct val="0"/>
+              </a:spcAft>
+              <a:buChar char="»"/>
+              <a:defRPr kumimoji="1" sz="2000">
+                <a:solidFill>
+                  <a:srgbClr val="4D4D4D"/>
+                </a:solidFill>
+                <a:latin typeface="+mn-lt"/>
+                <a:ea typeface="+mn-ea"/>
+              </a:defRPr>
+            </a:lvl6pPr>
+            <a:lvl7pPr marL="2971800" indent="-228600" algn="l" rtl="0" fontAlgn="base">
+              <a:spcBef>
+                <a:spcPct val="20000"/>
+              </a:spcBef>
+              <a:spcAft>
+                <a:spcPct val="0"/>
+              </a:spcAft>
+              <a:buChar char="»"/>
+              <a:defRPr kumimoji="1" sz="2000">
+                <a:solidFill>
+                  <a:srgbClr val="4D4D4D"/>
+                </a:solidFill>
+                <a:latin typeface="+mn-lt"/>
+                <a:ea typeface="+mn-ea"/>
+              </a:defRPr>
+            </a:lvl7pPr>
+            <a:lvl8pPr marL="3429000" indent="-228600" algn="l" rtl="0" fontAlgn="base">
+              <a:spcBef>
+                <a:spcPct val="20000"/>
+              </a:spcBef>
+              <a:spcAft>
+                <a:spcPct val="0"/>
+              </a:spcAft>
+              <a:buChar char="»"/>
+              <a:defRPr kumimoji="1" sz="2000">
+                <a:solidFill>
+                  <a:srgbClr val="4D4D4D"/>
+                </a:solidFill>
+                <a:latin typeface="+mn-lt"/>
+                <a:ea typeface="+mn-ea"/>
+              </a:defRPr>
+            </a:lvl8pPr>
+            <a:lvl9pPr marL="3886200" indent="-228600" algn="l" rtl="0" fontAlgn="base">
+              <a:spcBef>
+                <a:spcPct val="20000"/>
+              </a:spcBef>
+              <a:spcAft>
+                <a:spcPct val="0"/>
+              </a:spcAft>
+              <a:buChar char="»"/>
+              <a:defRPr kumimoji="1" sz="2000">
+                <a:solidFill>
+                  <a:srgbClr val="4D4D4D"/>
+                </a:solidFill>
+                <a:latin typeface="+mn-lt"/>
+                <a:ea typeface="+mn-ea"/>
+              </a:defRPr>
+            </a:lvl9pPr>
+          </a:lstStyle>
+          <a:p>
+            <a:pPr eaLnBrk="1" hangingPunct="1">
+              <a:lnSpc>
+                <a:spcPct val="80000"/>
+              </a:lnSpc>
+            </a:pPr>
+            <a:r>
+              <a:rPr lang="en-US" altLang="ja-JP" sz="2400" kern="0" dirty="0">
+                <a:solidFill>
+                  <a:schemeClr val="tx1">
+                    <a:lumMod val="65000"/>
+                    <a:lumOff val="35000"/>
+                  </a:schemeClr>
+                </a:solidFill>
+              </a:rPr>
+              <a:t>Raspberry</a:t>
+            </a:r>
+            <a:r>
+              <a:rPr lang="ja-JP" altLang="en-US" sz="2400" kern="0" dirty="0">
+                <a:solidFill>
+                  <a:schemeClr val="tx1">
+                    <a:lumMod val="65000"/>
+                    <a:lumOff val="35000"/>
+                  </a:schemeClr>
+                </a:solidFill>
+              </a:rPr>
+              <a:t> </a:t>
+            </a:r>
+            <a:r>
+              <a:rPr lang="en-US" altLang="ja-JP" sz="2400" kern="0" dirty="0">
+                <a:solidFill>
+                  <a:schemeClr val="tx1">
+                    <a:lumMod val="65000"/>
+                    <a:lumOff val="35000"/>
+                  </a:schemeClr>
+                </a:solidFill>
+              </a:rPr>
+              <a:t>Pi</a:t>
+            </a:r>
+            <a:r>
+              <a:rPr lang="ja-JP" altLang="en-US" sz="2400" kern="0" dirty="0">
+                <a:solidFill>
+                  <a:schemeClr val="tx1">
+                    <a:lumMod val="65000"/>
+                    <a:lumOff val="35000"/>
+                  </a:schemeClr>
+                </a:solidFill>
+              </a:rPr>
+              <a:t>マウスを貸し出していない場合はここまでで実習終了です。</a:t>
+            </a:r>
+            <a:endParaRPr lang="en-US" altLang="ja-JP" sz="2400" kern="0" dirty="0">
+              <a:solidFill>
+                <a:schemeClr val="tx1">
+                  <a:lumMod val="65000"/>
+                  <a:lumOff val="35000"/>
+                </a:schemeClr>
+              </a:solidFill>
+            </a:endParaRPr>
+          </a:p>
+          <a:p>
+            <a:pPr lvl="1" eaLnBrk="1" hangingPunct="1">
+              <a:lnSpc>
+                <a:spcPct val="80000"/>
+              </a:lnSpc>
+            </a:pPr>
+            <a:endParaRPr lang="en-US" altLang="ja-JP" sz="2000" kern="0" dirty="0">
+              <a:solidFill>
+                <a:schemeClr val="tx1">
+                  <a:lumMod val="65000"/>
+                  <a:lumOff val="35000"/>
+                </a:schemeClr>
+              </a:solidFill>
+            </a:endParaRPr>
+          </a:p>
+          <a:p>
+            <a:pPr eaLnBrk="1" hangingPunct="1">
+              <a:lnSpc>
+                <a:spcPct val="80000"/>
+              </a:lnSpc>
+            </a:pPr>
+            <a:r>
+              <a:rPr lang="ja-JP" altLang="en-US" sz="2400" kern="0" dirty="0">
+                <a:solidFill>
+                  <a:schemeClr val="tx1">
+                    <a:lumMod val="65000"/>
+                    <a:lumOff val="35000"/>
+                  </a:schemeClr>
+                </a:solidFill>
+              </a:rPr>
+              <a:t>講習会のアンケートへの協力をお願いします。</a:t>
+            </a:r>
+            <a:endParaRPr lang="en-US" altLang="ja-JP" sz="2400" kern="0" dirty="0">
+              <a:solidFill>
+                <a:schemeClr val="tx1">
+                  <a:lumMod val="65000"/>
+                  <a:lumOff val="35000"/>
+                </a:schemeClr>
+              </a:solidFill>
+            </a:endParaRPr>
+          </a:p>
+          <a:p>
+            <a:pPr lvl="1" eaLnBrk="1" hangingPunct="1">
+              <a:lnSpc>
+                <a:spcPct val="80000"/>
+              </a:lnSpc>
+            </a:pPr>
+            <a:r>
+              <a:rPr lang="en-US" altLang="ja-JP" sz="2000" kern="0" dirty="0">
+                <a:solidFill>
+                  <a:schemeClr val="tx1">
+                    <a:lumMod val="65000"/>
+                    <a:lumOff val="35000"/>
+                  </a:schemeClr>
+                </a:solidFill>
+                <a:hlinkClick r:id="rId3"/>
+              </a:rPr>
+              <a:t>https://forms.gle/t6H2MMBNdQPmAovU6</a:t>
+            </a:r>
+            <a:endParaRPr lang="en-US" altLang="ja-JP" sz="2000" kern="0" dirty="0">
+              <a:solidFill>
+                <a:schemeClr val="tx1">
+                  <a:lumMod val="65000"/>
+                  <a:lumOff val="35000"/>
+                </a:schemeClr>
+              </a:solidFill>
+            </a:endParaRPr>
+          </a:p>
+          <a:p>
+            <a:pPr lvl="1" eaLnBrk="1" hangingPunct="1">
+              <a:lnSpc>
+                <a:spcPct val="80000"/>
+              </a:lnSpc>
+            </a:pPr>
+            <a:endParaRPr lang="ja-JP" altLang="en-US" sz="2000" kern="0" dirty="0">
+              <a:solidFill>
+                <a:schemeClr val="tx1">
+                  <a:lumMod val="65000"/>
+                  <a:lumOff val="35000"/>
+                </a:schemeClr>
+              </a:solidFill>
+            </a:endParaRPr>
+          </a:p>
+          <a:p>
+            <a:pPr eaLnBrk="1" hangingPunct="1">
+              <a:lnSpc>
+                <a:spcPct val="80000"/>
+              </a:lnSpc>
+            </a:pPr>
+            <a:endParaRPr lang="en-US" altLang="ja-JP" sz="2000" kern="0" dirty="0">
+              <a:solidFill>
+                <a:schemeClr val="tx1">
+                  <a:lumMod val="65000"/>
+                  <a:lumOff val="35000"/>
+                </a:schemeClr>
+              </a:solidFill>
+            </a:endParaRPr>
+          </a:p>
+          <a:p>
+            <a:pPr lvl="2" eaLnBrk="1" hangingPunct="1">
+              <a:lnSpc>
+                <a:spcPct val="80000"/>
+              </a:lnSpc>
+            </a:pPr>
+            <a:endParaRPr lang="en-US" altLang="ja-JP" sz="2000" kern="0" dirty="0">
+              <a:solidFill>
+                <a:schemeClr val="tx1">
+                  <a:lumMod val="65000"/>
+                  <a:lumOff val="35000"/>
+                </a:schemeClr>
+              </a:solidFill>
+            </a:endParaRPr>
+          </a:p>
+          <a:p>
+            <a:pPr lvl="2" eaLnBrk="1" hangingPunct="1">
+              <a:lnSpc>
+                <a:spcPct val="80000"/>
+              </a:lnSpc>
+            </a:pPr>
+            <a:endParaRPr lang="en-US" altLang="ja-JP" sz="2000" kern="0" dirty="0">
+              <a:solidFill>
+                <a:schemeClr val="tx1">
+                  <a:lumMod val="65000"/>
+                  <a:lumOff val="35000"/>
+                </a:schemeClr>
+              </a:solidFill>
+            </a:endParaRPr>
+          </a:p>
+          <a:p>
+            <a:pPr lvl="2" eaLnBrk="1" hangingPunct="1">
+              <a:lnSpc>
+                <a:spcPct val="80000"/>
+              </a:lnSpc>
+            </a:pPr>
+            <a:endParaRPr lang="en-US" altLang="ja-JP" sz="2000" kern="0" dirty="0">
+              <a:solidFill>
+                <a:schemeClr val="tx1">
+                  <a:lumMod val="65000"/>
+                  <a:lumOff val="35000"/>
+                </a:schemeClr>
+              </a:solidFill>
+            </a:endParaRPr>
+          </a:p>
+          <a:p>
+            <a:pPr lvl="2" eaLnBrk="1" hangingPunct="1">
+              <a:lnSpc>
+                <a:spcPct val="80000"/>
+              </a:lnSpc>
+            </a:pPr>
+            <a:endParaRPr lang="en-US" altLang="ja-JP" sz="2000" kern="0" dirty="0">
+              <a:solidFill>
+                <a:schemeClr val="tx1">
+                  <a:lumMod val="65000"/>
+                  <a:lumOff val="35000"/>
+                </a:schemeClr>
+              </a:solidFill>
+            </a:endParaRPr>
+          </a:p>
+          <a:p>
+            <a:pPr lvl="2" eaLnBrk="1" hangingPunct="1">
+              <a:lnSpc>
+                <a:spcPct val="80000"/>
+              </a:lnSpc>
+            </a:pPr>
+            <a:endParaRPr lang="en-US" altLang="ja-JP" sz="2000" kern="0" dirty="0">
+              <a:solidFill>
+                <a:schemeClr val="tx1">
+                  <a:lumMod val="65000"/>
+                  <a:lumOff val="35000"/>
+                </a:schemeClr>
+              </a:solidFill>
+            </a:endParaRPr>
+          </a:p>
+          <a:p>
+            <a:pPr lvl="2" eaLnBrk="1" hangingPunct="1">
+              <a:lnSpc>
+                <a:spcPct val="80000"/>
+              </a:lnSpc>
+            </a:pPr>
+            <a:endParaRPr lang="en-US" altLang="ja-JP" sz="2000" kern="0" dirty="0">
+              <a:solidFill>
+                <a:schemeClr val="tx1">
+                  <a:lumMod val="65000"/>
+                  <a:lumOff val="35000"/>
+                </a:schemeClr>
+              </a:solidFill>
+            </a:endParaRPr>
+          </a:p>
+          <a:p>
+            <a:pPr marL="914400" lvl="2" indent="0" eaLnBrk="1" hangingPunct="1">
+              <a:lnSpc>
+                <a:spcPct val="80000"/>
+              </a:lnSpc>
+              <a:buNone/>
+            </a:pPr>
+            <a:endParaRPr lang="en-US" altLang="ja-JP" sz="2000" kern="0" dirty="0">
+              <a:solidFill>
+                <a:schemeClr val="tx1">
+                  <a:lumMod val="65000"/>
+                  <a:lumOff val="35000"/>
+                </a:schemeClr>
+              </a:solidFill>
+            </a:endParaRPr>
+          </a:p>
+          <a:p>
+            <a:pPr lvl="2" eaLnBrk="1" hangingPunct="1">
+              <a:lnSpc>
+                <a:spcPct val="80000"/>
+              </a:lnSpc>
+            </a:pPr>
+            <a:endParaRPr lang="en-US" altLang="ja-JP" sz="1600" kern="0" dirty="0">
+              <a:solidFill>
+                <a:schemeClr val="tx1">
+                  <a:lumMod val="65000"/>
+                  <a:lumOff val="35000"/>
+                </a:schemeClr>
+              </a:solidFill>
+            </a:endParaRPr>
+          </a:p>
+        </p:txBody>
+      </p:sp>
+    </p:spTree>
+    <p:extLst>
+      <p:ext uri="{BB962C8B-B14F-4D97-AF65-F5344CB8AC3E}">
+        <p14:creationId xmlns:p14="http://schemas.microsoft.com/office/powerpoint/2010/main" val="2553364746"/>
       </p:ext>
     </p:extLst>
   </p:cSld>

--- a/ppt/rtshell入門.pptx
+++ b/ppt/rtshell入門.pptx
@@ -5,10 +5,10 @@
     <p:sldMasterId id="2147483648" r:id="rId1"/>
   </p:sldMasterIdLst>
   <p:notesMasterIdLst>
-    <p:notesMasterId r:id="rId21"/>
+    <p:notesMasterId r:id="rId20"/>
   </p:notesMasterIdLst>
   <p:handoutMasterIdLst>
-    <p:handoutMasterId r:id="rId22"/>
+    <p:handoutMasterId r:id="rId21"/>
   </p:handoutMasterIdLst>
   <p:sldIdLst>
     <p:sldId id="625" r:id="rId2"/>
@@ -29,7 +29,6 @@
     <p:sldId id="641" r:id="rId17"/>
     <p:sldId id="642" r:id="rId18"/>
     <p:sldId id="643" r:id="rId19"/>
-    <p:sldId id="646" r:id="rId20"/>
   </p:sldIdLst>
   <p:sldSz cx="9144000" cy="6858000" type="screen4x3"/>
   <p:notesSz cx="6797675" cy="9926638"/>
@@ -5873,519 +5872,6 @@
     <p:extLst>
       <p:ext uri="{BB962C8B-B14F-4D97-AF65-F5344CB8AC3E}">
         <p14:creationId xmlns:p14="http://schemas.microsoft.com/office/powerpoint/2010/main" val="3923863151"/>
-      </p:ext>
-    </p:extLst>
-  </p:cSld>
-  <p:clrMapOvr>
-    <a:masterClrMapping/>
-  </p:clrMapOvr>
-</p:notes>
-</file>
-
-<file path=ppt/notesSlides/notesSlide19.xml><?xml version="1.0" encoding="utf-8"?>
-<p:notes xmlns:a="http://schemas.openxmlformats.org/drawingml/2006/main" xmlns:r="http://schemas.openxmlformats.org/officeDocument/2006/relationships" xmlns:p="http://schemas.openxmlformats.org/presentationml/2006/main">
-  <p:cSld>
-    <p:spTree>
-      <p:nvGrpSpPr>
-        <p:cNvPr id="1" name=""/>
-        <p:cNvGrpSpPr/>
-        <p:nvPr/>
-      </p:nvGrpSpPr>
-      <p:grpSpPr>
-        <a:xfrm>
-          <a:off x="0" y="0"/>
-          <a:ext cx="0" cy="0"/>
-          <a:chOff x="0" y="0"/>
-          <a:chExt cx="0" cy="0"/>
-        </a:xfrm>
-      </p:grpSpPr>
-      <p:sp>
-        <p:nvSpPr>
-          <p:cNvPr id="17410" name="Rectangle 7">
-            <a:extLst>
-              <a:ext uri="{FF2B5EF4-FFF2-40B4-BE49-F238E27FC236}">
-                <a16:creationId xmlns:a16="http://schemas.microsoft.com/office/drawing/2014/main" id="{EEB9E338-576E-44DD-A1CE-10E4F42E559A}"/>
-              </a:ext>
-            </a:extLst>
-          </p:cNvPr>
-          <p:cNvSpPr>
-            <a:spLocks noGrp="1" noChangeArrowheads="1"/>
-          </p:cNvSpPr>
-          <p:nvPr>
-            <p:ph type="sldNum" sz="quarter" idx="5"/>
-          </p:nvPr>
-        </p:nvSpPr>
-        <p:spPr>
-          <a:noFill/>
-          <a:ln/>
-          <a:extLst>
-            <a:ext uri="{909E8E84-426E-40DD-AFC4-6F175D3DCCD1}">
-              <a14:hiddenFill xmlns:a14="http://schemas.microsoft.com/office/drawing/2010/main">
-                <a:solidFill>
-                  <a:srgbClr val="FFFFFF"/>
-                </a:solidFill>
-              </a14:hiddenFill>
-            </a:ext>
-            <a:ext uri="{91240B29-F687-4F45-9708-019B960494DF}">
-              <a14:hiddenLine xmlns:a14="http://schemas.microsoft.com/office/drawing/2010/main" w="9525">
-                <a:solidFill>
-                  <a:srgbClr val="000000"/>
-                </a:solidFill>
-                <a:miter lim="800000"/>
-                <a:headEnd/>
-                <a:tailEnd/>
-              </a14:hiddenLine>
-            </a:ext>
-          </a:extLst>
-        </p:spPr>
-        <p:txBody>
-          <a:bodyPr/>
-          <a:lstStyle>
-            <a:lvl1pPr defTabSz="955675">
-              <a:spcBef>
-                <a:spcPct val="30000"/>
-              </a:spcBef>
-              <a:defRPr kumimoji="1" sz="1200">
-                <a:solidFill>
-                  <a:schemeClr val="tx1"/>
-                </a:solidFill>
-                <a:latin typeface="Arial" panose="020B0604020202020204" pitchFamily="34" charset="0"/>
-                <a:ea typeface="ＭＳ Ｐ明朝" panose="02020600040205080304" pitchFamily="18" charset="-128"/>
-              </a:defRPr>
-            </a:lvl1pPr>
-            <a:lvl2pPr marL="715963" indent="-274638" defTabSz="955675">
-              <a:spcBef>
-                <a:spcPct val="30000"/>
-              </a:spcBef>
-              <a:defRPr kumimoji="1" sz="1200">
-                <a:solidFill>
-                  <a:schemeClr val="tx1"/>
-                </a:solidFill>
-                <a:latin typeface="Arial" panose="020B0604020202020204" pitchFamily="34" charset="0"/>
-                <a:ea typeface="ＭＳ Ｐ明朝" panose="02020600040205080304" pitchFamily="18" charset="-128"/>
-              </a:defRPr>
-            </a:lvl2pPr>
-            <a:lvl3pPr marL="1101725" indent="-219075" defTabSz="955675">
-              <a:spcBef>
-                <a:spcPct val="30000"/>
-              </a:spcBef>
-              <a:defRPr kumimoji="1" sz="1200">
-                <a:solidFill>
-                  <a:schemeClr val="tx1"/>
-                </a:solidFill>
-                <a:latin typeface="Arial" panose="020B0604020202020204" pitchFamily="34" charset="0"/>
-                <a:ea typeface="ＭＳ Ｐ明朝" panose="02020600040205080304" pitchFamily="18" charset="-128"/>
-              </a:defRPr>
-            </a:lvl3pPr>
-            <a:lvl4pPr marL="1543050" indent="-219075" defTabSz="955675">
-              <a:spcBef>
-                <a:spcPct val="30000"/>
-              </a:spcBef>
-              <a:defRPr kumimoji="1" sz="1200">
-                <a:solidFill>
-                  <a:schemeClr val="tx1"/>
-                </a:solidFill>
-                <a:latin typeface="Arial" panose="020B0604020202020204" pitchFamily="34" charset="0"/>
-                <a:ea typeface="ＭＳ Ｐ明朝" panose="02020600040205080304" pitchFamily="18" charset="-128"/>
-              </a:defRPr>
-            </a:lvl4pPr>
-            <a:lvl5pPr marL="1984375" indent="-219075" defTabSz="955675">
-              <a:spcBef>
-                <a:spcPct val="30000"/>
-              </a:spcBef>
-              <a:defRPr kumimoji="1" sz="1200">
-                <a:solidFill>
-                  <a:schemeClr val="tx1"/>
-                </a:solidFill>
-                <a:latin typeface="Arial" panose="020B0604020202020204" pitchFamily="34" charset="0"/>
-                <a:ea typeface="ＭＳ Ｐ明朝" panose="02020600040205080304" pitchFamily="18" charset="-128"/>
-              </a:defRPr>
-            </a:lvl5pPr>
-            <a:lvl6pPr marL="2441575" indent="-219075" defTabSz="955675" eaLnBrk="0" fontAlgn="base" hangingPunct="0">
-              <a:spcBef>
-                <a:spcPct val="30000"/>
-              </a:spcBef>
-              <a:spcAft>
-                <a:spcPct val="0"/>
-              </a:spcAft>
-              <a:defRPr kumimoji="1" sz="1200">
-                <a:solidFill>
-                  <a:schemeClr val="tx1"/>
-                </a:solidFill>
-                <a:latin typeface="Arial" panose="020B0604020202020204" pitchFamily="34" charset="0"/>
-                <a:ea typeface="ＭＳ Ｐ明朝" panose="02020600040205080304" pitchFamily="18" charset="-128"/>
-              </a:defRPr>
-            </a:lvl6pPr>
-            <a:lvl7pPr marL="2898775" indent="-219075" defTabSz="955675" eaLnBrk="0" fontAlgn="base" hangingPunct="0">
-              <a:spcBef>
-                <a:spcPct val="30000"/>
-              </a:spcBef>
-              <a:spcAft>
-                <a:spcPct val="0"/>
-              </a:spcAft>
-              <a:defRPr kumimoji="1" sz="1200">
-                <a:solidFill>
-                  <a:schemeClr val="tx1"/>
-                </a:solidFill>
-                <a:latin typeface="Arial" panose="020B0604020202020204" pitchFamily="34" charset="0"/>
-                <a:ea typeface="ＭＳ Ｐ明朝" panose="02020600040205080304" pitchFamily="18" charset="-128"/>
-              </a:defRPr>
-            </a:lvl7pPr>
-            <a:lvl8pPr marL="3355975" indent="-219075" defTabSz="955675" eaLnBrk="0" fontAlgn="base" hangingPunct="0">
-              <a:spcBef>
-                <a:spcPct val="30000"/>
-              </a:spcBef>
-              <a:spcAft>
-                <a:spcPct val="0"/>
-              </a:spcAft>
-              <a:defRPr kumimoji="1" sz="1200">
-                <a:solidFill>
-                  <a:schemeClr val="tx1"/>
-                </a:solidFill>
-                <a:latin typeface="Arial" panose="020B0604020202020204" pitchFamily="34" charset="0"/>
-                <a:ea typeface="ＭＳ Ｐ明朝" panose="02020600040205080304" pitchFamily="18" charset="-128"/>
-              </a:defRPr>
-            </a:lvl8pPr>
-            <a:lvl9pPr marL="3813175" indent="-219075" defTabSz="955675" eaLnBrk="0" fontAlgn="base" hangingPunct="0">
-              <a:spcBef>
-                <a:spcPct val="30000"/>
-              </a:spcBef>
-              <a:spcAft>
-                <a:spcPct val="0"/>
-              </a:spcAft>
-              <a:defRPr kumimoji="1" sz="1200">
-                <a:solidFill>
-                  <a:schemeClr val="tx1"/>
-                </a:solidFill>
-                <a:latin typeface="Arial" panose="020B0604020202020204" pitchFamily="34" charset="0"/>
-                <a:ea typeface="ＭＳ Ｐ明朝" panose="02020600040205080304" pitchFamily="18" charset="-128"/>
-              </a:defRPr>
-            </a:lvl9pPr>
-          </a:lstStyle>
-          <a:p>
-            <a:pPr>
-              <a:spcBef>
-                <a:spcPct val="0"/>
-              </a:spcBef>
-            </a:pPr>
-            <a:fld id="{BE56F86A-5CC3-4F8C-919F-73152F221106}" type="slidenum">
-              <a:rPr lang="en-US" altLang="ja-JP" sz="1300" smtClean="0">
-                <a:ea typeface="ＭＳ Ｐゴシック" panose="020B0600070205080204" pitchFamily="50" charset="-128"/>
-              </a:rPr>
-              <a:pPr>
-                <a:spcBef>
-                  <a:spcPct val="0"/>
-                </a:spcBef>
-              </a:pPr>
-              <a:t>19</a:t>
-            </a:fld>
-            <a:endParaRPr lang="en-US" altLang="ja-JP" sz="1300">
-              <a:ea typeface="ＭＳ Ｐゴシック" panose="020B0600070205080204" pitchFamily="50" charset="-128"/>
-            </a:endParaRPr>
-          </a:p>
-        </p:txBody>
-      </p:sp>
-      <p:sp>
-        <p:nvSpPr>
-          <p:cNvPr id="17411" name="Rectangle 7">
-            <a:extLst>
-              <a:ext uri="{FF2B5EF4-FFF2-40B4-BE49-F238E27FC236}">
-                <a16:creationId xmlns:a16="http://schemas.microsoft.com/office/drawing/2014/main" id="{134D8C64-0E65-4485-B2E2-26DE68C7AF1F}"/>
-              </a:ext>
-            </a:extLst>
-          </p:cNvPr>
-          <p:cNvSpPr txBox="1">
-            <a:spLocks noGrp="1" noChangeArrowheads="1"/>
-          </p:cNvSpPr>
-          <p:nvPr/>
-        </p:nvSpPr>
-        <p:spPr bwMode="auto">
-          <a:xfrm>
-            <a:off x="3849688" y="9429750"/>
-            <a:ext cx="2946400" cy="495300"/>
-          </a:xfrm>
-          <a:prstGeom prst="rect">
-            <a:avLst/>
-          </a:prstGeom>
-          <a:noFill/>
-          <a:ln>
-            <a:noFill/>
-          </a:ln>
-          <a:extLst>
-            <a:ext uri="{909E8E84-426E-40DD-AFC4-6F175D3DCCD1}">
-              <a14:hiddenFill xmlns:a14="http://schemas.microsoft.com/office/drawing/2010/main">
-                <a:solidFill>
-                  <a:srgbClr val="FFFFFF"/>
-                </a:solidFill>
-              </a14:hiddenFill>
-            </a:ext>
-            <a:ext uri="{91240B29-F687-4F45-9708-019B960494DF}">
-              <a14:hiddenLine xmlns:a14="http://schemas.microsoft.com/office/drawing/2010/main" w="9525">
-                <a:solidFill>
-                  <a:srgbClr val="000000"/>
-                </a:solidFill>
-                <a:miter lim="800000"/>
-                <a:headEnd/>
-                <a:tailEnd/>
-              </a14:hiddenLine>
-            </a:ext>
-          </a:extLst>
-        </p:spPr>
-        <p:txBody>
-          <a:bodyPr lIns="95530" tIns="47765" rIns="95530" bIns="47765" anchor="b"/>
-          <a:lstStyle>
-            <a:lvl1pPr defTabSz="990600">
-              <a:spcBef>
-                <a:spcPct val="30000"/>
-              </a:spcBef>
-              <a:defRPr kumimoji="1" sz="1200">
-                <a:solidFill>
-                  <a:schemeClr val="tx1"/>
-                </a:solidFill>
-                <a:latin typeface="Arial" panose="020B0604020202020204" pitchFamily="34" charset="0"/>
-                <a:ea typeface="ＭＳ Ｐ明朝" panose="02020600040205080304" pitchFamily="18" charset="-128"/>
-              </a:defRPr>
-            </a:lvl1pPr>
-            <a:lvl2pPr marL="742950" indent="-285750" defTabSz="990600">
-              <a:spcBef>
-                <a:spcPct val="30000"/>
-              </a:spcBef>
-              <a:defRPr kumimoji="1" sz="1200">
-                <a:solidFill>
-                  <a:schemeClr val="tx1"/>
-                </a:solidFill>
-                <a:latin typeface="Arial" panose="020B0604020202020204" pitchFamily="34" charset="0"/>
-                <a:ea typeface="ＭＳ Ｐ明朝" panose="02020600040205080304" pitchFamily="18" charset="-128"/>
-              </a:defRPr>
-            </a:lvl2pPr>
-            <a:lvl3pPr marL="1143000" indent="-228600" defTabSz="990600">
-              <a:spcBef>
-                <a:spcPct val="30000"/>
-              </a:spcBef>
-              <a:defRPr kumimoji="1" sz="1200">
-                <a:solidFill>
-                  <a:schemeClr val="tx1"/>
-                </a:solidFill>
-                <a:latin typeface="Arial" panose="020B0604020202020204" pitchFamily="34" charset="0"/>
-                <a:ea typeface="ＭＳ Ｐ明朝" panose="02020600040205080304" pitchFamily="18" charset="-128"/>
-              </a:defRPr>
-            </a:lvl3pPr>
-            <a:lvl4pPr marL="1600200" indent="-228600" defTabSz="990600">
-              <a:spcBef>
-                <a:spcPct val="30000"/>
-              </a:spcBef>
-              <a:defRPr kumimoji="1" sz="1200">
-                <a:solidFill>
-                  <a:schemeClr val="tx1"/>
-                </a:solidFill>
-                <a:latin typeface="Arial" panose="020B0604020202020204" pitchFamily="34" charset="0"/>
-                <a:ea typeface="ＭＳ Ｐ明朝" panose="02020600040205080304" pitchFamily="18" charset="-128"/>
-              </a:defRPr>
-            </a:lvl4pPr>
-            <a:lvl5pPr marL="2057400" indent="-228600" defTabSz="990600">
-              <a:spcBef>
-                <a:spcPct val="30000"/>
-              </a:spcBef>
-              <a:defRPr kumimoji="1" sz="1200">
-                <a:solidFill>
-                  <a:schemeClr val="tx1"/>
-                </a:solidFill>
-                <a:latin typeface="Arial" panose="020B0604020202020204" pitchFamily="34" charset="0"/>
-                <a:ea typeface="ＭＳ Ｐ明朝" panose="02020600040205080304" pitchFamily="18" charset="-128"/>
-              </a:defRPr>
-            </a:lvl5pPr>
-            <a:lvl6pPr marL="2514600" indent="-228600" defTabSz="990600" eaLnBrk="0" fontAlgn="base" hangingPunct="0">
-              <a:spcBef>
-                <a:spcPct val="30000"/>
-              </a:spcBef>
-              <a:spcAft>
-                <a:spcPct val="0"/>
-              </a:spcAft>
-              <a:defRPr kumimoji="1" sz="1200">
-                <a:solidFill>
-                  <a:schemeClr val="tx1"/>
-                </a:solidFill>
-                <a:latin typeface="Arial" panose="020B0604020202020204" pitchFamily="34" charset="0"/>
-                <a:ea typeface="ＭＳ Ｐ明朝" panose="02020600040205080304" pitchFamily="18" charset="-128"/>
-              </a:defRPr>
-            </a:lvl6pPr>
-            <a:lvl7pPr marL="2971800" indent="-228600" defTabSz="990600" eaLnBrk="0" fontAlgn="base" hangingPunct="0">
-              <a:spcBef>
-                <a:spcPct val="30000"/>
-              </a:spcBef>
-              <a:spcAft>
-                <a:spcPct val="0"/>
-              </a:spcAft>
-              <a:defRPr kumimoji="1" sz="1200">
-                <a:solidFill>
-                  <a:schemeClr val="tx1"/>
-                </a:solidFill>
-                <a:latin typeface="Arial" panose="020B0604020202020204" pitchFamily="34" charset="0"/>
-                <a:ea typeface="ＭＳ Ｐ明朝" panose="02020600040205080304" pitchFamily="18" charset="-128"/>
-              </a:defRPr>
-            </a:lvl7pPr>
-            <a:lvl8pPr marL="3429000" indent="-228600" defTabSz="990600" eaLnBrk="0" fontAlgn="base" hangingPunct="0">
-              <a:spcBef>
-                <a:spcPct val="30000"/>
-              </a:spcBef>
-              <a:spcAft>
-                <a:spcPct val="0"/>
-              </a:spcAft>
-              <a:defRPr kumimoji="1" sz="1200">
-                <a:solidFill>
-                  <a:schemeClr val="tx1"/>
-                </a:solidFill>
-                <a:latin typeface="Arial" panose="020B0604020202020204" pitchFamily="34" charset="0"/>
-                <a:ea typeface="ＭＳ Ｐ明朝" panose="02020600040205080304" pitchFamily="18" charset="-128"/>
-              </a:defRPr>
-            </a:lvl8pPr>
-            <a:lvl9pPr marL="3886200" indent="-228600" defTabSz="990600" eaLnBrk="0" fontAlgn="base" hangingPunct="0">
-              <a:spcBef>
-                <a:spcPct val="30000"/>
-              </a:spcBef>
-              <a:spcAft>
-                <a:spcPct val="0"/>
-              </a:spcAft>
-              <a:defRPr kumimoji="1" sz="1200">
-                <a:solidFill>
-                  <a:schemeClr val="tx1"/>
-                </a:solidFill>
-                <a:latin typeface="Arial" panose="020B0604020202020204" pitchFamily="34" charset="0"/>
-                <a:ea typeface="ＭＳ Ｐ明朝" panose="02020600040205080304" pitchFamily="18" charset="-128"/>
-              </a:defRPr>
-            </a:lvl9pPr>
-          </a:lstStyle>
-          <a:p>
-            <a:pPr algn="r" eaLnBrk="1" hangingPunct="1">
-              <a:spcBef>
-                <a:spcPct val="0"/>
-              </a:spcBef>
-            </a:pPr>
-            <a:fld id="{4A3F919F-0D4C-4D8B-A5E4-01B9A16700FF}" type="slidenum">
-              <a:rPr lang="en-US" altLang="ja-JP" sz="1300">
-                <a:ea typeface="ＭＳ Ｐゴシック" panose="020B0600070205080204" pitchFamily="50" charset="-128"/>
-              </a:rPr>
-              <a:pPr algn="r" eaLnBrk="1" hangingPunct="1">
-                <a:spcBef>
-                  <a:spcPct val="0"/>
-                </a:spcBef>
-              </a:pPr>
-              <a:t>19</a:t>
-            </a:fld>
-            <a:endParaRPr lang="en-US" altLang="ja-JP" sz="1300">
-              <a:ea typeface="ＭＳ Ｐゴシック" panose="020B0600070205080204" pitchFamily="50" charset="-128"/>
-            </a:endParaRPr>
-          </a:p>
-        </p:txBody>
-      </p:sp>
-      <p:sp>
-        <p:nvSpPr>
-          <p:cNvPr id="17412" name="Rectangle 2">
-            <a:extLst>
-              <a:ext uri="{FF2B5EF4-FFF2-40B4-BE49-F238E27FC236}">
-                <a16:creationId xmlns:a16="http://schemas.microsoft.com/office/drawing/2014/main" id="{B0C76423-D578-4C08-9A37-079EF079CD6F}"/>
-              </a:ext>
-            </a:extLst>
-          </p:cNvPr>
-          <p:cNvSpPr>
-            <a:spLocks noGrp="1" noRot="1" noChangeAspect="1" noChangeArrowheads="1" noTextEdit="1"/>
-          </p:cNvSpPr>
-          <p:nvPr>
-            <p:ph type="sldImg"/>
-          </p:nvPr>
-        </p:nvSpPr>
-        <p:spPr>
-          <a:xfrm>
-            <a:off x="915988" y="744538"/>
-            <a:ext cx="4965700" cy="3724275"/>
-          </a:xfrm>
-          <a:ln/>
-        </p:spPr>
-      </p:sp>
-      <p:sp>
-        <p:nvSpPr>
-          <p:cNvPr id="17413" name="Rectangle 3">
-            <a:extLst>
-              <a:ext uri="{FF2B5EF4-FFF2-40B4-BE49-F238E27FC236}">
-                <a16:creationId xmlns:a16="http://schemas.microsoft.com/office/drawing/2014/main" id="{0EC2F48C-845A-486A-90D6-3489B70A42F8}"/>
-              </a:ext>
-            </a:extLst>
-          </p:cNvPr>
-          <p:cNvSpPr>
-            <a:spLocks noGrp="1" noChangeArrowheads="1"/>
-          </p:cNvSpPr>
-          <p:nvPr>
-            <p:ph type="body" idx="1"/>
-          </p:nvPr>
-        </p:nvSpPr>
-        <p:spPr>
-          <a:noFill/>
-          <a:ln/>
-          <a:extLst>
-            <a:ext uri="{909E8E84-426E-40DD-AFC4-6F175D3DCCD1}">
-              <a14:hiddenFill xmlns:a14="http://schemas.microsoft.com/office/drawing/2010/main">
-                <a:solidFill>
-                  <a:srgbClr val="FFFFFF"/>
-                </a:solidFill>
-              </a14:hiddenFill>
-            </a:ext>
-            <a:ext uri="{91240B29-F687-4F45-9708-019B960494DF}">
-              <a14:hiddenLine xmlns:a14="http://schemas.microsoft.com/office/drawing/2010/main" w="9525">
-                <a:solidFill>
-                  <a:srgbClr val="000000"/>
-                </a:solidFill>
-                <a:miter lim="800000"/>
-                <a:headEnd/>
-                <a:tailEnd/>
-              </a14:hiddenLine>
-            </a:ext>
-          </a:extLst>
-        </p:spPr>
-        <p:txBody>
-          <a:bodyPr/>
-          <a:lstStyle/>
-          <a:p>
-            <a:pPr eaLnBrk="1" hangingPunct="1"/>
-            <a:endParaRPr lang="en-US" altLang="ja-JP" dirty="0">
-              <a:latin typeface="Arial" panose="020B0604020202020204" pitchFamily="34" charset="0"/>
-            </a:endParaRPr>
-          </a:p>
-          <a:p>
-            <a:pPr eaLnBrk="1" hangingPunct="1"/>
-            <a:endParaRPr lang="en-US" altLang="ja-JP" dirty="0">
-              <a:latin typeface="Arial" panose="020B0604020202020204" pitchFamily="34" charset="0"/>
-            </a:endParaRPr>
-          </a:p>
-          <a:p>
-            <a:pPr eaLnBrk="1" hangingPunct="1"/>
-            <a:endParaRPr lang="en-US" altLang="ja-JP" dirty="0">
-              <a:latin typeface="Arial" panose="020B0604020202020204" pitchFamily="34" charset="0"/>
-            </a:endParaRPr>
-          </a:p>
-          <a:p>
-            <a:pPr eaLnBrk="1" hangingPunct="1"/>
-            <a:endParaRPr lang="en-US" altLang="ja-JP" dirty="0">
-              <a:latin typeface="Arial" panose="020B0604020202020204" pitchFamily="34" charset="0"/>
-            </a:endParaRPr>
-          </a:p>
-          <a:p>
-            <a:pPr eaLnBrk="1" hangingPunct="1"/>
-            <a:endParaRPr lang="en-US" altLang="ja-JP" dirty="0">
-              <a:latin typeface="Arial" panose="020B0604020202020204" pitchFamily="34" charset="0"/>
-            </a:endParaRPr>
-          </a:p>
-          <a:p>
-            <a:pPr eaLnBrk="1" hangingPunct="1"/>
-            <a:endParaRPr lang="en-US" altLang="ja-JP" dirty="0">
-              <a:latin typeface="Arial" panose="020B0604020202020204" pitchFamily="34" charset="0"/>
-            </a:endParaRPr>
-          </a:p>
-        </p:txBody>
-      </p:sp>
-    </p:spTree>
-    <p:extLst>
-      <p:ext uri="{BB962C8B-B14F-4D97-AF65-F5344CB8AC3E}">
-        <p14:creationId xmlns:p14="http://schemas.microsoft.com/office/powerpoint/2010/main" val="803649660"/>
       </p:ext>
     </p:extLst>
   </p:cSld>
@@ -17935,7 +17421,7 @@
                   </a:schemeClr>
                 </a:solidFill>
               </a:rPr>
-              <a:t>XML</a:t>
+              <a:t>RTC</a:t>
             </a:r>
             <a:r>
               <a:rPr lang="ja-JP" altLang="en-US" sz="2400" kern="0" dirty="0">
@@ -17946,29 +17432,7 @@
                   </a:schemeClr>
                 </a:solidFill>
               </a:rPr>
-              <a:t>ファイルに保存したシステムの</a:t>
-            </a:r>
-            <a:r>
-              <a:rPr lang="en-US" altLang="ja-JP" sz="2400" kern="0" dirty="0">
-                <a:solidFill>
-                  <a:schemeClr val="tx1">
-                    <a:lumMod val="65000"/>
-                    <a:lumOff val="35000"/>
-                  </a:schemeClr>
-                </a:solidFill>
-              </a:rPr>
-              <a:t>RTC</a:t>
-            </a:r>
-            <a:r>
-              <a:rPr lang="ja-JP" altLang="en-US" sz="2400" kern="0" dirty="0">
-                <a:solidFill>
-                  <a:schemeClr val="tx1">
-                    <a:lumMod val="65000"/>
-                    <a:lumOff val="35000"/>
-                  </a:schemeClr>
-                </a:solidFill>
-              </a:rPr>
-              <a:t>を非アクティブ化する</a:t>
+              <a:t>を終了する</a:t>
             </a:r>
             <a:endParaRPr lang="en-US" altLang="ja-JP" sz="2400" kern="0" dirty="0">
               <a:solidFill>
@@ -18469,7 +17933,7 @@
         </p:nvSpPr>
         <p:spPr>
           <a:xfrm>
-            <a:off x="435411" y="2733799"/>
+            <a:off x="435411" y="2483895"/>
             <a:ext cx="8273177" cy="1039587"/>
           </a:xfrm>
           <a:prstGeom prst="rect">
@@ -18562,7 +18026,7 @@
         </p:nvSpPr>
         <p:spPr>
           <a:xfrm>
-            <a:off x="634899" y="3898845"/>
+            <a:off x="634899" y="3648941"/>
             <a:ext cx="6547391" cy="2555930"/>
           </a:xfrm>
           <a:prstGeom prst="wedgeRoundRectCallout">
@@ -18694,7 +18158,7 @@
         </p:blipFill>
         <p:spPr>
           <a:xfrm>
-            <a:off x="926595" y="4729690"/>
+            <a:off x="926595" y="4479786"/>
             <a:ext cx="2160240" cy="1652977"/>
           </a:xfrm>
           <a:prstGeom prst="rect">
@@ -18716,7 +18180,7 @@
         </p:nvCxnSpPr>
         <p:spPr>
           <a:xfrm>
-            <a:off x="1316651" y="5963870"/>
+            <a:off x="1316651" y="5713966"/>
             <a:ext cx="1035115" cy="0"/>
           </a:xfrm>
           <a:prstGeom prst="line">
@@ -18757,7 +18221,7 @@
         </p:nvSpPr>
         <p:spPr>
           <a:xfrm>
-            <a:off x="3378531" y="4760785"/>
+            <a:off x="3378531" y="4510881"/>
             <a:ext cx="3803759" cy="523220"/>
           </a:xfrm>
           <a:prstGeom prst="rect">
@@ -24668,1204 +24132,6 @@
 </p:sld>
 </file>
 
-<file path=ppt/slides/slide19.xml><?xml version="1.0" encoding="utf-8"?>
-<p:sld xmlns:a="http://schemas.openxmlformats.org/drawingml/2006/main" xmlns:r="http://schemas.openxmlformats.org/officeDocument/2006/relationships" xmlns:p="http://schemas.openxmlformats.org/presentationml/2006/main">
-  <p:cSld>
-    <p:spTree>
-      <p:nvGrpSpPr>
-        <p:cNvPr id="1" name=""/>
-        <p:cNvGrpSpPr/>
-        <p:nvPr/>
-      </p:nvGrpSpPr>
-      <p:grpSpPr>
-        <a:xfrm>
-          <a:off x="0" y="0"/>
-          <a:ext cx="0" cy="0"/>
-          <a:chOff x="0" y="0"/>
-          <a:chExt cx="0" cy="0"/>
-        </a:xfrm>
-      </p:grpSpPr>
-      <p:sp>
-        <p:nvSpPr>
-          <p:cNvPr id="13" name="Rectangle 2">
-            <a:extLst>
-              <a:ext uri="{FF2B5EF4-FFF2-40B4-BE49-F238E27FC236}">
-                <a16:creationId xmlns:a16="http://schemas.microsoft.com/office/drawing/2014/main" id="{F9B5DBD2-74E8-4A95-8C36-B57B49DB3B76}"/>
-              </a:ext>
-            </a:extLst>
-          </p:cNvPr>
-          <p:cNvSpPr txBox="1">
-            <a:spLocks noChangeArrowheads="1"/>
-          </p:cNvSpPr>
-          <p:nvPr/>
-        </p:nvSpPr>
-        <p:spPr bwMode="auto">
-          <a:xfrm>
-            <a:off x="521550" y="5454225"/>
-            <a:ext cx="8308549" cy="1000550"/>
-          </a:xfrm>
-          <a:prstGeom prst="rect">
-            <a:avLst/>
-          </a:prstGeom>
-          <a:noFill/>
-          <a:ln>
-            <a:noFill/>
-          </a:ln>
-          <a:extLst>
-            <a:ext uri="{909E8E84-426E-40DD-AFC4-6F175D3DCCD1}">
-              <a14:hiddenFill xmlns:a14="http://schemas.microsoft.com/office/drawing/2010/main">
-                <a:solidFill>
-                  <a:srgbClr val="FFFFFF"/>
-                </a:solidFill>
-              </a14:hiddenFill>
-            </a:ext>
-            <a:ext uri="{91240B29-F687-4F45-9708-019B960494DF}">
-              <a14:hiddenLine xmlns:a14="http://schemas.microsoft.com/office/drawing/2010/main" w="9525">
-                <a:solidFill>
-                  <a:srgbClr val="000000"/>
-                </a:solidFill>
-                <a:miter lim="800000"/>
-                <a:headEnd/>
-                <a:tailEnd/>
-              </a14:hiddenLine>
-            </a:ext>
-          </a:extLst>
-        </p:spPr>
-        <p:txBody>
-          <a:bodyPr vert="horz" wrap="square" lIns="91440" tIns="45720" rIns="91440" bIns="45720" numCol="1" anchor="t" anchorCtr="0" compatLnSpc="1">
-            <a:prstTxWarp prst="textNoShape">
-              <a:avLst/>
-            </a:prstTxWarp>
-          </a:bodyPr>
-          <a:lstStyle>
-            <a:lvl1pPr marL="342900" indent="-342900" algn="l" rtl="0" eaLnBrk="0" fontAlgn="base" hangingPunct="0">
-              <a:spcBef>
-                <a:spcPct val="20000"/>
-              </a:spcBef>
-              <a:spcAft>
-                <a:spcPct val="0"/>
-              </a:spcAft>
-              <a:buChar char="•"/>
-              <a:defRPr kumimoji="1" sz="3200">
-                <a:solidFill>
-                  <a:srgbClr val="4D4D4D"/>
-                </a:solidFill>
-                <a:latin typeface="+mn-lt"/>
-                <a:ea typeface="+mn-ea"/>
-                <a:cs typeface="+mn-cs"/>
-              </a:defRPr>
-            </a:lvl1pPr>
-            <a:lvl2pPr marL="742950" indent="-285750" algn="l" rtl="0" eaLnBrk="0" fontAlgn="base" hangingPunct="0">
-              <a:spcBef>
-                <a:spcPct val="20000"/>
-              </a:spcBef>
-              <a:spcAft>
-                <a:spcPct val="0"/>
-              </a:spcAft>
-              <a:buChar char="–"/>
-              <a:defRPr kumimoji="1" sz="2800">
-                <a:solidFill>
-                  <a:srgbClr val="4D4D4D"/>
-                </a:solidFill>
-                <a:latin typeface="+mn-lt"/>
-                <a:ea typeface="+mn-ea"/>
-              </a:defRPr>
-            </a:lvl2pPr>
-            <a:lvl3pPr marL="1143000" indent="-228600" algn="l" rtl="0" eaLnBrk="0" fontAlgn="base" hangingPunct="0">
-              <a:spcBef>
-                <a:spcPct val="20000"/>
-              </a:spcBef>
-              <a:spcAft>
-                <a:spcPct val="0"/>
-              </a:spcAft>
-              <a:buChar char="•"/>
-              <a:defRPr kumimoji="1" sz="2400">
-                <a:solidFill>
-                  <a:srgbClr val="4D4D4D"/>
-                </a:solidFill>
-                <a:latin typeface="+mn-lt"/>
-                <a:ea typeface="+mn-ea"/>
-              </a:defRPr>
-            </a:lvl3pPr>
-            <a:lvl4pPr marL="1600200" indent="-228600" algn="l" rtl="0" eaLnBrk="0" fontAlgn="base" hangingPunct="0">
-              <a:spcBef>
-                <a:spcPct val="20000"/>
-              </a:spcBef>
-              <a:spcAft>
-                <a:spcPct val="0"/>
-              </a:spcAft>
-              <a:buChar char="–"/>
-              <a:defRPr kumimoji="1" sz="2000">
-                <a:solidFill>
-                  <a:srgbClr val="4D4D4D"/>
-                </a:solidFill>
-                <a:latin typeface="+mn-lt"/>
-                <a:ea typeface="+mn-ea"/>
-              </a:defRPr>
-            </a:lvl4pPr>
-            <a:lvl5pPr marL="2057400" indent="-228600" algn="l" rtl="0" eaLnBrk="0" fontAlgn="base" hangingPunct="0">
-              <a:spcBef>
-                <a:spcPct val="20000"/>
-              </a:spcBef>
-              <a:spcAft>
-                <a:spcPct val="0"/>
-              </a:spcAft>
-              <a:buChar char="»"/>
-              <a:defRPr kumimoji="1" sz="2000">
-                <a:solidFill>
-                  <a:srgbClr val="4D4D4D"/>
-                </a:solidFill>
-                <a:latin typeface="+mn-lt"/>
-                <a:ea typeface="+mn-ea"/>
-              </a:defRPr>
-            </a:lvl5pPr>
-            <a:lvl6pPr marL="2514600" indent="-228600" algn="l" rtl="0" fontAlgn="base">
-              <a:spcBef>
-                <a:spcPct val="20000"/>
-              </a:spcBef>
-              <a:spcAft>
-                <a:spcPct val="0"/>
-              </a:spcAft>
-              <a:buChar char="»"/>
-              <a:defRPr kumimoji="1" sz="2000">
-                <a:solidFill>
-                  <a:srgbClr val="4D4D4D"/>
-                </a:solidFill>
-                <a:latin typeface="+mn-lt"/>
-                <a:ea typeface="+mn-ea"/>
-              </a:defRPr>
-            </a:lvl6pPr>
-            <a:lvl7pPr marL="2971800" indent="-228600" algn="l" rtl="0" fontAlgn="base">
-              <a:spcBef>
-                <a:spcPct val="20000"/>
-              </a:spcBef>
-              <a:spcAft>
-                <a:spcPct val="0"/>
-              </a:spcAft>
-              <a:buChar char="»"/>
-              <a:defRPr kumimoji="1" sz="2000">
-                <a:solidFill>
-                  <a:srgbClr val="4D4D4D"/>
-                </a:solidFill>
-                <a:latin typeface="+mn-lt"/>
-                <a:ea typeface="+mn-ea"/>
-              </a:defRPr>
-            </a:lvl7pPr>
-            <a:lvl8pPr marL="3429000" indent="-228600" algn="l" rtl="0" fontAlgn="base">
-              <a:spcBef>
-                <a:spcPct val="20000"/>
-              </a:spcBef>
-              <a:spcAft>
-                <a:spcPct val="0"/>
-              </a:spcAft>
-              <a:buChar char="»"/>
-              <a:defRPr kumimoji="1" sz="2000">
-                <a:solidFill>
-                  <a:srgbClr val="4D4D4D"/>
-                </a:solidFill>
-                <a:latin typeface="+mn-lt"/>
-                <a:ea typeface="+mn-ea"/>
-              </a:defRPr>
-            </a:lvl8pPr>
-            <a:lvl9pPr marL="3886200" indent="-228600" algn="l" rtl="0" fontAlgn="base">
-              <a:spcBef>
-                <a:spcPct val="20000"/>
-              </a:spcBef>
-              <a:spcAft>
-                <a:spcPct val="0"/>
-              </a:spcAft>
-              <a:buChar char="»"/>
-              <a:defRPr kumimoji="1" sz="2000">
-                <a:solidFill>
-                  <a:srgbClr val="4D4D4D"/>
-                </a:solidFill>
-                <a:latin typeface="+mn-lt"/>
-                <a:ea typeface="+mn-ea"/>
-              </a:defRPr>
-            </a:lvl9pPr>
-          </a:lstStyle>
-          <a:p>
-            <a:pPr lvl="1" eaLnBrk="1" hangingPunct="1">
-              <a:lnSpc>
-                <a:spcPct val="80000"/>
-              </a:lnSpc>
-            </a:pPr>
-            <a:endParaRPr lang="en-US" altLang="ja-JP" sz="1600" kern="0" dirty="0">
-              <a:solidFill>
-                <a:schemeClr val="tx1">
-                  <a:lumMod val="65000"/>
-                  <a:lumOff val="35000"/>
-                </a:schemeClr>
-              </a:solidFill>
-            </a:endParaRPr>
-          </a:p>
-          <a:p>
-            <a:pPr lvl="2" eaLnBrk="1" hangingPunct="1">
-              <a:lnSpc>
-                <a:spcPct val="80000"/>
-              </a:lnSpc>
-            </a:pPr>
-            <a:endParaRPr lang="en-US" altLang="ja-JP" sz="2000" kern="0" dirty="0">
-              <a:solidFill>
-                <a:schemeClr val="tx1">
-                  <a:lumMod val="65000"/>
-                  <a:lumOff val="35000"/>
-                </a:schemeClr>
-              </a:solidFill>
-            </a:endParaRPr>
-          </a:p>
-          <a:p>
-            <a:pPr lvl="2" eaLnBrk="1" hangingPunct="1">
-              <a:lnSpc>
-                <a:spcPct val="80000"/>
-              </a:lnSpc>
-            </a:pPr>
-            <a:endParaRPr lang="en-US" altLang="ja-JP" sz="2000" kern="0" dirty="0">
-              <a:solidFill>
-                <a:schemeClr val="tx1">
-                  <a:lumMod val="65000"/>
-                  <a:lumOff val="35000"/>
-                </a:schemeClr>
-              </a:solidFill>
-            </a:endParaRPr>
-          </a:p>
-          <a:p>
-            <a:pPr lvl="2" eaLnBrk="1" hangingPunct="1">
-              <a:lnSpc>
-                <a:spcPct val="80000"/>
-              </a:lnSpc>
-            </a:pPr>
-            <a:endParaRPr lang="en-US" altLang="ja-JP" sz="2000" kern="0" dirty="0">
-              <a:solidFill>
-                <a:schemeClr val="tx1">
-                  <a:lumMod val="65000"/>
-                  <a:lumOff val="35000"/>
-                </a:schemeClr>
-              </a:solidFill>
-            </a:endParaRPr>
-          </a:p>
-          <a:p>
-            <a:pPr marL="914400" lvl="2" indent="0" eaLnBrk="1" hangingPunct="1">
-              <a:lnSpc>
-                <a:spcPct val="80000"/>
-              </a:lnSpc>
-              <a:buNone/>
-            </a:pPr>
-            <a:endParaRPr lang="en-US" altLang="ja-JP" sz="2000" kern="0" dirty="0">
-              <a:solidFill>
-                <a:schemeClr val="tx1">
-                  <a:lumMod val="65000"/>
-                  <a:lumOff val="35000"/>
-                </a:schemeClr>
-              </a:solidFill>
-            </a:endParaRPr>
-          </a:p>
-          <a:p>
-            <a:pPr lvl="2" eaLnBrk="1" hangingPunct="1">
-              <a:lnSpc>
-                <a:spcPct val="80000"/>
-              </a:lnSpc>
-            </a:pPr>
-            <a:endParaRPr lang="en-US" altLang="ja-JP" sz="1600" kern="0" dirty="0">
-              <a:solidFill>
-                <a:schemeClr val="tx1">
-                  <a:lumMod val="65000"/>
-                  <a:lumOff val="35000"/>
-                </a:schemeClr>
-              </a:solidFill>
-            </a:endParaRPr>
-          </a:p>
-        </p:txBody>
-      </p:sp>
-      <p:sp>
-        <p:nvSpPr>
-          <p:cNvPr id="16386" name="スライド番号プレースホルダ 1">
-            <a:extLst>
-              <a:ext uri="{FF2B5EF4-FFF2-40B4-BE49-F238E27FC236}">
-                <a16:creationId xmlns:a16="http://schemas.microsoft.com/office/drawing/2014/main" id="{580AD89C-05FA-4961-9F51-D9FDC336E5BE}"/>
-              </a:ext>
-            </a:extLst>
-          </p:cNvPr>
-          <p:cNvSpPr>
-            <a:spLocks noGrp="1"/>
-          </p:cNvSpPr>
-          <p:nvPr>
-            <p:ph type="sldNum" sz="quarter" idx="10"/>
-          </p:nvPr>
-        </p:nvSpPr>
-        <p:spPr>
-          <a:noFill/>
-          <a:ln/>
-          <a:extLst>
-            <a:ext uri="{909E8E84-426E-40DD-AFC4-6F175D3DCCD1}">
-              <a14:hiddenFill xmlns:a14="http://schemas.microsoft.com/office/drawing/2010/main">
-                <a:solidFill>
-                  <a:srgbClr val="FFFFFF"/>
-                </a:solidFill>
-              </a14:hiddenFill>
-            </a:ext>
-            <a:ext uri="{91240B29-F687-4F45-9708-019B960494DF}">
-              <a14:hiddenLine xmlns:a14="http://schemas.microsoft.com/office/drawing/2010/main" w="9525">
-                <a:solidFill>
-                  <a:srgbClr val="000000"/>
-                </a:solidFill>
-                <a:miter lim="800000"/>
-                <a:headEnd/>
-                <a:tailEnd/>
-              </a14:hiddenLine>
-            </a:ext>
-          </a:extLst>
-        </p:spPr>
-        <p:txBody>
-          <a:bodyPr/>
-          <a:lstStyle>
-            <a:lvl1pPr>
-              <a:spcBef>
-                <a:spcPct val="20000"/>
-              </a:spcBef>
-              <a:buChar char="•"/>
-              <a:defRPr kumimoji="1" sz="3200">
-                <a:solidFill>
-                  <a:srgbClr val="4D4D4D"/>
-                </a:solidFill>
-                <a:latin typeface="Arial" panose="020B0604020202020204" pitchFamily="34" charset="0"/>
-                <a:ea typeface="ＭＳ Ｐゴシック" panose="020B0600070205080204" pitchFamily="50" charset="-128"/>
-              </a:defRPr>
-            </a:lvl1pPr>
-            <a:lvl2pPr marL="742950" indent="-285750">
-              <a:spcBef>
-                <a:spcPct val="20000"/>
-              </a:spcBef>
-              <a:buChar char="–"/>
-              <a:defRPr kumimoji="1" sz="2800">
-                <a:solidFill>
-                  <a:srgbClr val="4D4D4D"/>
-                </a:solidFill>
-                <a:latin typeface="Arial" panose="020B0604020202020204" pitchFamily="34" charset="0"/>
-                <a:ea typeface="ＭＳ Ｐゴシック" panose="020B0600070205080204" pitchFamily="50" charset="-128"/>
-              </a:defRPr>
-            </a:lvl2pPr>
-            <a:lvl3pPr marL="1143000" indent="-228600">
-              <a:spcBef>
-                <a:spcPct val="20000"/>
-              </a:spcBef>
-              <a:buChar char="•"/>
-              <a:defRPr kumimoji="1" sz="2400">
-                <a:solidFill>
-                  <a:srgbClr val="4D4D4D"/>
-                </a:solidFill>
-                <a:latin typeface="Arial" panose="020B0604020202020204" pitchFamily="34" charset="0"/>
-                <a:ea typeface="ＭＳ Ｐゴシック" panose="020B0600070205080204" pitchFamily="50" charset="-128"/>
-              </a:defRPr>
-            </a:lvl3pPr>
-            <a:lvl4pPr marL="1600200" indent="-228600">
-              <a:spcBef>
-                <a:spcPct val="20000"/>
-              </a:spcBef>
-              <a:buChar char="–"/>
-              <a:defRPr kumimoji="1" sz="2000">
-                <a:solidFill>
-                  <a:srgbClr val="4D4D4D"/>
-                </a:solidFill>
-                <a:latin typeface="Arial" panose="020B0604020202020204" pitchFamily="34" charset="0"/>
-                <a:ea typeface="ＭＳ Ｐゴシック" panose="020B0600070205080204" pitchFamily="50" charset="-128"/>
-              </a:defRPr>
-            </a:lvl4pPr>
-            <a:lvl5pPr marL="2057400" indent="-228600">
-              <a:spcBef>
-                <a:spcPct val="20000"/>
-              </a:spcBef>
-              <a:buChar char="»"/>
-              <a:defRPr kumimoji="1" sz="2000">
-                <a:solidFill>
-                  <a:srgbClr val="4D4D4D"/>
-                </a:solidFill>
-                <a:latin typeface="Arial" panose="020B0604020202020204" pitchFamily="34" charset="0"/>
-                <a:ea typeface="ＭＳ Ｐゴシック" panose="020B0600070205080204" pitchFamily="50" charset="-128"/>
-              </a:defRPr>
-            </a:lvl5pPr>
-            <a:lvl6pPr marL="2514600" indent="-228600" eaLnBrk="0" fontAlgn="base" hangingPunct="0">
-              <a:spcBef>
-                <a:spcPct val="20000"/>
-              </a:spcBef>
-              <a:spcAft>
-                <a:spcPct val="0"/>
-              </a:spcAft>
-              <a:buChar char="»"/>
-              <a:defRPr kumimoji="1" sz="2000">
-                <a:solidFill>
-                  <a:srgbClr val="4D4D4D"/>
-                </a:solidFill>
-                <a:latin typeface="Arial" panose="020B0604020202020204" pitchFamily="34" charset="0"/>
-                <a:ea typeface="ＭＳ Ｐゴシック" panose="020B0600070205080204" pitchFamily="50" charset="-128"/>
-              </a:defRPr>
-            </a:lvl6pPr>
-            <a:lvl7pPr marL="2971800" indent="-228600" eaLnBrk="0" fontAlgn="base" hangingPunct="0">
-              <a:spcBef>
-                <a:spcPct val="20000"/>
-              </a:spcBef>
-              <a:spcAft>
-                <a:spcPct val="0"/>
-              </a:spcAft>
-              <a:buChar char="»"/>
-              <a:defRPr kumimoji="1" sz="2000">
-                <a:solidFill>
-                  <a:srgbClr val="4D4D4D"/>
-                </a:solidFill>
-                <a:latin typeface="Arial" panose="020B0604020202020204" pitchFamily="34" charset="0"/>
-                <a:ea typeface="ＭＳ Ｐゴシック" panose="020B0600070205080204" pitchFamily="50" charset="-128"/>
-              </a:defRPr>
-            </a:lvl7pPr>
-            <a:lvl8pPr marL="3429000" indent="-228600" eaLnBrk="0" fontAlgn="base" hangingPunct="0">
-              <a:spcBef>
-                <a:spcPct val="20000"/>
-              </a:spcBef>
-              <a:spcAft>
-                <a:spcPct val="0"/>
-              </a:spcAft>
-              <a:buChar char="»"/>
-              <a:defRPr kumimoji="1" sz="2000">
-                <a:solidFill>
-                  <a:srgbClr val="4D4D4D"/>
-                </a:solidFill>
-                <a:latin typeface="Arial" panose="020B0604020202020204" pitchFamily="34" charset="0"/>
-                <a:ea typeface="ＭＳ Ｐゴシック" panose="020B0600070205080204" pitchFamily="50" charset="-128"/>
-              </a:defRPr>
-            </a:lvl8pPr>
-            <a:lvl9pPr marL="3886200" indent="-228600" eaLnBrk="0" fontAlgn="base" hangingPunct="0">
-              <a:spcBef>
-                <a:spcPct val="20000"/>
-              </a:spcBef>
-              <a:spcAft>
-                <a:spcPct val="0"/>
-              </a:spcAft>
-              <a:buChar char="»"/>
-              <a:defRPr kumimoji="1" sz="2000">
-                <a:solidFill>
-                  <a:srgbClr val="4D4D4D"/>
-                </a:solidFill>
-                <a:latin typeface="Arial" panose="020B0604020202020204" pitchFamily="34" charset="0"/>
-                <a:ea typeface="ＭＳ Ｐゴシック" panose="020B0600070205080204" pitchFamily="50" charset="-128"/>
-              </a:defRPr>
-            </a:lvl9pPr>
-          </a:lstStyle>
-          <a:p>
-            <a:pPr>
-              <a:spcBef>
-                <a:spcPct val="0"/>
-              </a:spcBef>
-              <a:buFontTx/>
-              <a:buNone/>
-            </a:pPr>
-            <a:fld id="{4FE1D555-3DC6-4367-B753-E8D069197371}" type="slidenum">
-              <a:rPr lang="en-US" altLang="ja-JP" sz="1400" smtClean="0"/>
-              <a:pPr>
-                <a:spcBef>
-                  <a:spcPct val="0"/>
-                </a:spcBef>
-                <a:buFontTx/>
-                <a:buNone/>
-              </a:pPr>
-              <a:t>19</a:t>
-            </a:fld>
-            <a:endParaRPr lang="en-US" altLang="ja-JP" sz="1400"/>
-          </a:p>
-        </p:txBody>
-      </p:sp>
-      <p:sp>
-        <p:nvSpPr>
-          <p:cNvPr id="16387" name="スライド番号プレースホルダ 3">
-            <a:extLst>
-              <a:ext uri="{FF2B5EF4-FFF2-40B4-BE49-F238E27FC236}">
-                <a16:creationId xmlns:a16="http://schemas.microsoft.com/office/drawing/2014/main" id="{93EAFA60-A5BC-41B8-8491-E275E6185A85}"/>
-              </a:ext>
-            </a:extLst>
-          </p:cNvPr>
-          <p:cNvSpPr txBox="1">
-            <a:spLocks noGrp="1"/>
-          </p:cNvSpPr>
-          <p:nvPr/>
-        </p:nvSpPr>
-        <p:spPr bwMode="auto">
-          <a:xfrm>
-            <a:off x="7010400" y="6575425"/>
-            <a:ext cx="2133600" cy="503238"/>
-          </a:xfrm>
-          <a:prstGeom prst="rect">
-            <a:avLst/>
-          </a:prstGeom>
-          <a:noFill/>
-          <a:ln>
-            <a:noFill/>
-          </a:ln>
-          <a:extLst>
-            <a:ext uri="{909E8E84-426E-40DD-AFC4-6F175D3DCCD1}">
-              <a14:hiddenFill xmlns:a14="http://schemas.microsoft.com/office/drawing/2010/main">
-                <a:solidFill>
-                  <a:srgbClr val="FFFFFF"/>
-                </a:solidFill>
-              </a14:hiddenFill>
-            </a:ext>
-            <a:ext uri="{91240B29-F687-4F45-9708-019B960494DF}">
-              <a14:hiddenLine xmlns:a14="http://schemas.microsoft.com/office/drawing/2010/main" w="9525">
-                <a:solidFill>
-                  <a:srgbClr val="000000"/>
-                </a:solidFill>
-                <a:miter lim="800000"/>
-                <a:headEnd/>
-                <a:tailEnd/>
-              </a14:hiddenLine>
-            </a:ext>
-          </a:extLst>
-        </p:spPr>
-        <p:txBody>
-          <a:bodyPr/>
-          <a:lstStyle>
-            <a:lvl1pPr>
-              <a:spcBef>
-                <a:spcPct val="20000"/>
-              </a:spcBef>
-              <a:buChar char="•"/>
-              <a:defRPr kumimoji="1" sz="3200">
-                <a:solidFill>
-                  <a:srgbClr val="4D4D4D"/>
-                </a:solidFill>
-                <a:latin typeface="Arial" panose="020B0604020202020204" pitchFamily="34" charset="0"/>
-                <a:ea typeface="ＭＳ Ｐゴシック" panose="020B0600070205080204" pitchFamily="50" charset="-128"/>
-              </a:defRPr>
-            </a:lvl1pPr>
-            <a:lvl2pPr marL="742950" indent="-285750">
-              <a:spcBef>
-                <a:spcPct val="20000"/>
-              </a:spcBef>
-              <a:buChar char="–"/>
-              <a:defRPr kumimoji="1" sz="2800">
-                <a:solidFill>
-                  <a:srgbClr val="4D4D4D"/>
-                </a:solidFill>
-                <a:latin typeface="Arial" panose="020B0604020202020204" pitchFamily="34" charset="0"/>
-                <a:ea typeface="ＭＳ Ｐゴシック" panose="020B0600070205080204" pitchFamily="50" charset="-128"/>
-              </a:defRPr>
-            </a:lvl2pPr>
-            <a:lvl3pPr marL="1143000" indent="-228600">
-              <a:spcBef>
-                <a:spcPct val="20000"/>
-              </a:spcBef>
-              <a:buChar char="•"/>
-              <a:defRPr kumimoji="1" sz="2400">
-                <a:solidFill>
-                  <a:srgbClr val="4D4D4D"/>
-                </a:solidFill>
-                <a:latin typeface="Arial" panose="020B0604020202020204" pitchFamily="34" charset="0"/>
-                <a:ea typeface="ＭＳ Ｐゴシック" panose="020B0600070205080204" pitchFamily="50" charset="-128"/>
-              </a:defRPr>
-            </a:lvl3pPr>
-            <a:lvl4pPr marL="1600200" indent="-228600">
-              <a:spcBef>
-                <a:spcPct val="20000"/>
-              </a:spcBef>
-              <a:buChar char="–"/>
-              <a:defRPr kumimoji="1" sz="2000">
-                <a:solidFill>
-                  <a:srgbClr val="4D4D4D"/>
-                </a:solidFill>
-                <a:latin typeface="Arial" panose="020B0604020202020204" pitchFamily="34" charset="0"/>
-                <a:ea typeface="ＭＳ Ｐゴシック" panose="020B0600070205080204" pitchFamily="50" charset="-128"/>
-              </a:defRPr>
-            </a:lvl4pPr>
-            <a:lvl5pPr marL="2057400" indent="-228600">
-              <a:spcBef>
-                <a:spcPct val="20000"/>
-              </a:spcBef>
-              <a:buChar char="»"/>
-              <a:defRPr kumimoji="1" sz="2000">
-                <a:solidFill>
-                  <a:srgbClr val="4D4D4D"/>
-                </a:solidFill>
-                <a:latin typeface="Arial" panose="020B0604020202020204" pitchFamily="34" charset="0"/>
-                <a:ea typeface="ＭＳ Ｐゴシック" panose="020B0600070205080204" pitchFamily="50" charset="-128"/>
-              </a:defRPr>
-            </a:lvl5pPr>
-            <a:lvl6pPr marL="2514600" indent="-228600" eaLnBrk="0" fontAlgn="base" hangingPunct="0">
-              <a:spcBef>
-                <a:spcPct val="20000"/>
-              </a:spcBef>
-              <a:spcAft>
-                <a:spcPct val="0"/>
-              </a:spcAft>
-              <a:buChar char="»"/>
-              <a:defRPr kumimoji="1" sz="2000">
-                <a:solidFill>
-                  <a:srgbClr val="4D4D4D"/>
-                </a:solidFill>
-                <a:latin typeface="Arial" panose="020B0604020202020204" pitchFamily="34" charset="0"/>
-                <a:ea typeface="ＭＳ Ｐゴシック" panose="020B0600070205080204" pitchFamily="50" charset="-128"/>
-              </a:defRPr>
-            </a:lvl6pPr>
-            <a:lvl7pPr marL="2971800" indent="-228600" eaLnBrk="0" fontAlgn="base" hangingPunct="0">
-              <a:spcBef>
-                <a:spcPct val="20000"/>
-              </a:spcBef>
-              <a:spcAft>
-                <a:spcPct val="0"/>
-              </a:spcAft>
-              <a:buChar char="»"/>
-              <a:defRPr kumimoji="1" sz="2000">
-                <a:solidFill>
-                  <a:srgbClr val="4D4D4D"/>
-                </a:solidFill>
-                <a:latin typeface="Arial" panose="020B0604020202020204" pitchFamily="34" charset="0"/>
-                <a:ea typeface="ＭＳ Ｐゴシック" panose="020B0600070205080204" pitchFamily="50" charset="-128"/>
-              </a:defRPr>
-            </a:lvl7pPr>
-            <a:lvl8pPr marL="3429000" indent="-228600" eaLnBrk="0" fontAlgn="base" hangingPunct="0">
-              <a:spcBef>
-                <a:spcPct val="20000"/>
-              </a:spcBef>
-              <a:spcAft>
-                <a:spcPct val="0"/>
-              </a:spcAft>
-              <a:buChar char="»"/>
-              <a:defRPr kumimoji="1" sz="2000">
-                <a:solidFill>
-                  <a:srgbClr val="4D4D4D"/>
-                </a:solidFill>
-                <a:latin typeface="Arial" panose="020B0604020202020204" pitchFamily="34" charset="0"/>
-                <a:ea typeface="ＭＳ Ｐゴシック" panose="020B0600070205080204" pitchFamily="50" charset="-128"/>
-              </a:defRPr>
-            </a:lvl8pPr>
-            <a:lvl9pPr marL="3886200" indent="-228600" eaLnBrk="0" fontAlgn="base" hangingPunct="0">
-              <a:spcBef>
-                <a:spcPct val="20000"/>
-              </a:spcBef>
-              <a:spcAft>
-                <a:spcPct val="0"/>
-              </a:spcAft>
-              <a:buChar char="»"/>
-              <a:defRPr kumimoji="1" sz="2000">
-                <a:solidFill>
-                  <a:srgbClr val="4D4D4D"/>
-                </a:solidFill>
-                <a:latin typeface="Arial" panose="020B0604020202020204" pitchFamily="34" charset="0"/>
-                <a:ea typeface="ＭＳ Ｐゴシック" panose="020B0600070205080204" pitchFamily="50" charset="-128"/>
-              </a:defRPr>
-            </a:lvl9pPr>
-          </a:lstStyle>
-          <a:p>
-            <a:pPr algn="r" eaLnBrk="1" hangingPunct="1">
-              <a:spcBef>
-                <a:spcPct val="0"/>
-              </a:spcBef>
-              <a:buFontTx/>
-              <a:buNone/>
-            </a:pPr>
-            <a:fld id="{880BF4F5-E64B-4B1C-A9EC-D6B3627A7FBB}" type="slidenum">
-              <a:rPr lang="en-US" altLang="ja-JP" sz="1400"/>
-              <a:pPr algn="r" eaLnBrk="1" hangingPunct="1">
-                <a:spcBef>
-                  <a:spcPct val="0"/>
-                </a:spcBef>
-                <a:buFontTx/>
-                <a:buNone/>
-              </a:pPr>
-              <a:t>19</a:t>
-            </a:fld>
-            <a:endParaRPr lang="en-US" altLang="ja-JP" sz="1400"/>
-          </a:p>
-        </p:txBody>
-      </p:sp>
-      <p:sp>
-        <p:nvSpPr>
-          <p:cNvPr id="8" name="Rectangle 2">
-            <a:extLst>
-              <a:ext uri="{FF2B5EF4-FFF2-40B4-BE49-F238E27FC236}">
-                <a16:creationId xmlns:a16="http://schemas.microsoft.com/office/drawing/2014/main" id="{7B10618B-17B8-4A58-AB24-B37E11CE4656}"/>
-              </a:ext>
-            </a:extLst>
-          </p:cNvPr>
-          <p:cNvSpPr txBox="1">
-            <a:spLocks noChangeArrowheads="1"/>
-          </p:cNvSpPr>
-          <p:nvPr/>
-        </p:nvSpPr>
-        <p:spPr bwMode="auto">
-          <a:xfrm>
-            <a:off x="417726" y="1268413"/>
-            <a:ext cx="7954750" cy="3645752"/>
-          </a:xfrm>
-          <a:prstGeom prst="rect">
-            <a:avLst/>
-          </a:prstGeom>
-          <a:noFill/>
-          <a:ln>
-            <a:noFill/>
-          </a:ln>
-          <a:extLst>
-            <a:ext uri="{909E8E84-426E-40DD-AFC4-6F175D3DCCD1}">
-              <a14:hiddenFill xmlns:a14="http://schemas.microsoft.com/office/drawing/2010/main">
-                <a:solidFill>
-                  <a:srgbClr val="FFFFFF"/>
-                </a:solidFill>
-              </a14:hiddenFill>
-            </a:ext>
-            <a:ext uri="{91240B29-F687-4F45-9708-019B960494DF}">
-              <a14:hiddenLine xmlns:a14="http://schemas.microsoft.com/office/drawing/2010/main" w="9525">
-                <a:solidFill>
-                  <a:srgbClr val="000000"/>
-                </a:solidFill>
-                <a:miter lim="800000"/>
-                <a:headEnd/>
-                <a:tailEnd/>
-              </a14:hiddenLine>
-            </a:ext>
-          </a:extLst>
-        </p:spPr>
-        <p:txBody>
-          <a:bodyPr vert="horz" wrap="square" lIns="91440" tIns="45720" rIns="91440" bIns="45720" numCol="1" anchor="t" anchorCtr="0" compatLnSpc="1">
-            <a:prstTxWarp prst="textNoShape">
-              <a:avLst/>
-            </a:prstTxWarp>
-          </a:bodyPr>
-          <a:lstStyle>
-            <a:lvl1pPr marL="342900" indent="-342900" algn="l" rtl="0" eaLnBrk="0" fontAlgn="base" hangingPunct="0">
-              <a:spcBef>
-                <a:spcPct val="20000"/>
-              </a:spcBef>
-              <a:spcAft>
-                <a:spcPct val="0"/>
-              </a:spcAft>
-              <a:buChar char="•"/>
-              <a:defRPr kumimoji="1" sz="3200">
-                <a:solidFill>
-                  <a:srgbClr val="4D4D4D"/>
-                </a:solidFill>
-                <a:latin typeface="+mn-lt"/>
-                <a:ea typeface="+mn-ea"/>
-                <a:cs typeface="+mn-cs"/>
-              </a:defRPr>
-            </a:lvl1pPr>
-            <a:lvl2pPr marL="742950" indent="-285750" algn="l" rtl="0" eaLnBrk="0" fontAlgn="base" hangingPunct="0">
-              <a:spcBef>
-                <a:spcPct val="20000"/>
-              </a:spcBef>
-              <a:spcAft>
-                <a:spcPct val="0"/>
-              </a:spcAft>
-              <a:buChar char="–"/>
-              <a:defRPr kumimoji="1" sz="2800">
-                <a:solidFill>
-                  <a:srgbClr val="4D4D4D"/>
-                </a:solidFill>
-                <a:latin typeface="+mn-lt"/>
-                <a:ea typeface="+mn-ea"/>
-              </a:defRPr>
-            </a:lvl2pPr>
-            <a:lvl3pPr marL="1143000" indent="-228600" algn="l" rtl="0" eaLnBrk="0" fontAlgn="base" hangingPunct="0">
-              <a:spcBef>
-                <a:spcPct val="20000"/>
-              </a:spcBef>
-              <a:spcAft>
-                <a:spcPct val="0"/>
-              </a:spcAft>
-              <a:buChar char="•"/>
-              <a:defRPr kumimoji="1" sz="2400">
-                <a:solidFill>
-                  <a:srgbClr val="4D4D4D"/>
-                </a:solidFill>
-                <a:latin typeface="+mn-lt"/>
-                <a:ea typeface="+mn-ea"/>
-              </a:defRPr>
-            </a:lvl3pPr>
-            <a:lvl4pPr marL="1600200" indent="-228600" algn="l" rtl="0" eaLnBrk="0" fontAlgn="base" hangingPunct="0">
-              <a:spcBef>
-                <a:spcPct val="20000"/>
-              </a:spcBef>
-              <a:spcAft>
-                <a:spcPct val="0"/>
-              </a:spcAft>
-              <a:buChar char="–"/>
-              <a:defRPr kumimoji="1" sz="2000">
-                <a:solidFill>
-                  <a:srgbClr val="4D4D4D"/>
-                </a:solidFill>
-                <a:latin typeface="+mn-lt"/>
-                <a:ea typeface="+mn-ea"/>
-              </a:defRPr>
-            </a:lvl4pPr>
-            <a:lvl5pPr marL="2057400" indent="-228600" algn="l" rtl="0" eaLnBrk="0" fontAlgn="base" hangingPunct="0">
-              <a:spcBef>
-                <a:spcPct val="20000"/>
-              </a:spcBef>
-              <a:spcAft>
-                <a:spcPct val="0"/>
-              </a:spcAft>
-              <a:buChar char="»"/>
-              <a:defRPr kumimoji="1" sz="2000">
-                <a:solidFill>
-                  <a:srgbClr val="4D4D4D"/>
-                </a:solidFill>
-                <a:latin typeface="+mn-lt"/>
-                <a:ea typeface="+mn-ea"/>
-              </a:defRPr>
-            </a:lvl5pPr>
-            <a:lvl6pPr marL="2514600" indent="-228600" algn="l" rtl="0" fontAlgn="base">
-              <a:spcBef>
-                <a:spcPct val="20000"/>
-              </a:spcBef>
-              <a:spcAft>
-                <a:spcPct val="0"/>
-              </a:spcAft>
-              <a:buChar char="»"/>
-              <a:defRPr kumimoji="1" sz="2000">
-                <a:solidFill>
-                  <a:srgbClr val="4D4D4D"/>
-                </a:solidFill>
-                <a:latin typeface="+mn-lt"/>
-                <a:ea typeface="+mn-ea"/>
-              </a:defRPr>
-            </a:lvl6pPr>
-            <a:lvl7pPr marL="2971800" indent="-228600" algn="l" rtl="0" fontAlgn="base">
-              <a:spcBef>
-                <a:spcPct val="20000"/>
-              </a:spcBef>
-              <a:spcAft>
-                <a:spcPct val="0"/>
-              </a:spcAft>
-              <a:buChar char="»"/>
-              <a:defRPr kumimoji="1" sz="2000">
-                <a:solidFill>
-                  <a:srgbClr val="4D4D4D"/>
-                </a:solidFill>
-                <a:latin typeface="+mn-lt"/>
-                <a:ea typeface="+mn-ea"/>
-              </a:defRPr>
-            </a:lvl7pPr>
-            <a:lvl8pPr marL="3429000" indent="-228600" algn="l" rtl="0" fontAlgn="base">
-              <a:spcBef>
-                <a:spcPct val="20000"/>
-              </a:spcBef>
-              <a:spcAft>
-                <a:spcPct val="0"/>
-              </a:spcAft>
-              <a:buChar char="»"/>
-              <a:defRPr kumimoji="1" sz="2000">
-                <a:solidFill>
-                  <a:srgbClr val="4D4D4D"/>
-                </a:solidFill>
-                <a:latin typeface="+mn-lt"/>
-                <a:ea typeface="+mn-ea"/>
-              </a:defRPr>
-            </a:lvl8pPr>
-            <a:lvl9pPr marL="3886200" indent="-228600" algn="l" rtl="0" fontAlgn="base">
-              <a:spcBef>
-                <a:spcPct val="20000"/>
-              </a:spcBef>
-              <a:spcAft>
-                <a:spcPct val="0"/>
-              </a:spcAft>
-              <a:buChar char="»"/>
-              <a:defRPr kumimoji="1" sz="2000">
-                <a:solidFill>
-                  <a:srgbClr val="4D4D4D"/>
-                </a:solidFill>
-                <a:latin typeface="+mn-lt"/>
-                <a:ea typeface="+mn-ea"/>
-              </a:defRPr>
-            </a:lvl9pPr>
-          </a:lstStyle>
-          <a:p>
-            <a:pPr eaLnBrk="1" hangingPunct="1">
-              <a:lnSpc>
-                <a:spcPct val="80000"/>
-              </a:lnSpc>
-            </a:pPr>
-            <a:r>
-              <a:rPr lang="en-US" altLang="ja-JP" sz="2400" kern="0" dirty="0">
-                <a:solidFill>
-                  <a:schemeClr val="tx1">
-                    <a:lumMod val="65000"/>
-                    <a:lumOff val="35000"/>
-                  </a:schemeClr>
-                </a:solidFill>
-              </a:rPr>
-              <a:t>Raspberry</a:t>
-            </a:r>
-            <a:r>
-              <a:rPr lang="ja-JP" altLang="en-US" sz="2400" kern="0" dirty="0">
-                <a:solidFill>
-                  <a:schemeClr val="tx1">
-                    <a:lumMod val="65000"/>
-                    <a:lumOff val="35000"/>
-                  </a:schemeClr>
-                </a:solidFill>
-              </a:rPr>
-              <a:t> </a:t>
-            </a:r>
-            <a:r>
-              <a:rPr lang="en-US" altLang="ja-JP" sz="2400" kern="0" dirty="0">
-                <a:solidFill>
-                  <a:schemeClr val="tx1">
-                    <a:lumMod val="65000"/>
-                    <a:lumOff val="35000"/>
-                  </a:schemeClr>
-                </a:solidFill>
-              </a:rPr>
-              <a:t>Pi</a:t>
-            </a:r>
-            <a:r>
-              <a:rPr lang="ja-JP" altLang="en-US" sz="2400" kern="0" dirty="0">
-                <a:solidFill>
-                  <a:schemeClr val="tx1">
-                    <a:lumMod val="65000"/>
-                    <a:lumOff val="35000"/>
-                  </a:schemeClr>
-                </a:solidFill>
-              </a:rPr>
-              <a:t>マウスを貸し出していない場合はここまでで実習終了です。</a:t>
-            </a:r>
-            <a:endParaRPr lang="en-US" altLang="ja-JP" sz="2400" kern="0" dirty="0">
-              <a:solidFill>
-                <a:schemeClr val="tx1">
-                  <a:lumMod val="65000"/>
-                  <a:lumOff val="35000"/>
-                </a:schemeClr>
-              </a:solidFill>
-            </a:endParaRPr>
-          </a:p>
-          <a:p>
-            <a:pPr lvl="1" eaLnBrk="1" hangingPunct="1">
-              <a:lnSpc>
-                <a:spcPct val="80000"/>
-              </a:lnSpc>
-            </a:pPr>
-            <a:endParaRPr lang="en-US" altLang="ja-JP" sz="2000" kern="0" dirty="0">
-              <a:solidFill>
-                <a:schemeClr val="tx1">
-                  <a:lumMod val="65000"/>
-                  <a:lumOff val="35000"/>
-                </a:schemeClr>
-              </a:solidFill>
-            </a:endParaRPr>
-          </a:p>
-          <a:p>
-            <a:pPr eaLnBrk="1" hangingPunct="1">
-              <a:lnSpc>
-                <a:spcPct val="80000"/>
-              </a:lnSpc>
-            </a:pPr>
-            <a:r>
-              <a:rPr lang="ja-JP" altLang="en-US" sz="2400" kern="0" dirty="0">
-                <a:solidFill>
-                  <a:schemeClr val="tx1">
-                    <a:lumMod val="65000"/>
-                    <a:lumOff val="35000"/>
-                  </a:schemeClr>
-                </a:solidFill>
-              </a:rPr>
-              <a:t>講習会のアンケートへの協力をお願いします。</a:t>
-            </a:r>
-            <a:endParaRPr lang="en-US" altLang="ja-JP" sz="2400" kern="0" dirty="0">
-              <a:solidFill>
-                <a:schemeClr val="tx1">
-                  <a:lumMod val="65000"/>
-                  <a:lumOff val="35000"/>
-                </a:schemeClr>
-              </a:solidFill>
-            </a:endParaRPr>
-          </a:p>
-          <a:p>
-            <a:pPr lvl="1" eaLnBrk="1" hangingPunct="1">
-              <a:lnSpc>
-                <a:spcPct val="80000"/>
-              </a:lnSpc>
-            </a:pPr>
-            <a:r>
-              <a:rPr lang="en-US" altLang="ja-JP" sz="2000" kern="0" dirty="0">
-                <a:solidFill>
-                  <a:schemeClr val="tx1">
-                    <a:lumMod val="65000"/>
-                    <a:lumOff val="35000"/>
-                  </a:schemeClr>
-                </a:solidFill>
-                <a:hlinkClick r:id="rId3"/>
-              </a:rPr>
-              <a:t>https://forms.gle/t6H2MMBNdQPmAovU6</a:t>
-            </a:r>
-            <a:endParaRPr lang="en-US" altLang="ja-JP" sz="2000" kern="0" dirty="0">
-              <a:solidFill>
-                <a:schemeClr val="tx1">
-                  <a:lumMod val="65000"/>
-                  <a:lumOff val="35000"/>
-                </a:schemeClr>
-              </a:solidFill>
-            </a:endParaRPr>
-          </a:p>
-          <a:p>
-            <a:pPr lvl="1" eaLnBrk="1" hangingPunct="1">
-              <a:lnSpc>
-                <a:spcPct val="80000"/>
-              </a:lnSpc>
-            </a:pPr>
-            <a:endParaRPr lang="ja-JP" altLang="en-US" sz="2000" kern="0" dirty="0">
-              <a:solidFill>
-                <a:schemeClr val="tx1">
-                  <a:lumMod val="65000"/>
-                  <a:lumOff val="35000"/>
-                </a:schemeClr>
-              </a:solidFill>
-            </a:endParaRPr>
-          </a:p>
-          <a:p>
-            <a:pPr eaLnBrk="1" hangingPunct="1">
-              <a:lnSpc>
-                <a:spcPct val="80000"/>
-              </a:lnSpc>
-            </a:pPr>
-            <a:endParaRPr lang="en-US" altLang="ja-JP" sz="2000" kern="0" dirty="0">
-              <a:solidFill>
-                <a:schemeClr val="tx1">
-                  <a:lumMod val="65000"/>
-                  <a:lumOff val="35000"/>
-                </a:schemeClr>
-              </a:solidFill>
-            </a:endParaRPr>
-          </a:p>
-          <a:p>
-            <a:pPr lvl="2" eaLnBrk="1" hangingPunct="1">
-              <a:lnSpc>
-                <a:spcPct val="80000"/>
-              </a:lnSpc>
-            </a:pPr>
-            <a:endParaRPr lang="en-US" altLang="ja-JP" sz="2000" kern="0" dirty="0">
-              <a:solidFill>
-                <a:schemeClr val="tx1">
-                  <a:lumMod val="65000"/>
-                  <a:lumOff val="35000"/>
-                </a:schemeClr>
-              </a:solidFill>
-            </a:endParaRPr>
-          </a:p>
-          <a:p>
-            <a:pPr lvl="2" eaLnBrk="1" hangingPunct="1">
-              <a:lnSpc>
-                <a:spcPct val="80000"/>
-              </a:lnSpc>
-            </a:pPr>
-            <a:endParaRPr lang="en-US" altLang="ja-JP" sz="2000" kern="0" dirty="0">
-              <a:solidFill>
-                <a:schemeClr val="tx1">
-                  <a:lumMod val="65000"/>
-                  <a:lumOff val="35000"/>
-                </a:schemeClr>
-              </a:solidFill>
-            </a:endParaRPr>
-          </a:p>
-          <a:p>
-            <a:pPr lvl="2" eaLnBrk="1" hangingPunct="1">
-              <a:lnSpc>
-                <a:spcPct val="80000"/>
-              </a:lnSpc>
-            </a:pPr>
-            <a:endParaRPr lang="en-US" altLang="ja-JP" sz="2000" kern="0" dirty="0">
-              <a:solidFill>
-                <a:schemeClr val="tx1">
-                  <a:lumMod val="65000"/>
-                  <a:lumOff val="35000"/>
-                </a:schemeClr>
-              </a:solidFill>
-            </a:endParaRPr>
-          </a:p>
-          <a:p>
-            <a:pPr lvl="2" eaLnBrk="1" hangingPunct="1">
-              <a:lnSpc>
-                <a:spcPct val="80000"/>
-              </a:lnSpc>
-            </a:pPr>
-            <a:endParaRPr lang="en-US" altLang="ja-JP" sz="2000" kern="0" dirty="0">
-              <a:solidFill>
-                <a:schemeClr val="tx1">
-                  <a:lumMod val="65000"/>
-                  <a:lumOff val="35000"/>
-                </a:schemeClr>
-              </a:solidFill>
-            </a:endParaRPr>
-          </a:p>
-          <a:p>
-            <a:pPr lvl="2" eaLnBrk="1" hangingPunct="1">
-              <a:lnSpc>
-                <a:spcPct val="80000"/>
-              </a:lnSpc>
-            </a:pPr>
-            <a:endParaRPr lang="en-US" altLang="ja-JP" sz="2000" kern="0" dirty="0">
-              <a:solidFill>
-                <a:schemeClr val="tx1">
-                  <a:lumMod val="65000"/>
-                  <a:lumOff val="35000"/>
-                </a:schemeClr>
-              </a:solidFill>
-            </a:endParaRPr>
-          </a:p>
-          <a:p>
-            <a:pPr lvl="2" eaLnBrk="1" hangingPunct="1">
-              <a:lnSpc>
-                <a:spcPct val="80000"/>
-              </a:lnSpc>
-            </a:pPr>
-            <a:endParaRPr lang="en-US" altLang="ja-JP" sz="2000" kern="0" dirty="0">
-              <a:solidFill>
-                <a:schemeClr val="tx1">
-                  <a:lumMod val="65000"/>
-                  <a:lumOff val="35000"/>
-                </a:schemeClr>
-              </a:solidFill>
-            </a:endParaRPr>
-          </a:p>
-          <a:p>
-            <a:pPr marL="914400" lvl="2" indent="0" eaLnBrk="1" hangingPunct="1">
-              <a:lnSpc>
-                <a:spcPct val="80000"/>
-              </a:lnSpc>
-              <a:buNone/>
-            </a:pPr>
-            <a:endParaRPr lang="en-US" altLang="ja-JP" sz="2000" kern="0" dirty="0">
-              <a:solidFill>
-                <a:schemeClr val="tx1">
-                  <a:lumMod val="65000"/>
-                  <a:lumOff val="35000"/>
-                </a:schemeClr>
-              </a:solidFill>
-            </a:endParaRPr>
-          </a:p>
-          <a:p>
-            <a:pPr lvl="2" eaLnBrk="1" hangingPunct="1">
-              <a:lnSpc>
-                <a:spcPct val="80000"/>
-              </a:lnSpc>
-            </a:pPr>
-            <a:endParaRPr lang="en-US" altLang="ja-JP" sz="1600" kern="0" dirty="0">
-              <a:solidFill>
-                <a:schemeClr val="tx1">
-                  <a:lumMod val="65000"/>
-                  <a:lumOff val="35000"/>
-                </a:schemeClr>
-              </a:solidFill>
-            </a:endParaRPr>
-          </a:p>
-        </p:txBody>
-      </p:sp>
-    </p:spTree>
-    <p:extLst>
-      <p:ext uri="{BB962C8B-B14F-4D97-AF65-F5344CB8AC3E}">
-        <p14:creationId xmlns:p14="http://schemas.microsoft.com/office/powerpoint/2010/main" val="2553364746"/>
-      </p:ext>
-    </p:extLst>
-  </p:cSld>
-  <p:clrMapOvr>
-    <a:masterClrMapping/>
-  </p:clrMapOvr>
-</p:sld>
-</file>
-
 <file path=ppt/slides/slide2.xml><?xml version="1.0" encoding="utf-8"?>
 <p:sld xmlns:a="http://schemas.openxmlformats.org/drawingml/2006/main" xmlns:r="http://schemas.openxmlformats.org/officeDocument/2006/relationships" xmlns:p="http://schemas.openxmlformats.org/presentationml/2006/main">
   <p:cSld>
@@ -34189,7 +32455,7 @@
                   </a:schemeClr>
                 </a:solidFill>
               </a:rPr>
-              <a:t>Pyyaml</a:t>
+              <a:t>PyYAML</a:t>
             </a:r>
             <a:r>
               <a:rPr lang="ja-JP" altLang="en-US" sz="2400" kern="0" dirty="0">

--- a/ppt/rtshell入門.pptx
+++ b/ppt/rtshell入門.pptx
@@ -12714,7 +12714,7 @@
           <p:nvPr/>
         </p:nvPicPr>
         <p:blipFill>
-          <a:blip r:embed="rId15">
+          <a:blip r:embed="rId16">
             <a:extLst>
               <a:ext uri="{28A0092B-C50C-407E-A947-70E740481C1C}">
                 <a14:useLocalDpi xmlns:a14="http://schemas.microsoft.com/office/drawing/2010/main" val="0"/>
@@ -13009,7 +13009,7 @@
           <p:nvPr/>
         </p:nvPicPr>
         <p:blipFill>
-          <a:blip r:embed="rId16">
+          <a:blip r:embed="rId17">
             <a:extLst>
               <a:ext uri="{28A0092B-C50C-407E-A947-70E740481C1C}">
                 <a14:useLocalDpi xmlns:a14="http://schemas.microsoft.com/office/drawing/2010/main" val="0"/>
@@ -13139,12 +13139,12 @@
           <a:graphicData uri="http://schemas.openxmlformats.org/presentationml/2006/ole">
             <mc:AlternateContent xmlns:mc="http://schemas.openxmlformats.org/markup-compatibility/2006">
               <mc:Choice xmlns:v="urn:schemas-microsoft-com:vml" Requires="v">
-                <p:oleObj name="Corel DESIGNER" r:id="rId17" imgW="2743200" imgH="1536480" progId="Corel DESIGNER.Graphic.10">
+                <p:oleObj spid="_x0000_s1030" name="Corel DESIGNER" r:id="rId18" imgW="2743200" imgH="1536480" progId="Corel DESIGNER.Graphic.10">
                   <p:embed/>
                 </p:oleObj>
               </mc:Choice>
               <mc:Fallback>
-                <p:oleObj name="Corel DESIGNER" r:id="rId17" imgW="2743200" imgH="1536480" progId="Corel DESIGNER.Graphic.10">
+                <p:oleObj name="Corel DESIGNER" r:id="rId18" imgW="2743200" imgH="1536480" progId="Corel DESIGNER.Graphic.10">
                   <p:embed/>
                   <p:pic>
                     <p:nvPicPr>
@@ -13155,7 +13155,7 @@
                       <p:nvPr/>
                     </p:nvPicPr>
                     <p:blipFill>
-                      <a:blip r:embed="rId18">
+                      <a:blip r:embed="rId19">
                         <a:extLst>
                           <a:ext uri="{28A0092B-C50C-407E-A947-70E740481C1C}">
                             <a14:useLocalDpi xmlns:a14="http://schemas.microsoft.com/office/drawing/2010/main" val="0"/>
@@ -17994,14 +17994,10 @@
             </a:r>
             <a:r>
               <a:rPr lang="en-US" altLang="ja-JP" sz="2000" dirty="0"/>
-              <a:t> localhost/%COMPUTERNAME%</a:t>
-            </a:r>
-            <a:r>
-              <a:rPr lang="en-US" altLang="ja-JP" sz="2000" u="sng" dirty="0"/>
-              <a:t>.</a:t>
-            </a:r>
-            <a:r>
-              <a:rPr lang="en-US" altLang="ja-JP" sz="2000" u="sng" dirty="0" err="1"/>
+              <a:t> localhost/%COMPUTERNAME%.</a:t>
+            </a:r>
+            <a:r>
+              <a:rPr lang="en-US" altLang="ja-JP" sz="2000" dirty="0" err="1"/>
               <a:t>host_cxt</a:t>
             </a:r>
             <a:r>
@@ -22053,7 +22049,7 @@
                   </a:schemeClr>
                 </a:solidFill>
               </a:rPr>
-              <a:t>記述が完了したら、</a:t>
+              <a:t>記述が完了したら、ファイル保存後に</a:t>
             </a:r>
             <a:r>
               <a:rPr lang="en-US" altLang="ja-JP" sz="2400" kern="0" dirty="0">
@@ -23205,10 +23201,10 @@
                   </a:schemeClr>
                 </a:solidFill>
               </a:rPr>
-              <a:t>記述が完了したら、</a:t>
-            </a:r>
-            <a:r>
-              <a:rPr lang="en-US" altLang="ja-JP" sz="2400" kern="0" dirty="0">
+              <a:t>記述が完了</a:t>
+            </a:r>
+            <a:r>
+              <a:rPr lang="ja-JP" altLang="en-US" sz="2400" kern="0">
                 <a:solidFill>
                   <a:schemeClr val="tx1">
                     <a:lumMod val="65000"/>
@@ -23216,7 +23212,29 @@
                   </a:schemeClr>
                 </a:solidFill>
               </a:rPr>
-              <a:t>robotcontroller_exit.bat</a:t>
+              <a:t>したら、ファイル保存後に</a:t>
+            </a:r>
+            <a:r>
+              <a:rPr lang="en-US" altLang="ja-JP" sz="2400" kern="0">
+                <a:solidFill>
+                  <a:schemeClr val="tx1">
+                    <a:lumMod val="65000"/>
+                    <a:lumOff val="35000"/>
+                  </a:schemeClr>
+                </a:solidFill>
+              </a:rPr>
+              <a:t>robotcontroller</a:t>
+            </a:r>
+            <a:r>
+              <a:rPr lang="en-US" altLang="ja-JP" sz="2400" kern="0" dirty="0">
+                <a:solidFill>
+                  <a:schemeClr val="tx1">
+                    <a:lumMod val="65000"/>
+                    <a:lumOff val="35000"/>
+                  </a:schemeClr>
+                </a:solidFill>
+              </a:rPr>
+              <a:t>_exit.bat</a:t>
             </a:r>
             <a:r>
               <a:rPr lang="ja-JP" altLang="en-US" sz="2400" kern="0" dirty="0">
@@ -24019,14 +24037,10 @@
             </a:r>
             <a:r>
               <a:rPr lang="en-US" altLang="ja-JP" sz="2000" dirty="0"/>
-              <a:t> localhost/ %COMPUTERNAME%</a:t>
-            </a:r>
-            <a:r>
-              <a:rPr lang="en-US" altLang="ja-JP" sz="2000" u="sng" dirty="0"/>
-              <a:t>.</a:t>
-            </a:r>
-            <a:r>
-              <a:rPr lang="en-US" altLang="ja-JP" sz="2000" u="sng" dirty="0" err="1"/>
+              <a:t> localhost/%COMPUTERNAME%.</a:t>
+            </a:r>
+            <a:r>
+              <a:rPr lang="en-US" altLang="ja-JP" sz="2000" dirty="0" err="1"/>
               <a:t>host_cxt</a:t>
             </a:r>
             <a:r>

--- a/ppt/rtshell入門.pptx
+++ b/ppt/rtshell入門.pptx
@@ -13139,7 +13139,7 @@
           <a:graphicData uri="http://schemas.openxmlformats.org/presentationml/2006/ole">
             <mc:AlternateContent xmlns:mc="http://schemas.openxmlformats.org/markup-compatibility/2006">
               <mc:Choice xmlns:v="urn:schemas-microsoft-com:vml" Requires="v">
-                <p:oleObj spid="_x0000_s1030" name="Corel DESIGNER" r:id="rId18" imgW="2743200" imgH="1536480" progId="Corel DESIGNER.Graphic.10">
+                <p:oleObj spid="_x0000_s1031" name="Corel DESIGNER" r:id="rId18" imgW="2743200" imgH="1536480" progId="Corel DESIGNER.Graphic.10">
                   <p:embed/>
                 </p:oleObj>
               </mc:Choice>
@@ -33150,7 +33150,23 @@
                   <a:schemeClr val="tx1"/>
                 </a:solidFill>
               </a:rPr>
-              <a:t>ファイルを保存するパスを指定する。適宜パスは分かりやすい場所に変更してください</a:t>
+              <a:t>ファイルを保存するパスを指定</a:t>
+            </a:r>
+            <a:r>
+              <a:rPr kumimoji="1" lang="ja-JP" altLang="en-US" sz="2000">
+                <a:solidFill>
+                  <a:schemeClr val="tx1"/>
+                </a:solidFill>
+              </a:rPr>
+              <a:t>する。パス</a:t>
+            </a:r>
+            <a:r>
+              <a:rPr kumimoji="1" lang="ja-JP" altLang="en-US" sz="2000" dirty="0">
+                <a:solidFill>
+                  <a:schemeClr val="tx1"/>
+                </a:solidFill>
+              </a:rPr>
+              <a:t>は分かりやすい場所に変更してください</a:t>
             </a:r>
           </a:p>
         </p:txBody>

--- a/ppt/rtshell入門.pptx
+++ b/ppt/rtshell入門.pptx
@@ -13139,7 +13139,7 @@
           <a:graphicData uri="http://schemas.openxmlformats.org/presentationml/2006/ole">
             <mc:AlternateContent xmlns:mc="http://schemas.openxmlformats.org/markup-compatibility/2006">
               <mc:Choice xmlns:v="urn:schemas-microsoft-com:vml" Requires="v">
-                <p:oleObj spid="_x0000_s1031" name="Corel DESIGNER" r:id="rId18" imgW="2743200" imgH="1536480" progId="Corel DESIGNER.Graphic.10">
+                <p:oleObj spid="_x0000_s1036" name="Corel DESIGNER" r:id="rId18" imgW="2743200" imgH="1536480" progId="Corel DESIGNER.Graphic.10">
                   <p:embed/>
                 </p:oleObj>
               </mc:Choice>
@@ -13750,7 +13750,7 @@
               <a:t>CPS</a:t>
             </a:r>
             <a:r>
-              <a:rPr lang="ja-JP" altLang="en-US" sz="2000" dirty="0">
+              <a:rPr lang="ja-JP" altLang="en-US" sz="2000">
                 <a:solidFill>
                   <a:srgbClr val="5F5F5F"/>
                 </a:solidFill>
@@ -13758,22 +13758,6 @@
               <a:t>研究センター</a:t>
             </a:r>
             <a:endParaRPr lang="en-US" altLang="ja-JP" sz="2000" dirty="0">
-              <a:solidFill>
-                <a:srgbClr val="5F5F5F"/>
-              </a:solidFill>
-            </a:endParaRPr>
-          </a:p>
-          <a:p>
-            <a:pPr algn="l" eaLnBrk="1" hangingPunct="1"/>
-            <a:r>
-              <a:rPr lang="ja-JP" altLang="en-US" sz="2000">
-                <a:solidFill>
-                  <a:srgbClr val="5F5F5F"/>
-                </a:solidFill>
-              </a:rPr>
-              <a:t>ソフトウェアプラットフォーム研究チーム</a:t>
-            </a:r>
-            <a:endParaRPr lang="ja-JP" altLang="en-US" sz="2000" dirty="0">
               <a:solidFill>
                 <a:srgbClr val="5F5F5F"/>
               </a:solidFill>
@@ -21604,18 +21588,21 @@
             </a:r>
             <a:r>
               <a:rPr lang="en-US" altLang="ja-JP" sz="2000" u="sng" dirty="0"/>
-              <a:t>/build/</a:t>
-            </a:r>
-            <a:r>
-              <a:rPr lang="en-US" altLang="ja-JP" sz="2000" u="sng" dirty="0" err="1"/>
-              <a:t>src</a:t>
-            </a:r>
-            <a:endParaRPr lang="en-US" altLang="ja-JP" sz="2000" u="sng" dirty="0"/>
+              <a:t>/build</a:t>
+            </a:r>
           </a:p>
           <a:p>
             <a:r>
               <a:rPr lang="en-US" altLang="ja-JP" sz="2000" dirty="0"/>
               <a:t>./</a:t>
+            </a:r>
+            <a:r>
+              <a:rPr lang="en-US" altLang="ja-JP" sz="2000" dirty="0" err="1"/>
+              <a:t>src</a:t>
+            </a:r>
+            <a:r>
+              <a:rPr lang="en-US" altLang="ja-JP" sz="2000" dirty="0"/>
+              <a:t>/</a:t>
             </a:r>
             <a:r>
               <a:rPr lang="en-US" altLang="ja-JP" sz="2000" dirty="0" err="1"/>

--- a/ppt/rtshell入門.pptx
+++ b/ppt/rtshell入門.pptx
@@ -13139,7 +13139,7 @@
           <a:graphicData uri="http://schemas.openxmlformats.org/presentationml/2006/ole">
             <mc:AlternateContent xmlns:mc="http://schemas.openxmlformats.org/markup-compatibility/2006">
               <mc:Choice xmlns:v="urn:schemas-microsoft-com:vml" Requires="v">
-                <p:oleObj spid="_x0000_s1036" name="Corel DESIGNER" r:id="rId18" imgW="2743200" imgH="1536480" progId="Corel DESIGNER.Graphic.10">
+                <p:oleObj spid="_x0000_s1038" name="Corel DESIGNER" r:id="rId18" imgW="2743200" imgH="1536480" progId="Corel DESIGNER.Graphic.10">
                   <p:embed/>
                 </p:oleObj>
               </mc:Choice>
@@ -30544,8 +30544,8 @@
         </p:nvSpPr>
         <p:spPr>
           <a:xfrm>
-            <a:off x="844566" y="2774771"/>
-            <a:ext cx="7535890" cy="446087"/>
+            <a:off x="656565" y="2774771"/>
+            <a:ext cx="8103275" cy="446087"/>
           </a:xfrm>
           <a:prstGeom prst="rect">
             <a:avLst/>
@@ -30591,7 +30591,31 @@
             </a:r>
             <a:r>
               <a:rPr lang="en-US" altLang="ja-JP" sz="2000" dirty="0"/>
-              <a:t> -o C:\work\robotcontroller.xml localhost</a:t>
+              <a:t> -o ${</a:t>
+            </a:r>
+            <a:r>
+              <a:rPr lang="ja-JP" altLang="en-US" sz="2000" dirty="0"/>
+              <a:t>保存する</a:t>
+            </a:r>
+            <a:r>
+              <a:rPr lang="en-US" altLang="ja-JP" sz="2000" dirty="0"/>
+              <a:t>XML</a:t>
+            </a:r>
+            <a:r>
+              <a:rPr lang="ja-JP" altLang="en-US" sz="2000" dirty="0"/>
+              <a:t>ファイルのパス</a:t>
+            </a:r>
+            <a:r>
+              <a:rPr lang="en-US" altLang="ja-JP" sz="2000" dirty="0"/>
+              <a:t>} ${</a:t>
+            </a:r>
+            <a:r>
+              <a:rPr lang="ja-JP" altLang="en-US" sz="2000" dirty="0"/>
+              <a:t>ネームサーバーのアドレス</a:t>
+            </a:r>
+            <a:r>
+              <a:rPr lang="en-US" altLang="ja-JP" sz="2000" dirty="0"/>
+              <a:t>}</a:t>
             </a:r>
             <a:endParaRPr kumimoji="1" lang="ja-JP" altLang="en-US" sz="2000" dirty="0"/>
           </a:p>
@@ -31503,7 +31527,23 @@
             </a:r>
             <a:r>
               <a:rPr lang="en-US" altLang="ja-JP" sz="2000" dirty="0"/>
-              <a:t> C:\work\robotcontroller.xml</a:t>
+              <a:t> ${</a:t>
+            </a:r>
+            <a:r>
+              <a:rPr lang="ja-JP" altLang="en-US" sz="2000"/>
+              <a:t>読み込む</a:t>
+            </a:r>
+            <a:r>
+              <a:rPr lang="en-US" altLang="ja-JP" sz="2000"/>
+              <a:t>XML</a:t>
+            </a:r>
+            <a:r>
+              <a:rPr lang="ja-JP" altLang="en-US" sz="2000" dirty="0"/>
+              <a:t>ファイルのパス</a:t>
+            </a:r>
+            <a:r>
+              <a:rPr lang="en-US" altLang="ja-JP" sz="2000" dirty="0"/>
+              <a:t>}</a:t>
             </a:r>
             <a:endParaRPr kumimoji="1" lang="ja-JP" altLang="en-US" sz="2000" dirty="0"/>
           </a:p>

--- a/ppt/rtshell入門.pptx
+++ b/ppt/rtshell入門.pptx
@@ -13139,7 +13139,7 @@
           <a:graphicData uri="http://schemas.openxmlformats.org/presentationml/2006/ole">
             <mc:AlternateContent xmlns:mc="http://schemas.openxmlformats.org/markup-compatibility/2006">
               <mc:Choice xmlns:v="urn:schemas-microsoft-com:vml" Requires="v">
-                <p:oleObj spid="_x0000_s1038" name="Corel DESIGNER" r:id="rId18" imgW="2743200" imgH="1536480" progId="Corel DESIGNER.Graphic.10">
+                <p:oleObj spid="_x0000_s1039" name="Corel DESIGNER" r:id="rId18" imgW="2743200" imgH="1536480" progId="Corel DESIGNER.Graphic.10">
                   <p:embed/>
                 </p:oleObj>
               </mc:Choice>
@@ -31531,7 +31531,7 @@
             </a:r>
             <a:r>
               <a:rPr lang="ja-JP" altLang="en-US" sz="2000"/>
-              <a:t>読み込む</a:t>
+              <a:t>保存した</a:t>
             </a:r>
             <a:r>
               <a:rPr lang="en-US" altLang="ja-JP" sz="2000"/>

--- a/ppt/rtshell入門.pptx
+++ b/ppt/rtshell入門.pptx
@@ -12714,7 +12714,7 @@
           <p:nvPr/>
         </p:nvPicPr>
         <p:blipFill>
-          <a:blip r:embed="rId16">
+          <a:blip r:embed="rId15">
             <a:extLst>
               <a:ext uri="{28A0092B-C50C-407E-A947-70E740481C1C}">
                 <a14:useLocalDpi xmlns:a14="http://schemas.microsoft.com/office/drawing/2010/main" val="0"/>
@@ -13009,7 +13009,7 @@
           <p:nvPr/>
         </p:nvPicPr>
         <p:blipFill>
-          <a:blip r:embed="rId17">
+          <a:blip r:embed="rId16">
             <a:extLst>
               <a:ext uri="{28A0092B-C50C-407E-A947-70E740481C1C}">
                 <a14:useLocalDpi xmlns:a14="http://schemas.microsoft.com/office/drawing/2010/main" val="0"/>
@@ -13139,12 +13139,12 @@
           <a:graphicData uri="http://schemas.openxmlformats.org/presentationml/2006/ole">
             <mc:AlternateContent xmlns:mc="http://schemas.openxmlformats.org/markup-compatibility/2006">
               <mc:Choice xmlns:v="urn:schemas-microsoft-com:vml" Requires="v">
-                <p:oleObj spid="_x0000_s1039" name="Corel DESIGNER" r:id="rId18" imgW="2743200" imgH="1536480" progId="Corel DESIGNER.Graphic.10">
+                <p:oleObj name="Corel DESIGNER" r:id="rId17" imgW="2743200" imgH="1536480" progId="Corel DESIGNER.Graphic.10">
                   <p:embed/>
                 </p:oleObj>
               </mc:Choice>
               <mc:Fallback>
-                <p:oleObj name="Corel DESIGNER" r:id="rId18" imgW="2743200" imgH="1536480" progId="Corel DESIGNER.Graphic.10">
+                <p:oleObj name="Corel DESIGNER" r:id="rId17" imgW="2743200" imgH="1536480" progId="Corel DESIGNER.Graphic.10">
                   <p:embed/>
                   <p:pic>
                     <p:nvPicPr>
@@ -13155,7 +13155,7 @@
                       <p:nvPr/>
                     </p:nvPicPr>
                     <p:blipFill>
-                      <a:blip r:embed="rId19">
+                      <a:blip r:embed="rId18">
                         <a:extLst>
                           <a:ext uri="{28A0092B-C50C-407E-A947-70E740481C1C}">
                             <a14:useLocalDpi xmlns:a14="http://schemas.microsoft.com/office/drawing/2010/main" val="0"/>
@@ -13734,28 +13734,12 @@
           <a:p>
             <a:pPr algn="l" eaLnBrk="1" hangingPunct="1"/>
             <a:r>
-              <a:rPr lang="ja-JP" altLang="en-US" sz="2000" dirty="0">
+              <a:rPr lang="ja-JP" altLang="en-US" sz="2000">
                 <a:solidFill>
                   <a:srgbClr val="5F5F5F"/>
                 </a:solidFill>
               </a:rPr>
-              <a:t>インダストリアル</a:t>
-            </a:r>
-            <a:r>
-              <a:rPr lang="en-US" altLang="ja-JP" sz="2000" dirty="0">
-                <a:solidFill>
-                  <a:srgbClr val="5F5F5F"/>
-                </a:solidFill>
-              </a:rPr>
-              <a:t>CPS</a:t>
-            </a:r>
-            <a:r>
-              <a:rPr lang="ja-JP" altLang="en-US" sz="2000">
-                <a:solidFill>
-                  <a:srgbClr val="5F5F5F"/>
-                </a:solidFill>
-              </a:rPr>
-              <a:t>研究センター</a:t>
+              <a:t>インテリジェントシステム研究部門</a:t>
             </a:r>
             <a:endParaRPr lang="en-US" altLang="ja-JP" sz="2000" dirty="0">
               <a:solidFill>
@@ -20724,14 +20708,17 @@
               </a:rPr>
               <a:t>バッチファイル</a:t>
             </a:r>
-            <a:endParaRPr lang="en-US" altLang="ja-JP" sz="2400" kern="0" dirty="0">
-              <a:solidFill>
-                <a:schemeClr val="tx1">
-                  <a:lumMod val="65000"/>
-                  <a:lumOff val="35000"/>
-                </a:schemeClr>
-              </a:solidFill>
-            </a:endParaRPr>
+            <a:r>
+              <a:rPr lang="en-US" altLang="ja-JP" sz="2400" kern="0" dirty="0">
+                <a:solidFill>
+                  <a:schemeClr val="tx1">
+                    <a:lumMod val="65000"/>
+                    <a:lumOff val="35000"/>
+                  </a:schemeClr>
+                </a:solidFill>
+              </a:rPr>
+              <a:t>(Windows)</a:t>
+            </a:r>
           </a:p>
           <a:p>
             <a:pPr lvl="2" eaLnBrk="1" hangingPunct="1">
@@ -20836,6 +20823,17 @@
                 </a:solidFill>
               </a:rPr>
               <a:t>シェルスクリプト</a:t>
+            </a:r>
+            <a:r>
+              <a:rPr lang="en-US" altLang="ja-JP" sz="2400" kern="0">
+                <a:solidFill>
+                  <a:schemeClr val="tx1">
+                    <a:lumMod val="65000"/>
+                    <a:lumOff val="35000"/>
+                  </a:schemeClr>
+                </a:solidFill>
+              </a:rPr>
+              <a:t>(Ubuntu)</a:t>
             </a:r>
             <a:endParaRPr lang="en-US" altLang="ja-JP" sz="2400" kern="0" dirty="0">
               <a:solidFill>
